--- a/tasks4.pptx
+++ b/tasks4.pptx
@@ -6,12 +6,24 @@
   </p:sldMasterIdLst>
   <p:sldIdLst>
     <p:sldId id="260" r:id="rId2"/>
-    <p:sldId id="269" r:id="rId3"/>
-    <p:sldId id="268" r:id="rId4"/>
-    <p:sldId id="262" r:id="rId5"/>
-    <p:sldId id="264" r:id="rId6"/>
-    <p:sldId id="265" r:id="rId7"/>
-    <p:sldId id="267" r:id="rId8"/>
+    <p:sldId id="264" r:id="rId3"/>
+    <p:sldId id="265" r:id="rId4"/>
+    <p:sldId id="270" r:id="rId5"/>
+    <p:sldId id="279" r:id="rId6"/>
+    <p:sldId id="269" r:id="rId7"/>
+    <p:sldId id="268" r:id="rId8"/>
+    <p:sldId id="262" r:id="rId9"/>
+    <p:sldId id="271" r:id="rId10"/>
+    <p:sldId id="272" r:id="rId11"/>
+    <p:sldId id="280" r:id="rId12"/>
+    <p:sldId id="273" r:id="rId13"/>
+    <p:sldId id="274" r:id="rId14"/>
+    <p:sldId id="283" r:id="rId15"/>
+    <p:sldId id="281" r:id="rId16"/>
+    <p:sldId id="275" r:id="rId17"/>
+    <p:sldId id="282" r:id="rId18"/>
+    <p:sldId id="277" r:id="rId19"/>
+    <p:sldId id="267" r:id="rId20"/>
   </p:sldIdLst>
   <p:sldSz cx="12192000" cy="6858000"/>
   <p:notesSz cx="6858000" cy="9144000"/>
@@ -267,7 +279,7 @@
           <a:p>
             <a:fld id="{4C324CBA-B5F8-49E4-A74D-FDDDFCEF0F4B}" type="datetimeFigureOut">
               <a:rPr lang="en-GB" smtClean="0"/>
-              <a:t>23/08/2021</a:t>
+              <a:t>24/08/2021</a:t>
             </a:fld>
             <a:endParaRPr lang="en-GB"/>
           </a:p>
@@ -467,7 +479,7 @@
           <a:p>
             <a:fld id="{4C324CBA-B5F8-49E4-A74D-FDDDFCEF0F4B}" type="datetimeFigureOut">
               <a:rPr lang="en-GB" smtClean="0"/>
-              <a:t>23/08/2021</a:t>
+              <a:t>24/08/2021</a:t>
             </a:fld>
             <a:endParaRPr lang="en-GB"/>
           </a:p>
@@ -677,7 +689,7 @@
           <a:p>
             <a:fld id="{4C324CBA-B5F8-49E4-A74D-FDDDFCEF0F4B}" type="datetimeFigureOut">
               <a:rPr lang="en-GB" smtClean="0"/>
-              <a:t>23/08/2021</a:t>
+              <a:t>24/08/2021</a:t>
             </a:fld>
             <a:endParaRPr lang="en-GB"/>
           </a:p>
@@ -877,7 +889,7 @@
           <a:p>
             <a:fld id="{4C324CBA-B5F8-49E4-A74D-FDDDFCEF0F4B}" type="datetimeFigureOut">
               <a:rPr lang="en-GB" smtClean="0"/>
-              <a:t>23/08/2021</a:t>
+              <a:t>24/08/2021</a:t>
             </a:fld>
             <a:endParaRPr lang="en-GB"/>
           </a:p>
@@ -1153,7 +1165,7 @@
           <a:p>
             <a:fld id="{4C324CBA-B5F8-49E4-A74D-FDDDFCEF0F4B}" type="datetimeFigureOut">
               <a:rPr lang="en-GB" smtClean="0"/>
-              <a:t>23/08/2021</a:t>
+              <a:t>24/08/2021</a:t>
             </a:fld>
             <a:endParaRPr lang="en-GB"/>
           </a:p>
@@ -1421,7 +1433,7 @@
           <a:p>
             <a:fld id="{4C324CBA-B5F8-49E4-A74D-FDDDFCEF0F4B}" type="datetimeFigureOut">
               <a:rPr lang="en-GB" smtClean="0"/>
-              <a:t>23/08/2021</a:t>
+              <a:t>24/08/2021</a:t>
             </a:fld>
             <a:endParaRPr lang="en-GB"/>
           </a:p>
@@ -1836,7 +1848,7 @@
           <a:p>
             <a:fld id="{4C324CBA-B5F8-49E4-A74D-FDDDFCEF0F4B}" type="datetimeFigureOut">
               <a:rPr lang="en-GB" smtClean="0"/>
-              <a:t>23/08/2021</a:t>
+              <a:t>24/08/2021</a:t>
             </a:fld>
             <a:endParaRPr lang="en-GB"/>
           </a:p>
@@ -1978,7 +1990,7 @@
           <a:p>
             <a:fld id="{4C324CBA-B5F8-49E4-A74D-FDDDFCEF0F4B}" type="datetimeFigureOut">
               <a:rPr lang="en-GB" smtClean="0"/>
-              <a:t>23/08/2021</a:t>
+              <a:t>24/08/2021</a:t>
             </a:fld>
             <a:endParaRPr lang="en-GB"/>
           </a:p>
@@ -2091,7 +2103,7 @@
           <a:p>
             <a:fld id="{4C324CBA-B5F8-49E4-A74D-FDDDFCEF0F4B}" type="datetimeFigureOut">
               <a:rPr lang="en-GB" smtClean="0"/>
-              <a:t>23/08/2021</a:t>
+              <a:t>24/08/2021</a:t>
             </a:fld>
             <a:endParaRPr lang="en-GB"/>
           </a:p>
@@ -2404,7 +2416,7 @@
           <a:p>
             <a:fld id="{4C324CBA-B5F8-49E4-A74D-FDDDFCEF0F4B}" type="datetimeFigureOut">
               <a:rPr lang="en-GB" smtClean="0"/>
-              <a:t>23/08/2021</a:t>
+              <a:t>24/08/2021</a:t>
             </a:fld>
             <a:endParaRPr lang="en-GB"/>
           </a:p>
@@ -2693,7 +2705,7 @@
           <a:p>
             <a:fld id="{4C324CBA-B5F8-49E4-A74D-FDDDFCEF0F4B}" type="datetimeFigureOut">
               <a:rPr lang="en-GB" smtClean="0"/>
-              <a:t>23/08/2021</a:t>
+              <a:t>24/08/2021</a:t>
             </a:fld>
             <a:endParaRPr lang="en-GB"/>
           </a:p>
@@ -2938,7 +2950,7 @@
             <a:fld id="{4C324CBA-B5F8-49E4-A74D-FDDDFCEF0F4B}" type="datetimeFigureOut">
               <a:rPr lang="en-GB" smtClean="0"/>
               <a:pPr/>
-              <a:t>23/08/2021</a:t>
+              <a:t>24/08/2021</a:t>
             </a:fld>
             <a:endParaRPr lang="en-GB" dirty="0"/>
           </a:p>
@@ -3373,7 +3385,7 @@
         <p:spPr>
           <a:xfrm>
             <a:off x="696000" y="729000"/>
-            <a:ext cx="10800000" cy="4862870"/>
+            <a:ext cx="10800000" cy="3916457"/>
           </a:xfrm>
           <a:prstGeom prst="rect">
             <a:avLst/>
@@ -3387,10 +3399,13 @@
           <a:lstStyle/>
           <a:p>
             <a:pPr marL="0" indent="0" algn="ctr">
-              <a:buNone/>
-            </a:pPr>
-            <a:r>
-              <a:rPr kumimoji="0" lang="en-GB" sz="4000" b="1" i="0" u="none" strike="noStrike" kern="1200" cap="none" spc="0" normalizeH="0" baseline="0" noProof="0" dirty="0">
+              <a:lnSpc>
+                <a:spcPct val="150000"/>
+              </a:lnSpc>
+              <a:buNone/>
+            </a:pPr>
+            <a:r>
+              <a:rPr kumimoji="0" lang="en-GB" sz="2800" b="1" i="0" u="none" strike="noStrike" kern="1200" cap="none" spc="0" normalizeH="0" baseline="0" noProof="0" dirty="0">
                 <a:ln>
                   <a:noFill/>
                 </a:ln>
@@ -3407,7 +3422,7 @@
               <a:t>Task </a:t>
             </a:r>
             <a:fld id="{C4A595E0-68AA-423E-BAF3-3392370CE250}" type="slidenum">
-              <a:rPr kumimoji="0" lang="en-GB" sz="4000" b="1" i="0" u="none" strike="noStrike" kern="1200" cap="none" spc="0" normalizeH="0" baseline="0" noProof="0" smtClean="0">
+              <a:rPr kumimoji="0" lang="en-GB" sz="2800" b="1" i="0" u="none" strike="noStrike" kern="1200" cap="none" spc="0" normalizeH="0" baseline="0" noProof="0" smtClean="0">
                 <a:ln>
                   <a:noFill/>
                 </a:ln>
@@ -3421,9 +3436,15 @@
                 <a:ea typeface="+mj-ea"/>
                 <a:cs typeface="+mj-cs"/>
               </a:rPr>
+              <a:pPr marL="0" indent="0" algn="ctr">
+                <a:lnSpc>
+                  <a:spcPct val="150000"/>
+                </a:lnSpc>
+                <a:buNone/>
+              </a:pPr>
               <a:t>1</a:t>
             </a:fld>
-            <a:endParaRPr kumimoji="0" lang="en-GB" sz="4000" b="1" i="0" u="none" strike="noStrike" kern="1200" cap="none" spc="0" normalizeH="0" baseline="0" noProof="0" dirty="0">
+            <a:endParaRPr kumimoji="0" lang="en-GB" sz="2800" b="1" i="0" u="none" strike="noStrike" kern="1200" cap="none" spc="0" normalizeH="0" baseline="0" noProof="0" dirty="0">
               <a:ln>
                 <a:noFill/>
               </a:ln>
@@ -3440,27 +3461,808 @@
           </a:p>
           <a:p>
             <a:pPr marL="742950" indent="-742950">
+              <a:lnSpc>
+                <a:spcPct val="150000"/>
+              </a:lnSpc>
               <a:buFont typeface="+mj-lt"/>
               <a:buAutoNum type="arabicPeriod"/>
             </a:pPr>
             <a:r>
-              <a:rPr lang="en-GB" sz="3000" dirty="0">
-                <a:solidFill>
-                  <a:prstClr val="black"/>
-                </a:solidFill>
-                <a:latin typeface="Atkinson Hyperlegible" pitchFamily="50" charset="0"/>
-                <a:ea typeface="+mj-ea"/>
-                <a:cs typeface="+mj-cs"/>
-              </a:rPr>
-              <a:t>)CLEAR your workspace</a:t>
+              <a:rPr lang="en-GB" sz="2800" dirty="0">
+                <a:solidFill>
+                  <a:prstClr val="black"/>
+                </a:solidFill>
+                <a:latin typeface="Atkinson Hyperlegible" pitchFamily="50" charset="0"/>
+                <a:ea typeface="+mj-ea"/>
+                <a:cs typeface="+mj-cs"/>
+              </a:rPr>
+              <a:t>Do </a:t>
+            </a:r>
+            <a:r>
+              <a:rPr lang="en-GB" sz="2800" dirty="0">
+                <a:solidFill>
+                  <a:prstClr val="black"/>
+                </a:solidFill>
+                <a:latin typeface="APL385 Unicode" panose="020B0709000202000203" pitchFamily="49" charset="0"/>
+                <a:ea typeface="+mj-ea"/>
+                <a:cs typeface="+mj-cs"/>
+              </a:rPr>
+              <a:t>)CLEAR</a:t>
+            </a:r>
+            <a:r>
+              <a:rPr lang="en-GB" sz="2800" dirty="0">
+                <a:solidFill>
+                  <a:prstClr val="black"/>
+                </a:solidFill>
+                <a:latin typeface="Atkinson Hyperlegible" pitchFamily="50" charset="0"/>
+                <a:ea typeface="+mj-ea"/>
+                <a:cs typeface="+mj-cs"/>
+              </a:rPr>
+              <a:t> your workspace.</a:t>
             </a:r>
           </a:p>
           <a:p>
             <a:pPr marL="742950" indent="-742950">
+              <a:lnSpc>
+                <a:spcPct val="150000"/>
+              </a:lnSpc>
               <a:buFont typeface="+mj-lt"/>
               <a:buAutoNum type="arabicPeriod"/>
             </a:pPr>
-            <a:endParaRPr lang="en-GB" sz="3000" dirty="0">
+            <a:r>
+              <a:rPr lang="en-GB" sz="2800" dirty="0">
+                <a:solidFill>
+                  <a:prstClr val="black"/>
+                </a:solidFill>
+                <a:latin typeface="Atkinson Hyperlegible" pitchFamily="50" charset="0"/>
+                <a:ea typeface="+mj-ea"/>
+                <a:cs typeface="+mj-cs"/>
+              </a:rPr>
+              <a:t>Give your workspace a </a:t>
+            </a:r>
+            <a:r>
+              <a:rPr lang="en-GB" sz="2800" dirty="0">
+                <a:solidFill>
+                  <a:prstClr val="black"/>
+                </a:solidFill>
+                <a:latin typeface="APL385 Unicode" panose="020B0709000202000203" pitchFamily="49" charset="0"/>
+                <a:ea typeface="+mj-ea"/>
+                <a:cs typeface="+mj-cs"/>
+              </a:rPr>
+              <a:t>)WSID</a:t>
+            </a:r>
+            <a:r>
+              <a:rPr lang="en-GB" sz="2800" dirty="0">
+                <a:solidFill>
+                  <a:prstClr val="black"/>
+                </a:solidFill>
+                <a:latin typeface="Atkinson Hyperlegible" pitchFamily="50" charset="0"/>
+                <a:ea typeface="+mj-ea"/>
+                <a:cs typeface="+mj-cs"/>
+              </a:rPr>
+              <a:t>.</a:t>
+            </a:r>
+          </a:p>
+          <a:p>
+            <a:pPr marL="742950" indent="-742950">
+              <a:lnSpc>
+                <a:spcPct val="150000"/>
+              </a:lnSpc>
+              <a:buFont typeface="+mj-lt"/>
+              <a:buAutoNum type="arabicPeriod"/>
+            </a:pPr>
+            <a:r>
+              <a:rPr lang="en-GB" sz="2800" dirty="0">
+                <a:solidFill>
+                  <a:prstClr val="black"/>
+                </a:solidFill>
+                <a:latin typeface="Atkinson Hyperlegible" pitchFamily="50" charset="0"/>
+                <a:ea typeface="+mj-ea"/>
+                <a:cs typeface="+mj-cs"/>
+              </a:rPr>
+              <a:t>Do </a:t>
+            </a:r>
+            <a:r>
+              <a:rPr lang="en-GB" sz="2800" dirty="0">
+                <a:solidFill>
+                  <a:prstClr val="black"/>
+                </a:solidFill>
+                <a:latin typeface="APL385 Unicode" panose="020B0709000202000203" pitchFamily="49" charset="0"/>
+                <a:ea typeface="+mj-ea"/>
+                <a:cs typeface="+mj-cs"/>
+              </a:rPr>
+              <a:t>)SAVE</a:t>
+            </a:r>
+            <a:r>
+              <a:rPr lang="en-GB" sz="2800" dirty="0">
+                <a:solidFill>
+                  <a:prstClr val="black"/>
+                </a:solidFill>
+                <a:latin typeface="Atkinson Hyperlegible" pitchFamily="50" charset="0"/>
+                <a:ea typeface="+mj-ea"/>
+                <a:cs typeface="+mj-cs"/>
+              </a:rPr>
+              <a:t> your workspace.</a:t>
+            </a:r>
+          </a:p>
+          <a:p>
+            <a:pPr marL="742950" indent="-742950">
+              <a:lnSpc>
+                <a:spcPct val="150000"/>
+              </a:lnSpc>
+              <a:buFont typeface="+mj-lt"/>
+              <a:buAutoNum type="arabicPeriod"/>
+            </a:pPr>
+            <a:r>
+              <a:rPr lang="en-GB" sz="2800" dirty="0">
+                <a:solidFill>
+                  <a:prstClr val="black"/>
+                </a:solidFill>
+                <a:latin typeface="Atkinson Hyperlegible" pitchFamily="50" charset="0"/>
+                <a:ea typeface="+mj-ea"/>
+                <a:cs typeface="+mj-cs"/>
+              </a:rPr>
+              <a:t>Turn Dyalog </a:t>
+            </a:r>
+            <a:r>
+              <a:rPr lang="en-GB" sz="2800" dirty="0">
+                <a:solidFill>
+                  <a:prstClr val="black"/>
+                </a:solidFill>
+                <a:latin typeface="APL385 Unicode" panose="020B0709000202000203" pitchFamily="49" charset="0"/>
+                <a:ea typeface="+mj-ea"/>
+                <a:cs typeface="+mj-cs"/>
+              </a:rPr>
+              <a:t>)OFF</a:t>
+            </a:r>
+            <a:r>
+              <a:rPr lang="en-GB" sz="2800" dirty="0">
+                <a:solidFill>
+                  <a:prstClr val="black"/>
+                </a:solidFill>
+                <a:latin typeface="Atkinson Hyperlegible" pitchFamily="50" charset="0"/>
+                <a:ea typeface="+mj-ea"/>
+                <a:cs typeface="+mj-cs"/>
+              </a:rPr>
+              <a:t>.</a:t>
+            </a:r>
+          </a:p>
+          <a:p>
+            <a:pPr marL="742950" indent="-742950">
+              <a:lnSpc>
+                <a:spcPct val="150000"/>
+              </a:lnSpc>
+              <a:buFont typeface="+mj-lt"/>
+              <a:buAutoNum type="arabicPeriod"/>
+            </a:pPr>
+            <a:r>
+              <a:rPr lang="en-GB" sz="2800" dirty="0">
+                <a:solidFill>
+                  <a:prstClr val="black"/>
+                </a:solidFill>
+                <a:latin typeface="Atkinson Hyperlegible" pitchFamily="50" charset="0"/>
+                <a:ea typeface="+mj-ea"/>
+                <a:cs typeface="+mj-cs"/>
+              </a:rPr>
+              <a:t>Start Dyalog and </a:t>
+            </a:r>
+            <a:r>
+              <a:rPr lang="en-GB" sz="2800" dirty="0">
+                <a:solidFill>
+                  <a:prstClr val="black"/>
+                </a:solidFill>
+                <a:latin typeface="APL385 Unicode" panose="020B0709000202000203" pitchFamily="49" charset="0"/>
+                <a:ea typeface="+mj-ea"/>
+                <a:cs typeface="+mj-cs"/>
+              </a:rPr>
+              <a:t>)LOAD</a:t>
+            </a:r>
+            <a:r>
+              <a:rPr lang="en-GB" sz="2800" dirty="0">
+                <a:solidFill>
+                  <a:prstClr val="black"/>
+                </a:solidFill>
+                <a:latin typeface="Atkinson Hyperlegible" pitchFamily="50" charset="0"/>
+                <a:ea typeface="+mj-ea"/>
+                <a:cs typeface="+mj-cs"/>
+              </a:rPr>
+              <a:t> your workspace.</a:t>
+            </a:r>
+            <a:endParaRPr lang="en-GB" sz="2800" dirty="0">
+              <a:latin typeface="APL385 Unicode" panose="020B0709000202000203" pitchFamily="49" charset="0"/>
+            </a:endParaRPr>
+          </a:p>
+        </p:txBody>
+      </p:sp>
+    </p:spTree>
+    <p:extLst>
+      <p:ext uri="{BB962C8B-B14F-4D97-AF65-F5344CB8AC3E}">
+        <p14:creationId xmlns:p14="http://schemas.microsoft.com/office/powerpoint/2010/main" val="1928722547"/>
+      </p:ext>
+    </p:extLst>
+  </p:cSld>
+  <p:clrMapOvr>
+    <a:masterClrMapping/>
+  </p:clrMapOvr>
+</p:sld>
+</file>
+
+<file path=ppt/slides/slide10.xml><?xml version="1.0" encoding="utf-8"?>
+<p:sld xmlns:a="http://schemas.openxmlformats.org/drawingml/2006/main" xmlns:r="http://schemas.openxmlformats.org/officeDocument/2006/relationships" xmlns:p="http://schemas.openxmlformats.org/presentationml/2006/main">
+  <p:cSld>
+    <p:spTree>
+      <p:nvGrpSpPr>
+        <p:cNvPr id="1" name=""/>
+        <p:cNvGrpSpPr/>
+        <p:nvPr/>
+      </p:nvGrpSpPr>
+      <p:grpSpPr>
+        <a:xfrm>
+          <a:off x="0" y="0"/>
+          <a:ext cx="0" cy="0"/>
+          <a:chOff x="0" y="0"/>
+          <a:chExt cx="0" cy="0"/>
+        </a:xfrm>
+      </p:grpSpPr>
+      <p:sp>
+        <p:nvSpPr>
+          <p:cNvPr id="2" name="TextBox 1">
+            <a:extLst>
+              <a:ext uri="{FF2B5EF4-FFF2-40B4-BE49-F238E27FC236}">
+                <a16:creationId xmlns:a16="http://schemas.microsoft.com/office/drawing/2014/main" id="{ABB6BDA9-D3EC-48B2-8801-3CE10D1D5391}"/>
+              </a:ext>
+            </a:extLst>
+          </p:cNvPr>
+          <p:cNvSpPr txBox="1"/>
+          <p:nvPr/>
+        </p:nvSpPr>
+        <p:spPr>
+          <a:xfrm>
+            <a:off x="696000" y="729000"/>
+            <a:ext cx="10800000" cy="4401205"/>
+          </a:xfrm>
+          <a:prstGeom prst="rect">
+            <a:avLst/>
+          </a:prstGeom>
+          <a:noFill/>
+        </p:spPr>
+        <p:txBody>
+          <a:bodyPr wrap="square" rtlCol="0">
+            <a:spAutoFit/>
+          </a:bodyPr>
+          <a:lstStyle/>
+          <a:p>
+            <a:pPr marL="0" indent="0" algn="ctr">
+              <a:buNone/>
+            </a:pPr>
+            <a:r>
+              <a:rPr kumimoji="0" lang="en-GB" sz="2800" b="1" i="0" u="none" strike="noStrike" kern="1200" cap="none" spc="0" normalizeH="0" baseline="0" noProof="0" dirty="0">
+                <a:ln>
+                  <a:noFill/>
+                </a:ln>
+                <a:solidFill>
+                  <a:prstClr val="black"/>
+                </a:solidFill>
+                <a:effectLst/>
+                <a:uLnTx/>
+                <a:uFillTx/>
+                <a:latin typeface="Atkinson Hyperlegible" pitchFamily="50" charset="0"/>
+                <a:ea typeface="+mj-ea"/>
+                <a:cs typeface="+mj-cs"/>
+              </a:rPr>
+              <a:t>Task </a:t>
+            </a:r>
+            <a:fld id="{C4A595E0-68AA-423E-BAF3-3392370CE250}" type="slidenum">
+              <a:rPr kumimoji="0" lang="en-GB" sz="2800" b="1" i="0" u="none" strike="noStrike" kern="1200" cap="none" spc="0" normalizeH="0" baseline="0" noProof="0" smtClean="0">
+                <a:ln>
+                  <a:noFill/>
+                </a:ln>
+                <a:solidFill>
+                  <a:prstClr val="black"/>
+                </a:solidFill>
+                <a:effectLst/>
+                <a:uLnTx/>
+                <a:uFillTx/>
+                <a:latin typeface="Atkinson Hyperlegible" pitchFamily="50" charset="0"/>
+                <a:ea typeface="+mj-ea"/>
+                <a:cs typeface="+mj-cs"/>
+              </a:rPr>
+              <a:t>10</a:t>
+            </a:fld>
+            <a:endParaRPr kumimoji="0" lang="en-GB" sz="2800" b="1" i="0" u="none" strike="noStrike" kern="1200" cap="none" spc="0" normalizeH="0" baseline="0" noProof="0" dirty="0">
+              <a:ln>
+                <a:noFill/>
+              </a:ln>
+              <a:solidFill>
+                <a:prstClr val="black"/>
+              </a:solidFill>
+              <a:effectLst/>
+              <a:uLnTx/>
+              <a:uFillTx/>
+              <a:latin typeface="Atkinson Hyperlegible" pitchFamily="50" charset="0"/>
+              <a:ea typeface="+mj-ea"/>
+              <a:cs typeface="+mj-cs"/>
+            </a:endParaRPr>
+          </a:p>
+          <a:p>
+            <a:pPr marL="0" indent="0">
+              <a:buNone/>
+            </a:pPr>
+            <a:r>
+              <a:rPr lang="en-GB" sz="2800" dirty="0">
+                <a:solidFill>
+                  <a:prstClr val="black"/>
+                </a:solidFill>
+                <a:latin typeface="Atkinson Hyperlegible" pitchFamily="50" charset="0"/>
+                <a:ea typeface="+mj-ea"/>
+                <a:cs typeface="+mj-cs"/>
+              </a:rPr>
+              <a:t>Define a function </a:t>
+            </a:r>
+            <a:r>
+              <a:rPr lang="en-GB" sz="2800" dirty="0" err="1">
+                <a:solidFill>
+                  <a:prstClr val="black"/>
+                </a:solidFill>
+                <a:latin typeface="APL385 Unicode" panose="020B0709000202000203" pitchFamily="49" charset="0"/>
+                <a:ea typeface="+mj-ea"/>
+                <a:cs typeface="+mj-cs"/>
+              </a:rPr>
+              <a:t>RemoveEvery</a:t>
+            </a:r>
+            <a:r>
+              <a:rPr lang="en-GB" sz="2800" dirty="0">
+                <a:solidFill>
+                  <a:prstClr val="black"/>
+                </a:solidFill>
+                <a:latin typeface="APL385 Unicode" panose="020B0709000202000203" pitchFamily="49" charset="0"/>
+                <a:ea typeface="+mj-ea"/>
+                <a:cs typeface="+mj-cs"/>
+              </a:rPr>
+              <a:t> </a:t>
+            </a:r>
+            <a:r>
+              <a:rPr lang="en-GB" sz="2800" dirty="0">
+                <a:solidFill>
+                  <a:prstClr val="black"/>
+                </a:solidFill>
+                <a:latin typeface="Atkinson Hyperlegible" pitchFamily="50" charset="0"/>
+                <a:ea typeface="+mj-ea"/>
+                <a:cs typeface="+mj-cs"/>
+              </a:rPr>
+              <a:t>to remove every </a:t>
+            </a:r>
+            <a:r>
+              <a:rPr lang="en-GB" sz="2800" dirty="0">
+                <a:solidFill>
+                  <a:prstClr val="black"/>
+                </a:solidFill>
+                <a:latin typeface="APL385 Unicode" panose="020B0709000202000203" pitchFamily="49" charset="0"/>
+                <a:ea typeface="+mj-ea"/>
+                <a:cs typeface="+mj-cs"/>
+              </a:rPr>
+              <a:t>⍵</a:t>
+            </a:r>
+            <a:r>
+              <a:rPr lang="en-GB" sz="2800" baseline="30000" dirty="0" err="1">
+                <a:solidFill>
+                  <a:prstClr val="black"/>
+                </a:solidFill>
+                <a:latin typeface="Atkinson Hyperlegible" pitchFamily="50" charset="0"/>
+                <a:ea typeface="+mj-ea"/>
+                <a:cs typeface="+mj-cs"/>
+              </a:rPr>
+              <a:t>th</a:t>
+            </a:r>
+            <a:r>
+              <a:rPr lang="en-GB" sz="2800" dirty="0">
+                <a:solidFill>
+                  <a:prstClr val="black"/>
+                </a:solidFill>
+                <a:latin typeface="Atkinson Hyperlegible" pitchFamily="50" charset="0"/>
+                <a:ea typeface="+mj-ea"/>
+                <a:cs typeface="+mj-cs"/>
+              </a:rPr>
+              <a:t> number from the vector </a:t>
+            </a:r>
+            <a:r>
+              <a:rPr lang="en-GB" sz="2800" dirty="0">
+                <a:solidFill>
+                  <a:prstClr val="black"/>
+                </a:solidFill>
+                <a:latin typeface="APL385 Unicode" panose="020B0709000202000203" pitchFamily="49" charset="0"/>
+                <a:ea typeface="+mj-ea"/>
+                <a:cs typeface="+mj-cs"/>
+              </a:rPr>
+              <a:t>⍺</a:t>
+            </a:r>
+            <a:r>
+              <a:rPr lang="en-GB" sz="2800" dirty="0"/>
+              <a:t>:</a:t>
+            </a:r>
+            <a:endParaRPr lang="en-GB" sz="2800" dirty="0">
+              <a:solidFill>
+                <a:prstClr val="black"/>
+              </a:solidFill>
+              <a:latin typeface="APL385 Unicode" panose="020B0709000202000203" pitchFamily="49" charset="0"/>
+              <a:ea typeface="+mj-ea"/>
+              <a:cs typeface="+mj-cs"/>
+            </a:endParaRPr>
+          </a:p>
+          <a:p>
+            <a:pPr marL="0" indent="0">
+              <a:buNone/>
+            </a:pPr>
+            <a:endParaRPr lang="en-GB" sz="2800" dirty="0">
+              <a:solidFill>
+                <a:prstClr val="black"/>
+              </a:solidFill>
+              <a:latin typeface="APL385 Unicode" panose="020B0709000202000203" pitchFamily="49" charset="0"/>
+              <a:ea typeface="+mj-ea"/>
+              <a:cs typeface="+mj-cs"/>
+            </a:endParaRPr>
+          </a:p>
+          <a:p>
+            <a:pPr marL="0" indent="0">
+              <a:buNone/>
+            </a:pPr>
+            <a:r>
+              <a:rPr lang="en-GB" sz="2800" dirty="0">
+                <a:solidFill>
+                  <a:prstClr val="black"/>
+                </a:solidFill>
+                <a:latin typeface="APL385 Unicode" panose="020B0709000202000203" pitchFamily="49" charset="0"/>
+                <a:ea typeface="+mj-ea"/>
+                <a:cs typeface="+mj-cs"/>
+              </a:rPr>
+              <a:t>      (⍳10) </a:t>
+            </a:r>
+            <a:r>
+              <a:rPr lang="en-GB" sz="2800" dirty="0" err="1">
+                <a:solidFill>
+                  <a:prstClr val="black"/>
+                </a:solidFill>
+                <a:latin typeface="APL385 Unicode" panose="020B0709000202000203" pitchFamily="49" charset="0"/>
+                <a:ea typeface="+mj-ea"/>
+                <a:cs typeface="+mj-cs"/>
+              </a:rPr>
+              <a:t>RemoveEvery</a:t>
+            </a:r>
+            <a:r>
+              <a:rPr lang="en-GB" sz="2800" dirty="0">
+                <a:solidFill>
+                  <a:prstClr val="black"/>
+                </a:solidFill>
+                <a:latin typeface="APL385 Unicode" panose="020B0709000202000203" pitchFamily="49" charset="0"/>
+                <a:ea typeface="+mj-ea"/>
+                <a:cs typeface="+mj-cs"/>
+              </a:rPr>
+              <a:t> 4</a:t>
+            </a:r>
+          </a:p>
+          <a:p>
+            <a:pPr marL="0" indent="0">
+              <a:buNone/>
+            </a:pPr>
+            <a:r>
+              <a:rPr lang="en-GB" sz="2800" dirty="0">
+                <a:solidFill>
+                  <a:prstClr val="black"/>
+                </a:solidFill>
+                <a:latin typeface="APL385 Unicode" panose="020B0709000202000203" pitchFamily="49" charset="0"/>
+                <a:ea typeface="+mj-ea"/>
+                <a:cs typeface="+mj-cs"/>
+              </a:rPr>
+              <a:t>1 2 3 5 6 7 9 10</a:t>
+            </a:r>
+          </a:p>
+          <a:p>
+            <a:pPr marL="0" indent="0">
+              <a:buNone/>
+            </a:pPr>
+            <a:r>
+              <a:rPr lang="en-GB" sz="2800" dirty="0">
+                <a:solidFill>
+                  <a:prstClr val="black"/>
+                </a:solidFill>
+                <a:latin typeface="APL385 Unicode" panose="020B0709000202000203" pitchFamily="49" charset="0"/>
+                <a:ea typeface="+mj-ea"/>
+                <a:cs typeface="+mj-cs"/>
+              </a:rPr>
+              <a:t>      (⍳15) </a:t>
+            </a:r>
+            <a:r>
+              <a:rPr lang="en-GB" sz="2800" dirty="0" err="1">
+                <a:solidFill>
+                  <a:prstClr val="black"/>
+                </a:solidFill>
+                <a:latin typeface="APL385 Unicode" panose="020B0709000202000203" pitchFamily="49" charset="0"/>
+                <a:ea typeface="+mj-ea"/>
+                <a:cs typeface="+mj-cs"/>
+              </a:rPr>
+              <a:t>RemoveEvery</a:t>
+            </a:r>
+            <a:r>
+              <a:rPr lang="en-GB" sz="2800" dirty="0">
+                <a:solidFill>
+                  <a:prstClr val="black"/>
+                </a:solidFill>
+                <a:latin typeface="APL385 Unicode" panose="020B0709000202000203" pitchFamily="49" charset="0"/>
+                <a:ea typeface="+mj-ea"/>
+                <a:cs typeface="+mj-cs"/>
+              </a:rPr>
+              <a:t> 3</a:t>
+            </a:r>
+          </a:p>
+          <a:p>
+            <a:pPr marL="0" indent="0">
+              <a:buNone/>
+            </a:pPr>
+            <a:r>
+              <a:rPr lang="en-GB" sz="2800" dirty="0">
+                <a:solidFill>
+                  <a:prstClr val="black"/>
+                </a:solidFill>
+                <a:latin typeface="APL385 Unicode" panose="020B0709000202000203" pitchFamily="49" charset="0"/>
+                <a:ea typeface="+mj-ea"/>
+                <a:cs typeface="+mj-cs"/>
+              </a:rPr>
+              <a:t>1 2 4 5 7 8 10 11 13 14</a:t>
+            </a:r>
+          </a:p>
+          <a:p>
+            <a:pPr marL="0" indent="0">
+              <a:buNone/>
+            </a:pPr>
+            <a:r>
+              <a:rPr lang="en-GB" sz="2800" dirty="0">
+                <a:solidFill>
+                  <a:prstClr val="black"/>
+                </a:solidFill>
+                <a:latin typeface="APL385 Unicode" panose="020B0709000202000203" pitchFamily="49" charset="0"/>
+                <a:ea typeface="+mj-ea"/>
+                <a:cs typeface="+mj-cs"/>
+              </a:rPr>
+              <a:t>      6 2 9 4 1 2 6 </a:t>
+            </a:r>
+            <a:r>
+              <a:rPr lang="en-GB" sz="2800" dirty="0" err="1">
+                <a:solidFill>
+                  <a:prstClr val="black"/>
+                </a:solidFill>
+                <a:latin typeface="APL385 Unicode" panose="020B0709000202000203" pitchFamily="49" charset="0"/>
+                <a:ea typeface="+mj-ea"/>
+                <a:cs typeface="+mj-cs"/>
+              </a:rPr>
+              <a:t>RemoveEvery</a:t>
+            </a:r>
+            <a:r>
+              <a:rPr lang="en-GB" sz="2800" dirty="0">
+                <a:solidFill>
+                  <a:prstClr val="black"/>
+                </a:solidFill>
+                <a:latin typeface="APL385 Unicode" panose="020B0709000202000203" pitchFamily="49" charset="0"/>
+                <a:ea typeface="+mj-ea"/>
+                <a:cs typeface="+mj-cs"/>
+              </a:rPr>
+              <a:t> 2</a:t>
+            </a:r>
+          </a:p>
+          <a:p>
+            <a:pPr marL="0" indent="0">
+              <a:buNone/>
+            </a:pPr>
+            <a:r>
+              <a:rPr lang="en-GB" sz="2800" dirty="0">
+                <a:solidFill>
+                  <a:prstClr val="black"/>
+                </a:solidFill>
+                <a:latin typeface="APL385 Unicode" panose="020B0709000202000203" pitchFamily="49" charset="0"/>
+                <a:ea typeface="+mj-ea"/>
+                <a:cs typeface="+mj-cs"/>
+              </a:rPr>
+              <a:t>6 9 1 6</a:t>
+            </a:r>
+          </a:p>
+        </p:txBody>
+      </p:sp>
+    </p:spTree>
+    <p:extLst>
+      <p:ext uri="{BB962C8B-B14F-4D97-AF65-F5344CB8AC3E}">
+        <p14:creationId xmlns:p14="http://schemas.microsoft.com/office/powerpoint/2010/main" val="1176191623"/>
+      </p:ext>
+    </p:extLst>
+  </p:cSld>
+  <p:clrMapOvr>
+    <a:masterClrMapping/>
+  </p:clrMapOvr>
+</p:sld>
+</file>
+
+<file path=ppt/slides/slide11.xml><?xml version="1.0" encoding="utf-8"?>
+<p:sld xmlns:a="http://schemas.openxmlformats.org/drawingml/2006/main" xmlns:r="http://schemas.openxmlformats.org/officeDocument/2006/relationships" xmlns:p="http://schemas.openxmlformats.org/presentationml/2006/main">
+  <p:cSld>
+    <p:spTree>
+      <p:nvGrpSpPr>
+        <p:cNvPr id="1" name=""/>
+        <p:cNvGrpSpPr/>
+        <p:nvPr/>
+      </p:nvGrpSpPr>
+      <p:grpSpPr>
+        <a:xfrm>
+          <a:off x="0" y="0"/>
+          <a:ext cx="0" cy="0"/>
+          <a:chOff x="0" y="0"/>
+          <a:chExt cx="0" cy="0"/>
+        </a:xfrm>
+      </p:grpSpPr>
+      <p:sp>
+        <p:nvSpPr>
+          <p:cNvPr id="2" name="TextBox 1">
+            <a:extLst>
+              <a:ext uri="{FF2B5EF4-FFF2-40B4-BE49-F238E27FC236}">
+                <a16:creationId xmlns:a16="http://schemas.microsoft.com/office/drawing/2014/main" id="{ABB6BDA9-D3EC-48B2-8801-3CE10D1D5391}"/>
+              </a:ext>
+            </a:extLst>
+          </p:cNvPr>
+          <p:cNvSpPr txBox="1"/>
+          <p:nvPr/>
+        </p:nvSpPr>
+        <p:spPr>
+          <a:xfrm>
+            <a:off x="696000" y="729000"/>
+            <a:ext cx="10800000" cy="5262979"/>
+          </a:xfrm>
+          <a:prstGeom prst="rect">
+            <a:avLst/>
+          </a:prstGeom>
+          <a:noFill/>
+        </p:spPr>
+        <p:txBody>
+          <a:bodyPr wrap="square" rtlCol="0">
+            <a:spAutoFit/>
+          </a:bodyPr>
+          <a:lstStyle/>
+          <a:p>
+            <a:pPr marL="0" indent="0" algn="ctr">
+              <a:buNone/>
+            </a:pPr>
+            <a:r>
+              <a:rPr kumimoji="0" lang="en-GB" sz="2800" b="1" i="0" u="none" strike="noStrike" kern="1200" cap="none" spc="0" normalizeH="0" baseline="0" noProof="0" dirty="0">
+                <a:ln>
+                  <a:noFill/>
+                </a:ln>
+                <a:solidFill>
+                  <a:prstClr val="black"/>
+                </a:solidFill>
+                <a:effectLst/>
+                <a:uLnTx/>
+                <a:uFillTx/>
+                <a:latin typeface="Atkinson Hyperlegible" pitchFamily="50" charset="0"/>
+                <a:ea typeface="+mj-ea"/>
+                <a:cs typeface="+mj-cs"/>
+              </a:rPr>
+              <a:t>Task </a:t>
+            </a:r>
+            <a:fld id="{C4A595E0-68AA-423E-BAF3-3392370CE250}" type="slidenum">
+              <a:rPr kumimoji="0" lang="en-GB" sz="2800" b="1" i="0" u="none" strike="noStrike" kern="1200" cap="none" spc="0" normalizeH="0" baseline="0" noProof="0" smtClean="0">
+                <a:ln>
+                  <a:noFill/>
+                </a:ln>
+                <a:solidFill>
+                  <a:prstClr val="black"/>
+                </a:solidFill>
+                <a:effectLst/>
+                <a:uLnTx/>
+                <a:uFillTx/>
+                <a:latin typeface="Atkinson Hyperlegible" pitchFamily="50" charset="0"/>
+                <a:ea typeface="+mj-ea"/>
+                <a:cs typeface="+mj-cs"/>
+              </a:rPr>
+              <a:t>11</a:t>
+            </a:fld>
+            <a:endParaRPr kumimoji="0" lang="en-GB" sz="2800" b="1" i="0" u="none" strike="noStrike" kern="1200" cap="none" spc="0" normalizeH="0" baseline="0" noProof="0" dirty="0">
+              <a:ln>
+                <a:noFill/>
+              </a:ln>
+              <a:solidFill>
+                <a:prstClr val="black"/>
+              </a:solidFill>
+              <a:effectLst/>
+              <a:uLnTx/>
+              <a:uFillTx/>
+              <a:latin typeface="Atkinson Hyperlegible" pitchFamily="50" charset="0"/>
+              <a:ea typeface="+mj-ea"/>
+              <a:cs typeface="+mj-cs"/>
+            </a:endParaRPr>
+          </a:p>
+          <a:p>
+            <a:pPr marL="0" indent="0">
+              <a:buNone/>
+            </a:pPr>
+            <a:r>
+              <a:rPr lang="en-GB" sz="2800" dirty="0">
+                <a:solidFill>
+                  <a:prstClr val="black"/>
+                </a:solidFill>
+                <a:latin typeface="Atkinson Hyperlegible" pitchFamily="50" charset="0"/>
+                <a:ea typeface="+mj-ea"/>
+                <a:cs typeface="+mj-cs"/>
+              </a:rPr>
+              <a:t>Define a function </a:t>
+            </a:r>
+            <a:r>
+              <a:rPr lang="en-GB" sz="2800" dirty="0">
+                <a:solidFill>
+                  <a:prstClr val="black"/>
+                </a:solidFill>
+                <a:latin typeface="APL385 Unicode" panose="020B0709000202000203" pitchFamily="49" charset="0"/>
+                <a:ea typeface="+mj-ea"/>
+                <a:cs typeface="+mj-cs"/>
+              </a:rPr>
+              <a:t>Extend</a:t>
+            </a:r>
+            <a:r>
+              <a:rPr lang="en-GB" sz="2800" dirty="0">
+                <a:solidFill>
+                  <a:prstClr val="black"/>
+                </a:solidFill>
+                <a:latin typeface="Atkinson Hyperlegible" pitchFamily="50" charset="0"/>
+                <a:ea typeface="+mj-ea"/>
+                <a:cs typeface="+mj-cs"/>
+              </a:rPr>
+              <a:t> which catenates the integer </a:t>
+            </a:r>
+            <a:r>
+              <a:rPr lang="en-GB" sz="2800" dirty="0">
+                <a:solidFill>
+                  <a:prstClr val="black"/>
+                </a:solidFill>
+                <a:latin typeface="APL385 Unicode" panose="020B0709000202000203" pitchFamily="49" charset="0"/>
+                <a:ea typeface="+mj-ea"/>
+                <a:cs typeface="+mj-cs"/>
+              </a:rPr>
+              <a:t>⍺</a:t>
+            </a:r>
+            <a:r>
+              <a:rPr lang="en-GB" sz="2800" dirty="0">
+                <a:solidFill>
+                  <a:prstClr val="black"/>
+                </a:solidFill>
+                <a:latin typeface="Atkinson Hyperlegible" pitchFamily="50" charset="0"/>
+                <a:ea typeface="+mj-ea"/>
+                <a:cs typeface="+mj-cs"/>
+              </a:rPr>
+              <a:t> and the next </a:t>
+            </a:r>
+            <a:r>
+              <a:rPr lang="en-GB" sz="2800" dirty="0">
+                <a:solidFill>
+                  <a:prstClr val="black"/>
+                </a:solidFill>
+                <a:latin typeface="APL385 Unicode" panose="020B0709000202000203" pitchFamily="49" charset="0"/>
+                <a:ea typeface="+mj-ea"/>
+                <a:cs typeface="+mj-cs"/>
+              </a:rPr>
+              <a:t>⍵</a:t>
+            </a:r>
+            <a:r>
+              <a:rPr lang="en-GB" sz="2800" dirty="0">
+                <a:solidFill>
+                  <a:prstClr val="black"/>
+                </a:solidFill>
+                <a:latin typeface="Atkinson Hyperlegible" pitchFamily="50" charset="0"/>
+                <a:ea typeface="+mj-ea"/>
+                <a:cs typeface="+mj-cs"/>
+              </a:rPr>
+              <a:t> integers.</a:t>
+            </a:r>
+          </a:p>
+          <a:p>
+            <a:pPr marL="0" indent="0">
+              <a:buNone/>
+            </a:pPr>
+            <a:endParaRPr lang="en-GB" sz="2800" dirty="0">
               <a:solidFill>
                 <a:prstClr val="black"/>
               </a:solidFill>
@@ -3470,28 +4272,324 @@
             </a:endParaRPr>
           </a:p>
           <a:p>
-            <a:pPr marL="742950" indent="-742950">
-              <a:buFont typeface="+mj-lt"/>
-              <a:buAutoNum type="arabicPeriod"/>
-            </a:pPr>
-            <a:r>
-              <a:rPr lang="en-GB" sz="3000" dirty="0">
-                <a:solidFill>
-                  <a:prstClr val="black"/>
-                </a:solidFill>
-                <a:latin typeface="Atkinson Hyperlegible" pitchFamily="50" charset="0"/>
-                <a:ea typeface="+mj-ea"/>
-                <a:cs typeface="+mj-cs"/>
-              </a:rPr>
-              <a:t>Give your workspace a )WSID</a:t>
-            </a:r>
-          </a:p>
-          <a:p>
-            <a:pPr marL="742950" indent="-742950">
-              <a:buFont typeface="+mj-lt"/>
-              <a:buAutoNum type="arabicPeriod"/>
-            </a:pPr>
-            <a:endParaRPr lang="en-GB" sz="3000" dirty="0">
+            <a:r>
+              <a:rPr lang="en-US" sz="2800" dirty="0">
+                <a:solidFill>
+                  <a:prstClr val="black"/>
+                </a:solidFill>
+                <a:latin typeface="APL385 Unicode" panose="020B0709000202000203" pitchFamily="49" charset="0"/>
+                <a:ea typeface="+mj-ea"/>
+                <a:cs typeface="+mj-cs"/>
+              </a:rPr>
+              <a:t>      10 Extend 3</a:t>
+            </a:r>
+          </a:p>
+          <a:p>
+            <a:r>
+              <a:rPr lang="en-US" sz="2800" dirty="0">
+                <a:solidFill>
+                  <a:prstClr val="black"/>
+                </a:solidFill>
+                <a:latin typeface="APL385 Unicode" panose="020B0709000202000203" pitchFamily="49" charset="0"/>
+                <a:ea typeface="+mj-ea"/>
+                <a:cs typeface="+mj-cs"/>
+              </a:rPr>
+              <a:t>10 11 12 13</a:t>
+            </a:r>
+          </a:p>
+          <a:p>
+            <a:endParaRPr lang="en-US" sz="2800" dirty="0">
+              <a:solidFill>
+                <a:prstClr val="black"/>
+              </a:solidFill>
+              <a:latin typeface="APL385 Unicode" panose="020B0709000202000203" pitchFamily="49" charset="0"/>
+              <a:ea typeface="+mj-ea"/>
+              <a:cs typeface="+mj-cs"/>
+            </a:endParaRPr>
+          </a:p>
+          <a:p>
+            <a:r>
+              <a:rPr lang="en-US" sz="2800" dirty="0">
+                <a:solidFill>
+                  <a:prstClr val="black"/>
+                </a:solidFill>
+                <a:latin typeface="APL385 Unicode" panose="020B0709000202000203" pitchFamily="49" charset="0"/>
+                <a:ea typeface="+mj-ea"/>
+                <a:cs typeface="+mj-cs"/>
+              </a:rPr>
+              <a:t>      ¯3 Extend 5</a:t>
+            </a:r>
+          </a:p>
+          <a:p>
+            <a:r>
+              <a:rPr lang="en-US" sz="2800" dirty="0">
+                <a:solidFill>
+                  <a:prstClr val="black"/>
+                </a:solidFill>
+                <a:latin typeface="APL385 Unicode" panose="020B0709000202000203" pitchFamily="49" charset="0"/>
+                <a:ea typeface="+mj-ea"/>
+                <a:cs typeface="+mj-cs"/>
+              </a:rPr>
+              <a:t>¯3 ¯2 ¯1 0 1 2</a:t>
+            </a:r>
+          </a:p>
+          <a:p>
+            <a:endParaRPr lang="en-US" sz="2800" dirty="0">
+              <a:solidFill>
+                <a:prstClr val="black"/>
+              </a:solidFill>
+              <a:latin typeface="APL385 Unicode" panose="020B0709000202000203" pitchFamily="49" charset="0"/>
+              <a:ea typeface="+mj-ea"/>
+              <a:cs typeface="+mj-cs"/>
+            </a:endParaRPr>
+          </a:p>
+          <a:p>
+            <a:r>
+              <a:rPr lang="en-US" sz="2800" dirty="0">
+                <a:solidFill>
+                  <a:prstClr val="black"/>
+                </a:solidFill>
+                <a:latin typeface="APL385 Unicode" panose="020B0709000202000203" pitchFamily="49" charset="0"/>
+                <a:ea typeface="+mj-ea"/>
+                <a:cs typeface="+mj-cs"/>
+              </a:rPr>
+              <a:t>      ¯10 Extend 6</a:t>
+            </a:r>
+          </a:p>
+          <a:p>
+            <a:r>
+              <a:rPr lang="en-US" sz="2800" dirty="0">
+                <a:solidFill>
+                  <a:prstClr val="black"/>
+                </a:solidFill>
+                <a:latin typeface="APL385 Unicode" panose="020B0709000202000203" pitchFamily="49" charset="0"/>
+                <a:ea typeface="+mj-ea"/>
+                <a:cs typeface="+mj-cs"/>
+              </a:rPr>
+              <a:t>¯10 ¯9 ¯8 ¯7 ¯6 ¯5 ¯4 </a:t>
+            </a:r>
+          </a:p>
+        </p:txBody>
+      </p:sp>
+    </p:spTree>
+    <p:extLst>
+      <p:ext uri="{BB962C8B-B14F-4D97-AF65-F5344CB8AC3E}">
+        <p14:creationId xmlns:p14="http://schemas.microsoft.com/office/powerpoint/2010/main" val="3974935486"/>
+      </p:ext>
+    </p:extLst>
+  </p:cSld>
+  <p:clrMapOvr>
+    <a:masterClrMapping/>
+  </p:clrMapOvr>
+</p:sld>
+</file>
+
+<file path=ppt/slides/slide12.xml><?xml version="1.0" encoding="utf-8"?>
+<p:sld xmlns:a="http://schemas.openxmlformats.org/drawingml/2006/main" xmlns:r="http://schemas.openxmlformats.org/officeDocument/2006/relationships" xmlns:p="http://schemas.openxmlformats.org/presentationml/2006/main">
+  <p:cSld>
+    <p:spTree>
+      <p:nvGrpSpPr>
+        <p:cNvPr id="1" name=""/>
+        <p:cNvGrpSpPr/>
+        <p:nvPr/>
+      </p:nvGrpSpPr>
+      <p:grpSpPr>
+        <a:xfrm>
+          <a:off x="0" y="0"/>
+          <a:ext cx="0" cy="0"/>
+          <a:chOff x="0" y="0"/>
+          <a:chExt cx="0" cy="0"/>
+        </a:xfrm>
+      </p:grpSpPr>
+      <p:sp>
+        <p:nvSpPr>
+          <p:cNvPr id="2" name="TextBox 1">
+            <a:extLst>
+              <a:ext uri="{FF2B5EF4-FFF2-40B4-BE49-F238E27FC236}">
+                <a16:creationId xmlns:a16="http://schemas.microsoft.com/office/drawing/2014/main" id="{ABB6BDA9-D3EC-48B2-8801-3CE10D1D5391}"/>
+              </a:ext>
+            </a:extLst>
+          </p:cNvPr>
+          <p:cNvSpPr txBox="1"/>
+          <p:nvPr/>
+        </p:nvSpPr>
+        <p:spPr>
+          <a:xfrm>
+            <a:off x="696000" y="113359"/>
+            <a:ext cx="10800000" cy="6555641"/>
+          </a:xfrm>
+          <a:prstGeom prst="rect">
+            <a:avLst/>
+          </a:prstGeom>
+          <a:noFill/>
+        </p:spPr>
+        <p:txBody>
+          <a:bodyPr wrap="square" rtlCol="0">
+            <a:spAutoFit/>
+          </a:bodyPr>
+          <a:lstStyle/>
+          <a:p>
+            <a:pPr marL="0" indent="0" algn="ctr">
+              <a:buNone/>
+            </a:pPr>
+            <a:r>
+              <a:rPr kumimoji="0" lang="en-GB" sz="2800" b="1" i="0" u="none" strike="noStrike" kern="1200" cap="none" spc="0" normalizeH="0" baseline="0" noProof="0" dirty="0">
+                <a:ln>
+                  <a:noFill/>
+                </a:ln>
+                <a:solidFill>
+                  <a:prstClr val="black"/>
+                </a:solidFill>
+                <a:effectLst/>
+                <a:uLnTx/>
+                <a:uFillTx/>
+                <a:latin typeface="Atkinson Hyperlegible" pitchFamily="50" charset="0"/>
+                <a:ea typeface="+mj-ea"/>
+                <a:cs typeface="+mj-cs"/>
+              </a:rPr>
+              <a:t>Task </a:t>
+            </a:r>
+            <a:fld id="{C4A595E0-68AA-423E-BAF3-3392370CE250}" type="slidenum">
+              <a:rPr kumimoji="0" lang="en-GB" sz="2800" b="1" i="0" u="none" strike="noStrike" kern="1200" cap="none" spc="0" normalizeH="0" baseline="0" noProof="0" smtClean="0">
+                <a:ln>
+                  <a:noFill/>
+                </a:ln>
+                <a:solidFill>
+                  <a:prstClr val="black"/>
+                </a:solidFill>
+                <a:effectLst/>
+                <a:uLnTx/>
+                <a:uFillTx/>
+                <a:latin typeface="Atkinson Hyperlegible" pitchFamily="50" charset="0"/>
+                <a:ea typeface="+mj-ea"/>
+                <a:cs typeface="+mj-cs"/>
+              </a:rPr>
+              <a:t>12</a:t>
+            </a:fld>
+            <a:endParaRPr kumimoji="0" lang="en-GB" sz="2800" b="1" i="0" u="none" strike="noStrike" kern="1200" cap="none" spc="0" normalizeH="0" baseline="0" noProof="0" dirty="0">
+              <a:ln>
+                <a:noFill/>
+              </a:ln>
+              <a:solidFill>
+                <a:prstClr val="black"/>
+              </a:solidFill>
+              <a:effectLst/>
+              <a:uLnTx/>
+              <a:uFillTx/>
+              <a:latin typeface="Atkinson Hyperlegible" pitchFamily="50" charset="0"/>
+              <a:ea typeface="+mj-ea"/>
+              <a:cs typeface="+mj-cs"/>
+            </a:endParaRPr>
+          </a:p>
+          <a:p>
+            <a:pPr marL="0" indent="0">
+              <a:buNone/>
+            </a:pPr>
+            <a:r>
+              <a:rPr lang="en-GB" sz="2800" dirty="0">
+                <a:solidFill>
+                  <a:prstClr val="black"/>
+                </a:solidFill>
+                <a:latin typeface="Atkinson Hyperlegible" pitchFamily="50" charset="0"/>
+                <a:ea typeface="+mj-ea"/>
+                <a:cs typeface="+mj-cs"/>
+              </a:rPr>
+              <a:t>Using the </a:t>
+            </a:r>
+            <a:r>
+              <a:rPr lang="en-GB" sz="2800" dirty="0">
+                <a:solidFill>
+                  <a:prstClr val="black"/>
+                </a:solidFill>
+                <a:latin typeface="APL385 Unicode" panose="020B0709000202000203" pitchFamily="49" charset="0"/>
+                <a:ea typeface="+mj-ea"/>
+                <a:cs typeface="+mj-cs"/>
+              </a:rPr>
+              <a:t>Extend</a:t>
+            </a:r>
+            <a:r>
+              <a:rPr lang="en-GB" sz="2800" dirty="0">
+                <a:solidFill>
+                  <a:prstClr val="black"/>
+                </a:solidFill>
+                <a:latin typeface="Atkinson Hyperlegible" pitchFamily="50" charset="0"/>
+                <a:ea typeface="+mj-ea"/>
+                <a:cs typeface="+mj-cs"/>
+              </a:rPr>
+              <a:t> function you wrote, define a function </a:t>
+            </a:r>
+            <a:r>
+              <a:rPr lang="en-GB" sz="2800" dirty="0">
+                <a:solidFill>
+                  <a:prstClr val="black"/>
+                </a:solidFill>
+                <a:latin typeface="APL385 Unicode" panose="020B0709000202000203" pitchFamily="49" charset="0"/>
+                <a:ea typeface="+mj-ea"/>
+                <a:cs typeface="+mj-cs"/>
+              </a:rPr>
+              <a:t>To</a:t>
+            </a:r>
+            <a:r>
+              <a:rPr lang="en-GB" sz="2800" dirty="0">
+                <a:solidFill>
+                  <a:prstClr val="black"/>
+                </a:solidFill>
+                <a:latin typeface="Atkinson Hyperlegible" pitchFamily="50" charset="0"/>
+                <a:ea typeface="+mj-ea"/>
+                <a:cs typeface="+mj-cs"/>
+              </a:rPr>
+              <a:t> which produces integers from </a:t>
+            </a:r>
+            <a:r>
+              <a:rPr lang="en-GB" sz="2800" dirty="0">
+                <a:solidFill>
+                  <a:prstClr val="black"/>
+                </a:solidFill>
+                <a:latin typeface="APL385 Unicode" panose="020B0709000202000203" pitchFamily="49" charset="0"/>
+                <a:ea typeface="+mj-ea"/>
+                <a:cs typeface="+mj-cs"/>
+              </a:rPr>
+              <a:t>⍺</a:t>
+            </a:r>
+            <a:r>
+              <a:rPr lang="en-GB" sz="2800" dirty="0">
+                <a:solidFill>
+                  <a:prstClr val="black"/>
+                </a:solidFill>
+                <a:latin typeface="Atkinson Hyperlegible" pitchFamily="50" charset="0"/>
+                <a:ea typeface="+mj-ea"/>
+                <a:cs typeface="+mj-cs"/>
+              </a:rPr>
+              <a:t> to </a:t>
+            </a:r>
+            <a:r>
+              <a:rPr lang="en-GB" sz="2800" dirty="0">
+                <a:solidFill>
+                  <a:prstClr val="black"/>
+                </a:solidFill>
+                <a:latin typeface="APL385 Unicode" panose="020B0709000202000203" pitchFamily="49" charset="0"/>
+                <a:ea typeface="+mj-ea"/>
+                <a:cs typeface="+mj-cs"/>
+              </a:rPr>
+              <a:t>⍵</a:t>
+            </a:r>
+            <a:r>
+              <a:rPr lang="en-GB" sz="2800" dirty="0">
+                <a:solidFill>
+                  <a:prstClr val="black"/>
+                </a:solidFill>
+                <a:latin typeface="Atkinson Hyperlegible" pitchFamily="50" charset="0"/>
+                <a:ea typeface="+mj-ea"/>
+                <a:cs typeface="+mj-cs"/>
+              </a:rPr>
+              <a:t> inclusive.</a:t>
+            </a:r>
+          </a:p>
+          <a:p>
+            <a:pPr marL="0" indent="0">
+              <a:buNone/>
+            </a:pPr>
+            <a:endParaRPr lang="en-GB" sz="2800" dirty="0">
               <a:solidFill>
                 <a:prstClr val="black"/>
               </a:solidFill>
@@ -3501,28 +4599,1140 @@
             </a:endParaRPr>
           </a:p>
           <a:p>
-            <a:pPr marL="742950" indent="-742950">
-              <a:buFont typeface="+mj-lt"/>
-              <a:buAutoNum type="arabicPeriod"/>
-            </a:pPr>
-            <a:r>
-              <a:rPr lang="en-GB" sz="3000" dirty="0">
-                <a:solidFill>
-                  <a:prstClr val="black"/>
-                </a:solidFill>
-                <a:latin typeface="Atkinson Hyperlegible" pitchFamily="50" charset="0"/>
-                <a:ea typeface="+mj-ea"/>
-                <a:cs typeface="+mj-cs"/>
-              </a:rPr>
-              <a:t>)SAVE your workspace</a:t>
-            </a:r>
-          </a:p>
-          <a:p>
-            <a:pPr marL="742950" indent="-742950">
-              <a:buFont typeface="+mj-lt"/>
-              <a:buAutoNum type="arabicPeriod"/>
-            </a:pPr>
-            <a:endParaRPr lang="en-GB" sz="3000" dirty="0">
+            <a:r>
+              <a:rPr lang="en-US" sz="2800" dirty="0">
+                <a:solidFill>
+                  <a:prstClr val="black"/>
+                </a:solidFill>
+                <a:latin typeface="APL385 Unicode" panose="020B0709000202000203" pitchFamily="49" charset="0"/>
+                <a:ea typeface="+mj-ea"/>
+                <a:cs typeface="+mj-cs"/>
+              </a:rPr>
+              <a:t>      1 To 5</a:t>
+            </a:r>
+          </a:p>
+          <a:p>
+            <a:r>
+              <a:rPr lang="en-US" sz="2800" dirty="0">
+                <a:solidFill>
+                  <a:prstClr val="black"/>
+                </a:solidFill>
+                <a:latin typeface="APL385 Unicode" panose="020B0709000202000203" pitchFamily="49" charset="0"/>
+                <a:ea typeface="+mj-ea"/>
+                <a:cs typeface="+mj-cs"/>
+              </a:rPr>
+              <a:t>1 2 3 4 5</a:t>
+            </a:r>
+          </a:p>
+          <a:p>
+            <a:endParaRPr lang="en-US" sz="2800" dirty="0">
+              <a:solidFill>
+                <a:prstClr val="black"/>
+              </a:solidFill>
+              <a:latin typeface="APL385 Unicode" panose="020B0709000202000203" pitchFamily="49" charset="0"/>
+              <a:ea typeface="+mj-ea"/>
+              <a:cs typeface="+mj-cs"/>
+            </a:endParaRPr>
+          </a:p>
+          <a:p>
+            <a:r>
+              <a:rPr lang="en-US" sz="2800" dirty="0">
+                <a:solidFill>
+                  <a:prstClr val="black"/>
+                </a:solidFill>
+                <a:latin typeface="APL385 Unicode" panose="020B0709000202000203" pitchFamily="49" charset="0"/>
+                <a:ea typeface="+mj-ea"/>
+                <a:cs typeface="+mj-cs"/>
+              </a:rPr>
+              <a:t>      10 To 15</a:t>
+            </a:r>
+          </a:p>
+          <a:p>
+            <a:r>
+              <a:rPr lang="en-US" sz="2800" dirty="0">
+                <a:solidFill>
+                  <a:prstClr val="black"/>
+                </a:solidFill>
+                <a:latin typeface="APL385 Unicode" panose="020B0709000202000203" pitchFamily="49" charset="0"/>
+                <a:ea typeface="+mj-ea"/>
+                <a:cs typeface="+mj-cs"/>
+              </a:rPr>
+              <a:t>10 11 12 13 14 15</a:t>
+            </a:r>
+          </a:p>
+          <a:p>
+            <a:endParaRPr lang="en-US" sz="2800" dirty="0">
+              <a:solidFill>
+                <a:prstClr val="black"/>
+              </a:solidFill>
+              <a:latin typeface="APL385 Unicode" panose="020B0709000202000203" pitchFamily="49" charset="0"/>
+              <a:ea typeface="+mj-ea"/>
+              <a:cs typeface="+mj-cs"/>
+            </a:endParaRPr>
+          </a:p>
+          <a:p>
+            <a:r>
+              <a:rPr lang="en-US" sz="2800" dirty="0">
+                <a:solidFill>
+                  <a:prstClr val="black"/>
+                </a:solidFill>
+                <a:latin typeface="APL385 Unicode" panose="020B0709000202000203" pitchFamily="49" charset="0"/>
+                <a:ea typeface="+mj-ea"/>
+                <a:cs typeface="+mj-cs"/>
+              </a:rPr>
+              <a:t>      ¯3 To 5</a:t>
+            </a:r>
+          </a:p>
+          <a:p>
+            <a:r>
+              <a:rPr lang="en-US" sz="2800" dirty="0">
+                <a:solidFill>
+                  <a:prstClr val="black"/>
+                </a:solidFill>
+                <a:latin typeface="APL385 Unicode" panose="020B0709000202000203" pitchFamily="49" charset="0"/>
+                <a:ea typeface="+mj-ea"/>
+                <a:cs typeface="+mj-cs"/>
+              </a:rPr>
+              <a:t>¯3 ¯2 ¯1 0 1 2 3 4 5</a:t>
+            </a:r>
+          </a:p>
+          <a:p>
+            <a:endParaRPr lang="en-US" sz="2800" dirty="0">
+              <a:solidFill>
+                <a:prstClr val="black"/>
+              </a:solidFill>
+              <a:latin typeface="APL385 Unicode" panose="020B0709000202000203" pitchFamily="49" charset="0"/>
+              <a:ea typeface="+mj-ea"/>
+              <a:cs typeface="+mj-cs"/>
+            </a:endParaRPr>
+          </a:p>
+          <a:p>
+            <a:r>
+              <a:rPr lang="en-US" sz="2800" dirty="0">
+                <a:solidFill>
+                  <a:prstClr val="black"/>
+                </a:solidFill>
+                <a:latin typeface="APL385 Unicode" panose="020B0709000202000203" pitchFamily="49" charset="0"/>
+                <a:ea typeface="+mj-ea"/>
+                <a:cs typeface="+mj-cs"/>
+              </a:rPr>
+              <a:t>      ¯10 To ¯6</a:t>
+            </a:r>
+          </a:p>
+          <a:p>
+            <a:r>
+              <a:rPr lang="en-US" sz="2800" dirty="0">
+                <a:solidFill>
+                  <a:prstClr val="black"/>
+                </a:solidFill>
+                <a:latin typeface="APL385 Unicode" panose="020B0709000202000203" pitchFamily="49" charset="0"/>
+                <a:ea typeface="+mj-ea"/>
+                <a:cs typeface="+mj-cs"/>
+              </a:rPr>
+              <a:t>¯10 ¯9 ¯8 ¯7 ¯6</a:t>
+            </a:r>
+          </a:p>
+        </p:txBody>
+      </p:sp>
+    </p:spTree>
+    <p:extLst>
+      <p:ext uri="{BB962C8B-B14F-4D97-AF65-F5344CB8AC3E}">
+        <p14:creationId xmlns:p14="http://schemas.microsoft.com/office/powerpoint/2010/main" val="7844904"/>
+      </p:ext>
+    </p:extLst>
+  </p:cSld>
+  <p:clrMapOvr>
+    <a:masterClrMapping/>
+  </p:clrMapOvr>
+</p:sld>
+</file>
+
+<file path=ppt/slides/slide13.xml><?xml version="1.0" encoding="utf-8"?>
+<p:sld xmlns:a="http://schemas.openxmlformats.org/drawingml/2006/main" xmlns:r="http://schemas.openxmlformats.org/officeDocument/2006/relationships" xmlns:p="http://schemas.openxmlformats.org/presentationml/2006/main">
+  <p:cSld>
+    <p:spTree>
+      <p:nvGrpSpPr>
+        <p:cNvPr id="1" name=""/>
+        <p:cNvGrpSpPr/>
+        <p:nvPr/>
+      </p:nvGrpSpPr>
+      <p:grpSpPr>
+        <a:xfrm>
+          <a:off x="0" y="0"/>
+          <a:ext cx="0" cy="0"/>
+          <a:chOff x="0" y="0"/>
+          <a:chExt cx="0" cy="0"/>
+        </a:xfrm>
+      </p:grpSpPr>
+      <p:sp>
+        <p:nvSpPr>
+          <p:cNvPr id="2" name="TextBox 1">
+            <a:extLst>
+              <a:ext uri="{FF2B5EF4-FFF2-40B4-BE49-F238E27FC236}">
+                <a16:creationId xmlns:a16="http://schemas.microsoft.com/office/drawing/2014/main" id="{ABB6BDA9-D3EC-48B2-8801-3CE10D1D5391}"/>
+              </a:ext>
+            </a:extLst>
+          </p:cNvPr>
+          <p:cNvSpPr txBox="1"/>
+          <p:nvPr/>
+        </p:nvSpPr>
+        <p:spPr>
+          <a:xfrm>
+            <a:off x="696000" y="369000"/>
+            <a:ext cx="10800000" cy="6247864"/>
+          </a:xfrm>
+          <a:prstGeom prst="rect">
+            <a:avLst/>
+          </a:prstGeom>
+          <a:noFill/>
+        </p:spPr>
+        <p:txBody>
+          <a:bodyPr wrap="square" rtlCol="0">
+            <a:spAutoFit/>
+          </a:bodyPr>
+          <a:lstStyle/>
+          <a:p>
+            <a:pPr marL="0" indent="0" algn="ctr">
+              <a:buNone/>
+            </a:pPr>
+            <a:r>
+              <a:rPr kumimoji="0" lang="en-GB" sz="2000" b="1" i="0" u="none" strike="noStrike" kern="1200" cap="none" spc="0" normalizeH="0" baseline="0" noProof="0" dirty="0">
+                <a:ln>
+                  <a:noFill/>
+                </a:ln>
+                <a:solidFill>
+                  <a:prstClr val="black"/>
+                </a:solidFill>
+                <a:effectLst/>
+                <a:uLnTx/>
+                <a:uFillTx/>
+                <a:latin typeface="Atkinson Hyperlegible" pitchFamily="50" charset="0"/>
+                <a:ea typeface="+mj-ea"/>
+                <a:cs typeface="+mj-cs"/>
+              </a:rPr>
+              <a:t>Task </a:t>
+            </a:r>
+            <a:fld id="{C4A595E0-68AA-423E-BAF3-3392370CE250}" type="slidenum">
+              <a:rPr kumimoji="0" lang="en-GB" sz="2000" b="1" i="0" u="none" strike="noStrike" kern="1200" cap="none" spc="0" normalizeH="0" baseline="0" noProof="0" smtClean="0">
+                <a:ln>
+                  <a:noFill/>
+                </a:ln>
+                <a:solidFill>
+                  <a:prstClr val="black"/>
+                </a:solidFill>
+                <a:effectLst/>
+                <a:uLnTx/>
+                <a:uFillTx/>
+                <a:latin typeface="Atkinson Hyperlegible" pitchFamily="50" charset="0"/>
+                <a:ea typeface="+mj-ea"/>
+                <a:cs typeface="+mj-cs"/>
+              </a:rPr>
+              <a:t>13</a:t>
+            </a:fld>
+            <a:endParaRPr kumimoji="0" lang="en-GB" sz="2000" b="1" i="0" u="none" strike="noStrike" kern="1200" cap="none" spc="0" normalizeH="0" baseline="0" noProof="0" dirty="0">
+              <a:ln>
+                <a:noFill/>
+              </a:ln>
+              <a:solidFill>
+                <a:prstClr val="black"/>
+              </a:solidFill>
+              <a:effectLst/>
+              <a:uLnTx/>
+              <a:uFillTx/>
+              <a:latin typeface="Atkinson Hyperlegible" pitchFamily="50" charset="0"/>
+              <a:ea typeface="+mj-ea"/>
+              <a:cs typeface="+mj-cs"/>
+            </a:endParaRPr>
+          </a:p>
+          <a:p>
+            <a:pPr marL="0" indent="0">
+              <a:buNone/>
+            </a:pPr>
+            <a:r>
+              <a:rPr lang="en-GB" sz="2000" dirty="0">
+                <a:solidFill>
+                  <a:prstClr val="black"/>
+                </a:solidFill>
+                <a:latin typeface="Atkinson Hyperlegible" pitchFamily="50" charset="0"/>
+                <a:ea typeface="+mj-ea"/>
+                <a:cs typeface="+mj-cs"/>
+              </a:rPr>
+              <a:t>Define these variables that we'll use in the next few tasks:</a:t>
+            </a:r>
+          </a:p>
+          <a:p>
+            <a:pPr marL="0" indent="0">
+              <a:buNone/>
+            </a:pPr>
+            <a:r>
+              <a:rPr lang="en-GB" sz="2000" dirty="0">
+                <a:solidFill>
+                  <a:prstClr val="black"/>
+                </a:solidFill>
+                <a:latin typeface="APL385 Unicode" panose="020B0709000202000203" pitchFamily="49" charset="0"/>
+                <a:ea typeface="+mj-ea"/>
+                <a:cs typeface="+mj-cs"/>
+              </a:rPr>
+              <a:t>      names ← 6 7⍴'Rich</a:t>
+            </a:r>
+            <a:r>
+              <a:rPr lang="en-GB" sz="2000" dirty="0">
+                <a:solidFill>
+                  <a:prstClr val="black"/>
+                </a:solidFill>
+                <a:highlight>
+                  <a:srgbClr val="808080"/>
+                </a:highlight>
+                <a:latin typeface="APL385 Unicode" panose="020B0709000202000203" pitchFamily="49" charset="0"/>
+                <a:ea typeface="+mj-ea"/>
+                <a:cs typeface="+mj-cs"/>
+              </a:rPr>
+              <a:t> </a:t>
+            </a:r>
+            <a:r>
+              <a:rPr lang="en-GB" sz="2000" dirty="0">
+                <a:solidFill>
+                  <a:prstClr val="black"/>
+                </a:solidFill>
+                <a:highlight>
+                  <a:srgbClr val="C0C0C0"/>
+                </a:highlight>
+                <a:latin typeface="APL385 Unicode" panose="020B0709000202000203" pitchFamily="49" charset="0"/>
+                <a:ea typeface="+mj-ea"/>
+                <a:cs typeface="+mj-cs"/>
+              </a:rPr>
+              <a:t> </a:t>
+            </a:r>
+            <a:r>
+              <a:rPr lang="en-GB" sz="2000" dirty="0">
+                <a:solidFill>
+                  <a:prstClr val="black"/>
+                </a:solidFill>
+                <a:highlight>
+                  <a:srgbClr val="808080"/>
+                </a:highlight>
+                <a:latin typeface="APL385 Unicode" panose="020B0709000202000203" pitchFamily="49" charset="0"/>
+                <a:ea typeface="+mj-ea"/>
+                <a:cs typeface="+mj-cs"/>
+              </a:rPr>
+              <a:t> </a:t>
+            </a:r>
+            <a:r>
+              <a:rPr lang="en-GB" sz="2000" dirty="0">
+                <a:solidFill>
+                  <a:prstClr val="black"/>
+                </a:solidFill>
+                <a:latin typeface="APL385 Unicode" panose="020B0709000202000203" pitchFamily="49" charset="0"/>
+                <a:ea typeface="+mj-ea"/>
+                <a:cs typeface="+mj-cs"/>
+              </a:rPr>
+              <a:t>Pav</a:t>
+            </a:r>
+            <a:r>
+              <a:rPr lang="en-GB" sz="2000" dirty="0">
+                <a:solidFill>
+                  <a:prstClr val="black"/>
+                </a:solidFill>
+                <a:highlight>
+                  <a:srgbClr val="808080"/>
+                </a:highlight>
+                <a:latin typeface="APL385 Unicode" panose="020B0709000202000203" pitchFamily="49" charset="0"/>
+                <a:ea typeface="+mj-ea"/>
+                <a:cs typeface="+mj-cs"/>
+              </a:rPr>
+              <a:t> </a:t>
+            </a:r>
+            <a:r>
+              <a:rPr lang="en-GB" sz="2000" dirty="0">
+                <a:solidFill>
+                  <a:prstClr val="black"/>
+                </a:solidFill>
+                <a:highlight>
+                  <a:srgbClr val="C0C0C0"/>
+                </a:highlight>
+                <a:latin typeface="APL385 Unicode" panose="020B0709000202000203" pitchFamily="49" charset="0"/>
+                <a:ea typeface="+mj-ea"/>
+                <a:cs typeface="+mj-cs"/>
+              </a:rPr>
+              <a:t> </a:t>
+            </a:r>
+            <a:r>
+              <a:rPr lang="en-GB" sz="2000" dirty="0">
+                <a:solidFill>
+                  <a:prstClr val="black"/>
+                </a:solidFill>
+                <a:highlight>
+                  <a:srgbClr val="808080"/>
+                </a:highlight>
+                <a:latin typeface="APL385 Unicode" panose="020B0709000202000203" pitchFamily="49" charset="0"/>
+                <a:ea typeface="+mj-ea"/>
+                <a:cs typeface="+mj-cs"/>
+              </a:rPr>
+              <a:t> </a:t>
+            </a:r>
+            <a:r>
+              <a:rPr lang="en-GB" sz="2000" dirty="0">
+                <a:solidFill>
+                  <a:prstClr val="black"/>
+                </a:solidFill>
+                <a:highlight>
+                  <a:srgbClr val="C0C0C0"/>
+                </a:highlight>
+                <a:latin typeface="APL385 Unicode" panose="020B0709000202000203" pitchFamily="49" charset="0"/>
+                <a:ea typeface="+mj-ea"/>
+                <a:cs typeface="+mj-cs"/>
+              </a:rPr>
+              <a:t> </a:t>
+            </a:r>
+            <a:r>
+              <a:rPr lang="en-GB" sz="2000" dirty="0" err="1">
+                <a:solidFill>
+                  <a:prstClr val="black"/>
+                </a:solidFill>
+                <a:latin typeface="APL385 Unicode" panose="020B0709000202000203" pitchFamily="49" charset="0"/>
+                <a:ea typeface="+mj-ea"/>
+                <a:cs typeface="+mj-cs"/>
+              </a:rPr>
+              <a:t>HardeepAdam</a:t>
+            </a:r>
+            <a:r>
+              <a:rPr lang="en-GB" sz="2000" dirty="0">
+                <a:solidFill>
+                  <a:prstClr val="black"/>
+                </a:solidFill>
+                <a:highlight>
+                  <a:srgbClr val="808080"/>
+                </a:highlight>
+                <a:latin typeface="APL385 Unicode" panose="020B0709000202000203" pitchFamily="49" charset="0"/>
+                <a:ea typeface="+mj-ea"/>
+                <a:cs typeface="+mj-cs"/>
+              </a:rPr>
+              <a:t> </a:t>
+            </a:r>
+            <a:r>
+              <a:rPr lang="en-GB" sz="2000" dirty="0">
+                <a:solidFill>
+                  <a:prstClr val="black"/>
+                </a:solidFill>
+                <a:highlight>
+                  <a:srgbClr val="C0C0C0"/>
+                </a:highlight>
+                <a:latin typeface="APL385 Unicode" panose="020B0709000202000203" pitchFamily="49" charset="0"/>
+                <a:ea typeface="+mj-ea"/>
+                <a:cs typeface="+mj-cs"/>
+              </a:rPr>
+              <a:t> </a:t>
+            </a:r>
+            <a:r>
+              <a:rPr lang="en-GB" sz="2000" dirty="0">
+                <a:solidFill>
+                  <a:prstClr val="black"/>
+                </a:solidFill>
+                <a:highlight>
+                  <a:srgbClr val="808080"/>
+                </a:highlight>
+                <a:latin typeface="APL385 Unicode" panose="020B0709000202000203" pitchFamily="49" charset="0"/>
+                <a:ea typeface="+mj-ea"/>
+                <a:cs typeface="+mj-cs"/>
+              </a:rPr>
+              <a:t> </a:t>
+            </a:r>
+            <a:r>
+              <a:rPr lang="en-GB" sz="2000" dirty="0">
+                <a:solidFill>
+                  <a:prstClr val="black"/>
+                </a:solidFill>
+                <a:latin typeface="APL385 Unicode" panose="020B0709000202000203" pitchFamily="49" charset="0"/>
+                <a:ea typeface="+mj-ea"/>
+                <a:cs typeface="+mj-cs"/>
+              </a:rPr>
+              <a:t>Sally</a:t>
+            </a:r>
+            <a:r>
+              <a:rPr lang="en-GB" sz="2000" dirty="0">
+                <a:solidFill>
+                  <a:prstClr val="black"/>
+                </a:solidFill>
+                <a:highlight>
+                  <a:srgbClr val="808080"/>
+                </a:highlight>
+                <a:latin typeface="APL385 Unicode" panose="020B0709000202000203" pitchFamily="49" charset="0"/>
+                <a:ea typeface="+mj-ea"/>
+                <a:cs typeface="+mj-cs"/>
+              </a:rPr>
+              <a:t> </a:t>
+            </a:r>
+            <a:r>
+              <a:rPr lang="en-GB" sz="2000" dirty="0">
+                <a:solidFill>
+                  <a:prstClr val="black"/>
+                </a:solidFill>
+                <a:highlight>
+                  <a:srgbClr val="C0C0C0"/>
+                </a:highlight>
+                <a:latin typeface="APL385 Unicode" panose="020B0709000202000203" pitchFamily="49" charset="0"/>
+                <a:ea typeface="+mj-ea"/>
+                <a:cs typeface="+mj-cs"/>
+              </a:rPr>
+              <a:t> </a:t>
+            </a:r>
+            <a:r>
+              <a:rPr lang="en-GB" sz="2000" dirty="0">
+                <a:solidFill>
+                  <a:prstClr val="black"/>
+                </a:solidFill>
+                <a:latin typeface="APL385 Unicode" panose="020B0709000202000203" pitchFamily="49" charset="0"/>
+                <a:ea typeface="+mj-ea"/>
+                <a:cs typeface="+mj-cs"/>
+              </a:rPr>
+              <a:t>Rodrigo'</a:t>
+            </a:r>
+          </a:p>
+          <a:p>
+            <a:pPr marL="0" indent="0">
+              <a:buNone/>
+            </a:pPr>
+            <a:r>
+              <a:rPr lang="en-GB" sz="2000" dirty="0">
+                <a:solidFill>
+                  <a:prstClr val="black"/>
+                </a:solidFill>
+                <a:latin typeface="APL385 Unicode" panose="020B0709000202000203" pitchFamily="49" charset="0"/>
+                <a:ea typeface="+mj-ea"/>
+                <a:cs typeface="+mj-cs"/>
+              </a:rPr>
+              <a:t>      names</a:t>
+            </a:r>
+          </a:p>
+          <a:p>
+            <a:pPr marL="0" indent="0">
+              <a:buNone/>
+            </a:pPr>
+            <a:r>
+              <a:rPr lang="en-GB" sz="2000" dirty="0">
+                <a:solidFill>
+                  <a:prstClr val="black"/>
+                </a:solidFill>
+                <a:latin typeface="APL385 Unicode" panose="020B0709000202000203" pitchFamily="49" charset="0"/>
+                <a:ea typeface="+mj-ea"/>
+                <a:cs typeface="+mj-cs"/>
+              </a:rPr>
+              <a:t>Rich   </a:t>
+            </a:r>
+          </a:p>
+          <a:p>
+            <a:pPr marL="0" indent="0">
+              <a:buNone/>
+            </a:pPr>
+            <a:r>
+              <a:rPr lang="en-GB" sz="2000" dirty="0">
+                <a:solidFill>
+                  <a:prstClr val="black"/>
+                </a:solidFill>
+                <a:latin typeface="APL385 Unicode" panose="020B0709000202000203" pitchFamily="49" charset="0"/>
+                <a:ea typeface="+mj-ea"/>
+                <a:cs typeface="+mj-cs"/>
+              </a:rPr>
+              <a:t>Pav    </a:t>
+            </a:r>
+          </a:p>
+          <a:p>
+            <a:pPr marL="0" indent="0">
+              <a:buNone/>
+            </a:pPr>
+            <a:r>
+              <a:rPr lang="en-GB" sz="2000" dirty="0">
+                <a:solidFill>
+                  <a:prstClr val="black"/>
+                </a:solidFill>
+                <a:latin typeface="APL385 Unicode" panose="020B0709000202000203" pitchFamily="49" charset="0"/>
+                <a:ea typeface="+mj-ea"/>
+                <a:cs typeface="+mj-cs"/>
+              </a:rPr>
+              <a:t>Hardeep</a:t>
+            </a:r>
+          </a:p>
+          <a:p>
+            <a:pPr marL="0" indent="0">
+              <a:buNone/>
+            </a:pPr>
+            <a:r>
+              <a:rPr lang="en-GB" sz="2000" dirty="0">
+                <a:solidFill>
+                  <a:prstClr val="black"/>
+                </a:solidFill>
+                <a:latin typeface="APL385 Unicode" panose="020B0709000202000203" pitchFamily="49" charset="0"/>
+                <a:ea typeface="+mj-ea"/>
+                <a:cs typeface="+mj-cs"/>
+              </a:rPr>
+              <a:t>Adam   </a:t>
+            </a:r>
+          </a:p>
+          <a:p>
+            <a:pPr marL="0" indent="0">
+              <a:buNone/>
+            </a:pPr>
+            <a:r>
+              <a:rPr lang="en-GB" sz="2000" dirty="0">
+                <a:solidFill>
+                  <a:prstClr val="black"/>
+                </a:solidFill>
+                <a:latin typeface="APL385 Unicode" panose="020B0709000202000203" pitchFamily="49" charset="0"/>
+                <a:ea typeface="+mj-ea"/>
+                <a:cs typeface="+mj-cs"/>
+              </a:rPr>
+              <a:t>Sally  </a:t>
+            </a:r>
+          </a:p>
+          <a:p>
+            <a:pPr marL="0" indent="0">
+              <a:buNone/>
+            </a:pPr>
+            <a:r>
+              <a:rPr lang="en-GB" sz="2000" dirty="0">
+                <a:solidFill>
+                  <a:prstClr val="black"/>
+                </a:solidFill>
+                <a:latin typeface="APL385 Unicode" panose="020B0709000202000203" pitchFamily="49" charset="0"/>
+                <a:ea typeface="+mj-ea"/>
+                <a:cs typeface="+mj-cs"/>
+              </a:rPr>
+              <a:t>Rodrigo</a:t>
+            </a:r>
+          </a:p>
+          <a:p>
+            <a:pPr marL="0" indent="0">
+              <a:buNone/>
+            </a:pPr>
+            <a:endParaRPr lang="en-GB" sz="2000" dirty="0">
+              <a:solidFill>
+                <a:prstClr val="black"/>
+              </a:solidFill>
+              <a:latin typeface="APL385 Unicode" panose="020B0709000202000203" pitchFamily="49" charset="0"/>
+              <a:ea typeface="+mj-ea"/>
+              <a:cs typeface="+mj-cs"/>
+            </a:endParaRPr>
+          </a:p>
+          <a:p>
+            <a:pPr marL="0" indent="0">
+              <a:buNone/>
+            </a:pPr>
+            <a:r>
+              <a:rPr lang="en-GB" sz="2000" dirty="0">
+                <a:solidFill>
+                  <a:prstClr val="black"/>
+                </a:solidFill>
+                <a:latin typeface="APL385 Unicode" panose="020B0709000202000203" pitchFamily="49" charset="0"/>
+                <a:ea typeface="+mj-ea"/>
+                <a:cs typeface="+mj-cs"/>
+              </a:rPr>
+              <a:t>      items←7 5⍴'applecat</a:t>
+            </a:r>
+            <a:r>
+              <a:rPr lang="en-GB" sz="2000" dirty="0">
+                <a:solidFill>
+                  <a:prstClr val="black"/>
+                </a:solidFill>
+                <a:highlight>
+                  <a:srgbClr val="808080"/>
+                </a:highlight>
+                <a:latin typeface="APL385 Unicode" panose="020B0709000202000203" pitchFamily="49" charset="0"/>
+                <a:ea typeface="+mj-ea"/>
+                <a:cs typeface="+mj-cs"/>
+              </a:rPr>
+              <a:t> </a:t>
+            </a:r>
+            <a:r>
+              <a:rPr lang="en-GB" sz="2000" dirty="0">
+                <a:solidFill>
+                  <a:prstClr val="black"/>
+                </a:solidFill>
+                <a:highlight>
+                  <a:srgbClr val="C0C0C0"/>
+                </a:highlight>
+                <a:latin typeface="APL385 Unicode" panose="020B0709000202000203" pitchFamily="49" charset="0"/>
+                <a:ea typeface="+mj-ea"/>
+                <a:cs typeface="+mj-cs"/>
+              </a:rPr>
+              <a:t> </a:t>
+            </a:r>
+            <a:r>
+              <a:rPr lang="en-GB" sz="2000" dirty="0">
+                <a:solidFill>
+                  <a:prstClr val="black"/>
+                </a:solidFill>
+                <a:latin typeface="APL385 Unicode" panose="020B0709000202000203" pitchFamily="49" charset="0"/>
+                <a:ea typeface="+mj-ea"/>
+                <a:cs typeface="+mj-cs"/>
+              </a:rPr>
+              <a:t>dog</a:t>
+            </a:r>
+            <a:r>
+              <a:rPr lang="en-GB" sz="2000" dirty="0">
+                <a:solidFill>
+                  <a:prstClr val="black"/>
+                </a:solidFill>
+                <a:highlight>
+                  <a:srgbClr val="808080"/>
+                </a:highlight>
+                <a:latin typeface="APL385 Unicode" panose="020B0709000202000203" pitchFamily="49" charset="0"/>
+                <a:ea typeface="+mj-ea"/>
+                <a:cs typeface="+mj-cs"/>
+              </a:rPr>
+              <a:t> </a:t>
+            </a:r>
+            <a:r>
+              <a:rPr lang="en-GB" sz="2000" dirty="0">
+                <a:solidFill>
+                  <a:prstClr val="black"/>
+                </a:solidFill>
+                <a:highlight>
+                  <a:srgbClr val="C0C0C0"/>
+                </a:highlight>
+                <a:latin typeface="APL385 Unicode" panose="020B0709000202000203" pitchFamily="49" charset="0"/>
+                <a:ea typeface="+mj-ea"/>
+                <a:cs typeface="+mj-cs"/>
+              </a:rPr>
+              <a:t> </a:t>
+            </a:r>
+            <a:r>
+              <a:rPr lang="en-GB" sz="2000" dirty="0" err="1">
+                <a:solidFill>
+                  <a:prstClr val="black"/>
+                </a:solidFill>
+                <a:latin typeface="APL385 Unicode" panose="020B0709000202000203" pitchFamily="49" charset="0"/>
+                <a:ea typeface="+mj-ea"/>
+                <a:cs typeface="+mj-cs"/>
+              </a:rPr>
+              <a:t>lemurfrog</a:t>
+            </a:r>
+            <a:r>
+              <a:rPr lang="en-GB" sz="2000" dirty="0">
+                <a:solidFill>
+                  <a:prstClr val="black"/>
+                </a:solidFill>
+                <a:highlight>
+                  <a:srgbClr val="808080"/>
+                </a:highlight>
+                <a:latin typeface="APL385 Unicode" panose="020B0709000202000203" pitchFamily="49" charset="0"/>
+                <a:ea typeface="+mj-ea"/>
+                <a:cs typeface="+mj-cs"/>
+              </a:rPr>
+              <a:t> </a:t>
+            </a:r>
+            <a:r>
+              <a:rPr lang="en-GB" sz="2000" dirty="0">
+                <a:solidFill>
+                  <a:prstClr val="black"/>
+                </a:solidFill>
+                <a:latin typeface="APL385 Unicode" panose="020B0709000202000203" pitchFamily="49" charset="0"/>
+                <a:ea typeface="+mj-ea"/>
+                <a:cs typeface="+mj-cs"/>
+              </a:rPr>
+              <a:t>safe</a:t>
+            </a:r>
+            <a:r>
+              <a:rPr lang="en-GB" sz="2000" dirty="0">
+                <a:solidFill>
+                  <a:prstClr val="black"/>
+                </a:solidFill>
+                <a:highlight>
+                  <a:srgbClr val="808080"/>
+                </a:highlight>
+                <a:latin typeface="APL385 Unicode" panose="020B0709000202000203" pitchFamily="49" charset="0"/>
+                <a:ea typeface="+mj-ea"/>
+                <a:cs typeface="+mj-cs"/>
+              </a:rPr>
+              <a:t> </a:t>
+            </a:r>
+            <a:r>
+              <a:rPr lang="en-GB" sz="2000" dirty="0">
+                <a:solidFill>
+                  <a:prstClr val="black"/>
+                </a:solidFill>
+                <a:latin typeface="APL385 Unicode" panose="020B0709000202000203" pitchFamily="49" charset="0"/>
+                <a:ea typeface="+mj-ea"/>
+                <a:cs typeface="+mj-cs"/>
+              </a:rPr>
+              <a:t>lemon'</a:t>
+            </a:r>
+          </a:p>
+          <a:p>
+            <a:pPr marL="0" indent="0">
+              <a:buNone/>
+            </a:pPr>
+            <a:r>
+              <a:rPr lang="en-GB" sz="2000" dirty="0">
+                <a:solidFill>
+                  <a:prstClr val="black"/>
+                </a:solidFill>
+                <a:latin typeface="APL385 Unicode" panose="020B0709000202000203" pitchFamily="49" charset="0"/>
+                <a:ea typeface="+mj-ea"/>
+                <a:cs typeface="+mj-cs"/>
+              </a:rPr>
+              <a:t>      items</a:t>
+            </a:r>
+          </a:p>
+          <a:p>
+            <a:pPr marL="0" indent="0">
+              <a:buNone/>
+            </a:pPr>
+            <a:r>
+              <a:rPr lang="da-DK" sz="2000" dirty="0">
+                <a:solidFill>
+                  <a:prstClr val="black"/>
+                </a:solidFill>
+                <a:latin typeface="APL385 Unicode" panose="020B0709000202000203" pitchFamily="49" charset="0"/>
+                <a:ea typeface="+mj-ea"/>
+                <a:cs typeface="+mj-cs"/>
+              </a:rPr>
+              <a:t>apple</a:t>
+            </a:r>
+          </a:p>
+          <a:p>
+            <a:pPr marL="0" indent="0">
+              <a:buNone/>
+            </a:pPr>
+            <a:r>
+              <a:rPr lang="da-DK" sz="2000" dirty="0">
+                <a:solidFill>
+                  <a:prstClr val="black"/>
+                </a:solidFill>
+                <a:latin typeface="APL385 Unicode" panose="020B0709000202000203" pitchFamily="49" charset="0"/>
+                <a:ea typeface="+mj-ea"/>
+                <a:cs typeface="+mj-cs"/>
+              </a:rPr>
+              <a:t>cat  </a:t>
+            </a:r>
+          </a:p>
+          <a:p>
+            <a:pPr marL="0" indent="0">
+              <a:buNone/>
+            </a:pPr>
+            <a:r>
+              <a:rPr lang="da-DK" sz="2000" dirty="0">
+                <a:solidFill>
+                  <a:prstClr val="black"/>
+                </a:solidFill>
+                <a:latin typeface="APL385 Unicode" panose="020B0709000202000203" pitchFamily="49" charset="0"/>
+                <a:ea typeface="+mj-ea"/>
+                <a:cs typeface="+mj-cs"/>
+              </a:rPr>
+              <a:t>dog  </a:t>
+            </a:r>
+          </a:p>
+          <a:p>
+            <a:pPr marL="0" indent="0">
+              <a:buNone/>
+            </a:pPr>
+            <a:r>
+              <a:rPr lang="da-DK" sz="2000" dirty="0">
+                <a:solidFill>
+                  <a:prstClr val="black"/>
+                </a:solidFill>
+                <a:latin typeface="APL385 Unicode" panose="020B0709000202000203" pitchFamily="49" charset="0"/>
+                <a:ea typeface="+mj-ea"/>
+                <a:cs typeface="+mj-cs"/>
+              </a:rPr>
+              <a:t>lemur</a:t>
+            </a:r>
+          </a:p>
+          <a:p>
+            <a:pPr marL="0" indent="0">
+              <a:buNone/>
+            </a:pPr>
+            <a:r>
+              <a:rPr lang="da-DK" sz="2000" dirty="0">
+                <a:solidFill>
+                  <a:prstClr val="black"/>
+                </a:solidFill>
+                <a:latin typeface="APL385 Unicode" panose="020B0709000202000203" pitchFamily="49" charset="0"/>
+                <a:ea typeface="+mj-ea"/>
+                <a:cs typeface="+mj-cs"/>
+              </a:rPr>
+              <a:t>frog </a:t>
+            </a:r>
+          </a:p>
+          <a:p>
+            <a:pPr marL="0" indent="0">
+              <a:buNone/>
+            </a:pPr>
+            <a:r>
+              <a:rPr lang="da-DK" sz="2000" dirty="0">
+                <a:solidFill>
+                  <a:prstClr val="black"/>
+                </a:solidFill>
+                <a:latin typeface="APL385 Unicode" panose="020B0709000202000203" pitchFamily="49" charset="0"/>
+                <a:ea typeface="+mj-ea"/>
+                <a:cs typeface="+mj-cs"/>
+              </a:rPr>
+              <a:t>safe </a:t>
+            </a:r>
+          </a:p>
+          <a:p>
+            <a:pPr marL="0" indent="0">
+              <a:buNone/>
+            </a:pPr>
+            <a:r>
+              <a:rPr lang="da-DK" sz="2000" dirty="0">
+                <a:solidFill>
+                  <a:prstClr val="black"/>
+                </a:solidFill>
+                <a:latin typeface="APL385 Unicode" panose="020B0709000202000203" pitchFamily="49" charset="0"/>
+                <a:ea typeface="+mj-ea"/>
+                <a:cs typeface="+mj-cs"/>
+              </a:rPr>
+              <a:t>lemon</a:t>
+            </a:r>
+          </a:p>
+        </p:txBody>
+      </p:sp>
+      <p:sp>
+        <p:nvSpPr>
+          <p:cNvPr id="3" name="Arrow: Pentagon 2">
+            <a:extLst>
+              <a:ext uri="{FF2B5EF4-FFF2-40B4-BE49-F238E27FC236}">
+                <a16:creationId xmlns:a16="http://schemas.microsoft.com/office/drawing/2014/main" id="{6A8B3B2B-A0D5-4CFE-B065-167ABFF90D2C}"/>
+              </a:ext>
+            </a:extLst>
+          </p:cNvPr>
+          <p:cNvSpPr/>
+          <p:nvPr/>
+        </p:nvSpPr>
+        <p:spPr>
+          <a:xfrm rot="1800074" flipH="1">
+            <a:off x="5661716" y="2021984"/>
+            <a:ext cx="3496207" cy="639721"/>
+          </a:xfrm>
+          <a:prstGeom prst="homePlate">
+            <a:avLst/>
+          </a:prstGeom>
+        </p:spPr>
+        <p:style>
+          <a:lnRef idx="2">
+            <a:schemeClr val="accent2">
+              <a:shade val="50000"/>
+            </a:schemeClr>
+          </a:lnRef>
+          <a:fillRef idx="1">
+            <a:schemeClr val="accent2"/>
+          </a:fillRef>
+          <a:effectRef idx="0">
+            <a:schemeClr val="accent2"/>
+          </a:effectRef>
+          <a:fontRef idx="minor">
+            <a:schemeClr val="lt1"/>
+          </a:fontRef>
+        </p:style>
+        <p:txBody>
+          <a:bodyPr rtlCol="0" anchor="ctr"/>
+          <a:lstStyle/>
+          <a:p>
+            <a:pPr algn="ctr"/>
+            <a:r>
+              <a:rPr lang="en-GB" dirty="0"/>
+              <a:t>I've made the spaces shaded so you can see how many there are</a:t>
+            </a:r>
+          </a:p>
+        </p:txBody>
+      </p:sp>
+    </p:spTree>
+    <p:extLst>
+      <p:ext uri="{BB962C8B-B14F-4D97-AF65-F5344CB8AC3E}">
+        <p14:creationId xmlns:p14="http://schemas.microsoft.com/office/powerpoint/2010/main" val="2684864308"/>
+      </p:ext>
+    </p:extLst>
+  </p:cSld>
+  <p:clrMapOvr>
+    <a:masterClrMapping/>
+  </p:clrMapOvr>
+</p:sld>
+</file>
+
+<file path=ppt/slides/slide14.xml><?xml version="1.0" encoding="utf-8"?>
+<p:sld xmlns:a="http://schemas.openxmlformats.org/drawingml/2006/main" xmlns:r="http://schemas.openxmlformats.org/officeDocument/2006/relationships" xmlns:p="http://schemas.openxmlformats.org/presentationml/2006/main">
+  <p:cSld>
+    <p:spTree>
+      <p:nvGrpSpPr>
+        <p:cNvPr id="1" name=""/>
+        <p:cNvGrpSpPr/>
+        <p:nvPr/>
+      </p:nvGrpSpPr>
+      <p:grpSpPr>
+        <a:xfrm>
+          <a:off x="0" y="0"/>
+          <a:ext cx="0" cy="0"/>
+          <a:chOff x="0" y="0"/>
+          <a:chExt cx="0" cy="0"/>
+        </a:xfrm>
+      </p:grpSpPr>
+      <p:sp>
+        <p:nvSpPr>
+          <p:cNvPr id="2" name="TextBox 1">
+            <a:extLst>
+              <a:ext uri="{FF2B5EF4-FFF2-40B4-BE49-F238E27FC236}">
+                <a16:creationId xmlns:a16="http://schemas.microsoft.com/office/drawing/2014/main" id="{ABB6BDA9-D3EC-48B2-8801-3CE10D1D5391}"/>
+              </a:ext>
+            </a:extLst>
+          </p:cNvPr>
+          <p:cNvSpPr txBox="1"/>
+          <p:nvPr/>
+        </p:nvSpPr>
+        <p:spPr>
+          <a:xfrm>
+            <a:off x="696000" y="369000"/>
+            <a:ext cx="10800000" cy="5693866"/>
+          </a:xfrm>
+          <a:prstGeom prst="rect">
+            <a:avLst/>
+          </a:prstGeom>
+          <a:noFill/>
+        </p:spPr>
+        <p:txBody>
+          <a:bodyPr wrap="square" rtlCol="0">
+            <a:spAutoFit/>
+          </a:bodyPr>
+          <a:lstStyle/>
+          <a:p>
+            <a:pPr marL="0" indent="0" algn="ctr">
+              <a:buNone/>
+            </a:pPr>
+            <a:r>
+              <a:rPr kumimoji="0" lang="en-GB" sz="2800" b="1" i="0" u="none" strike="noStrike" kern="1200" cap="none" spc="0" normalizeH="0" baseline="0" noProof="0" dirty="0">
+                <a:ln>
+                  <a:noFill/>
+                </a:ln>
+                <a:solidFill>
+                  <a:prstClr val="black"/>
+                </a:solidFill>
+                <a:effectLst/>
+                <a:uLnTx/>
+                <a:uFillTx/>
+                <a:latin typeface="Atkinson Hyperlegible" pitchFamily="50" charset="0"/>
+                <a:ea typeface="+mj-ea"/>
+                <a:cs typeface="+mj-cs"/>
+              </a:rPr>
+              <a:t>Task </a:t>
+            </a:r>
+            <a:fld id="{C4A595E0-68AA-423E-BAF3-3392370CE250}" type="slidenum">
+              <a:rPr kumimoji="0" lang="en-GB" sz="2800" b="1" i="0" u="none" strike="noStrike" kern="1200" cap="none" spc="0" normalizeH="0" baseline="0" noProof="0" smtClean="0">
+                <a:ln>
+                  <a:noFill/>
+                </a:ln>
+                <a:solidFill>
+                  <a:prstClr val="black"/>
+                </a:solidFill>
+                <a:effectLst/>
+                <a:uLnTx/>
+                <a:uFillTx/>
+                <a:latin typeface="Atkinson Hyperlegible" pitchFamily="50" charset="0"/>
+                <a:ea typeface="+mj-ea"/>
+                <a:cs typeface="+mj-cs"/>
+              </a:rPr>
+              <a:t>14</a:t>
+            </a:fld>
+            <a:endParaRPr kumimoji="0" lang="en-GB" sz="2800" b="1" i="0" u="none" strike="noStrike" kern="1200" cap="none" spc="0" normalizeH="0" baseline="0" noProof="0" dirty="0">
+              <a:ln>
+                <a:noFill/>
+              </a:ln>
+              <a:solidFill>
+                <a:prstClr val="black"/>
+              </a:solidFill>
+              <a:effectLst/>
+              <a:uLnTx/>
+              <a:uFillTx/>
+              <a:latin typeface="Atkinson Hyperlegible" pitchFamily="50" charset="0"/>
+              <a:ea typeface="+mj-ea"/>
+              <a:cs typeface="+mj-cs"/>
+            </a:endParaRPr>
+          </a:p>
+          <a:p>
+            <a:pPr marL="0" indent="0">
+              <a:buNone/>
+            </a:pPr>
+            <a:r>
+              <a:rPr lang="en-GB" sz="2800" dirty="0">
+                <a:solidFill>
+                  <a:prstClr val="black"/>
+                </a:solidFill>
+                <a:latin typeface="Atkinson Hyperlegible" pitchFamily="50" charset="0"/>
+                <a:ea typeface="+mj-ea"/>
+                <a:cs typeface="+mj-cs"/>
+              </a:rPr>
+              <a:t>Define a function </a:t>
+            </a:r>
+            <a:r>
+              <a:rPr lang="en-GB" sz="2800" dirty="0" err="1">
+                <a:solidFill>
+                  <a:prstClr val="black"/>
+                </a:solidFill>
+                <a:latin typeface="APL385 Unicode" panose="020B0709000202000203" pitchFamily="49" charset="0"/>
+                <a:ea typeface="+mj-ea"/>
+                <a:cs typeface="+mj-cs"/>
+              </a:rPr>
+              <a:t>ThatHave</a:t>
+            </a:r>
+            <a:r>
+              <a:rPr lang="en-GB" sz="2800" dirty="0">
+                <a:solidFill>
+                  <a:prstClr val="black"/>
+                </a:solidFill>
+                <a:latin typeface="Atkinson Hyperlegible" pitchFamily="50" charset="0"/>
+                <a:ea typeface="+mj-ea"/>
+                <a:cs typeface="+mj-cs"/>
+              </a:rPr>
+              <a:t> to select rows of a text matrix </a:t>
+            </a:r>
+            <a:r>
+              <a:rPr lang="en-GB" sz="2800" dirty="0">
+                <a:solidFill>
+                  <a:prstClr val="black"/>
+                </a:solidFill>
+                <a:latin typeface="APL385 Unicode" panose="020B0709000202000203" pitchFamily="49" charset="0"/>
+                <a:ea typeface="+mj-ea"/>
+                <a:cs typeface="+mj-cs"/>
+              </a:rPr>
+              <a:t>⍺ </a:t>
+            </a:r>
+            <a:r>
+              <a:rPr lang="en-GB" sz="2800" dirty="0">
+                <a:solidFill>
+                  <a:prstClr val="black"/>
+                </a:solidFill>
+                <a:latin typeface="Atkinson Hyperlegible" pitchFamily="50" charset="0"/>
+                <a:ea typeface="+mj-ea"/>
+                <a:cs typeface="+mj-cs"/>
+              </a:rPr>
+              <a:t>which contain the character </a:t>
+            </a:r>
+            <a:r>
+              <a:rPr lang="en-GB" sz="2800" dirty="0">
+                <a:solidFill>
+                  <a:prstClr val="black"/>
+                </a:solidFill>
+                <a:latin typeface="APL385 Unicode" panose="020B0709000202000203" pitchFamily="49" charset="0"/>
+                <a:ea typeface="+mj-ea"/>
+                <a:cs typeface="+mj-cs"/>
+              </a:rPr>
+              <a:t>⍵</a:t>
+            </a:r>
+            <a:r>
+              <a:rPr lang="en-GB" sz="2800" dirty="0">
+                <a:solidFill>
+                  <a:prstClr val="black"/>
+                </a:solidFill>
+                <a:latin typeface="Atkinson Hyperlegible" pitchFamily="50" charset="0"/>
+                <a:ea typeface="+mj-ea"/>
+                <a:cs typeface="+mj-cs"/>
+              </a:rPr>
+              <a:t>:</a:t>
+            </a:r>
+          </a:p>
+          <a:p>
+            <a:pPr marL="0" indent="0">
+              <a:buNone/>
+            </a:pPr>
+            <a:endParaRPr lang="en-GB" sz="2800" dirty="0">
               <a:solidFill>
                 <a:prstClr val="black"/>
               </a:solidFill>
@@ -3532,28 +5742,444 @@
             </a:endParaRPr>
           </a:p>
           <a:p>
-            <a:pPr marL="742950" indent="-742950">
-              <a:buFont typeface="+mj-lt"/>
-              <a:buAutoNum type="arabicPeriod"/>
-            </a:pPr>
-            <a:r>
-              <a:rPr lang="en-GB" sz="3000" dirty="0">
-                <a:solidFill>
-                  <a:prstClr val="black"/>
-                </a:solidFill>
-                <a:latin typeface="Atkinson Hyperlegible" pitchFamily="50" charset="0"/>
-                <a:ea typeface="+mj-ea"/>
-                <a:cs typeface="+mj-cs"/>
-              </a:rPr>
-              <a:t>Turn Dyalog )OFF</a:t>
-            </a:r>
-          </a:p>
-          <a:p>
-            <a:pPr marL="742950" indent="-742950">
-              <a:buFont typeface="+mj-lt"/>
-              <a:buAutoNum type="arabicPeriod"/>
-            </a:pPr>
-            <a:endParaRPr lang="en-GB" sz="3000" dirty="0">
+            <a:pPr marL="0" indent="0">
+              <a:buNone/>
+            </a:pPr>
+            <a:r>
+              <a:rPr lang="en-US" sz="2800" dirty="0">
+                <a:solidFill>
+                  <a:prstClr val="black"/>
+                </a:solidFill>
+                <a:latin typeface="APL385 Unicode" panose="020B0709000202000203" pitchFamily="49" charset="0"/>
+                <a:ea typeface="+mj-ea"/>
+                <a:cs typeface="+mj-cs"/>
+              </a:rPr>
+              <a:t>      names </a:t>
+            </a:r>
+            <a:r>
+              <a:rPr lang="en-US" sz="2800" dirty="0" err="1">
+                <a:solidFill>
+                  <a:prstClr val="black"/>
+                </a:solidFill>
+                <a:latin typeface="APL385 Unicode" panose="020B0709000202000203" pitchFamily="49" charset="0"/>
+                <a:ea typeface="+mj-ea"/>
+                <a:cs typeface="+mj-cs"/>
+              </a:rPr>
+              <a:t>ThatHave</a:t>
+            </a:r>
+            <a:r>
+              <a:rPr lang="en-US" sz="2800" dirty="0">
+                <a:solidFill>
+                  <a:prstClr val="black"/>
+                </a:solidFill>
+                <a:latin typeface="APL385 Unicode" panose="020B0709000202000203" pitchFamily="49" charset="0"/>
+                <a:ea typeface="+mj-ea"/>
+                <a:cs typeface="+mj-cs"/>
+              </a:rPr>
+              <a:t> 'R'</a:t>
+            </a:r>
+          </a:p>
+          <a:p>
+            <a:pPr marL="0" indent="0">
+              <a:buNone/>
+            </a:pPr>
+            <a:r>
+              <a:rPr lang="en-US" sz="2800" dirty="0">
+                <a:solidFill>
+                  <a:prstClr val="black"/>
+                </a:solidFill>
+                <a:latin typeface="APL385 Unicode" panose="020B0709000202000203" pitchFamily="49" charset="0"/>
+                <a:ea typeface="+mj-ea"/>
+                <a:cs typeface="+mj-cs"/>
+              </a:rPr>
+              <a:t>Rich   </a:t>
+            </a:r>
+          </a:p>
+          <a:p>
+            <a:pPr marL="0" indent="0">
+              <a:buNone/>
+            </a:pPr>
+            <a:r>
+              <a:rPr lang="en-US" sz="2800" dirty="0">
+                <a:solidFill>
+                  <a:prstClr val="black"/>
+                </a:solidFill>
+                <a:latin typeface="APL385 Unicode" panose="020B0709000202000203" pitchFamily="49" charset="0"/>
+                <a:ea typeface="+mj-ea"/>
+                <a:cs typeface="+mj-cs"/>
+              </a:rPr>
+              <a:t>Rodrigo</a:t>
+            </a:r>
+          </a:p>
+          <a:p>
+            <a:pPr marL="0" indent="0">
+              <a:buNone/>
+            </a:pPr>
+            <a:r>
+              <a:rPr lang="en-US" sz="2800" dirty="0">
+                <a:solidFill>
+                  <a:prstClr val="black"/>
+                </a:solidFill>
+                <a:latin typeface="APL385 Unicode" panose="020B0709000202000203" pitchFamily="49" charset="0"/>
+                <a:ea typeface="+mj-ea"/>
+                <a:cs typeface="+mj-cs"/>
+              </a:rPr>
+              <a:t>      names </a:t>
+            </a:r>
+            <a:r>
+              <a:rPr lang="en-US" sz="2800" dirty="0" err="1">
+                <a:solidFill>
+                  <a:prstClr val="black"/>
+                </a:solidFill>
+                <a:latin typeface="APL385 Unicode" panose="020B0709000202000203" pitchFamily="49" charset="0"/>
+                <a:ea typeface="+mj-ea"/>
+                <a:cs typeface="+mj-cs"/>
+              </a:rPr>
+              <a:t>ThatHave</a:t>
+            </a:r>
+            <a:r>
+              <a:rPr lang="en-US" sz="2800" dirty="0">
+                <a:solidFill>
+                  <a:prstClr val="black"/>
+                </a:solidFill>
+                <a:latin typeface="APL385 Unicode" panose="020B0709000202000203" pitchFamily="49" charset="0"/>
+                <a:ea typeface="+mj-ea"/>
+                <a:cs typeface="+mj-cs"/>
+              </a:rPr>
+              <a:t> 'a'</a:t>
+            </a:r>
+          </a:p>
+          <a:p>
+            <a:pPr marL="0" indent="0">
+              <a:buNone/>
+            </a:pPr>
+            <a:r>
+              <a:rPr lang="en-US" sz="2800" dirty="0">
+                <a:solidFill>
+                  <a:prstClr val="black"/>
+                </a:solidFill>
+                <a:latin typeface="APL385 Unicode" panose="020B0709000202000203" pitchFamily="49" charset="0"/>
+                <a:ea typeface="+mj-ea"/>
+                <a:cs typeface="+mj-cs"/>
+              </a:rPr>
+              <a:t>Pav    </a:t>
+            </a:r>
+          </a:p>
+          <a:p>
+            <a:pPr marL="0" indent="0">
+              <a:buNone/>
+            </a:pPr>
+            <a:r>
+              <a:rPr lang="en-US" sz="2800" dirty="0">
+                <a:solidFill>
+                  <a:prstClr val="black"/>
+                </a:solidFill>
+                <a:latin typeface="APL385 Unicode" panose="020B0709000202000203" pitchFamily="49" charset="0"/>
+                <a:ea typeface="+mj-ea"/>
+                <a:cs typeface="+mj-cs"/>
+              </a:rPr>
+              <a:t>Hardeep</a:t>
+            </a:r>
+          </a:p>
+          <a:p>
+            <a:pPr marL="0" indent="0">
+              <a:buNone/>
+            </a:pPr>
+            <a:r>
+              <a:rPr lang="en-US" sz="2800" dirty="0">
+                <a:solidFill>
+                  <a:prstClr val="black"/>
+                </a:solidFill>
+                <a:latin typeface="APL385 Unicode" panose="020B0709000202000203" pitchFamily="49" charset="0"/>
+                <a:ea typeface="+mj-ea"/>
+                <a:cs typeface="+mj-cs"/>
+              </a:rPr>
+              <a:t>Adam   </a:t>
+            </a:r>
+          </a:p>
+          <a:p>
+            <a:pPr marL="0" indent="0">
+              <a:buNone/>
+            </a:pPr>
+            <a:r>
+              <a:rPr lang="en-US" sz="2800" dirty="0">
+                <a:solidFill>
+                  <a:prstClr val="black"/>
+                </a:solidFill>
+                <a:latin typeface="APL385 Unicode" panose="020B0709000202000203" pitchFamily="49" charset="0"/>
+                <a:ea typeface="+mj-ea"/>
+                <a:cs typeface="+mj-cs"/>
+              </a:rPr>
+              <a:t>Sally </a:t>
+            </a:r>
+            <a:r>
+              <a:rPr lang="en-GB" sz="2800" dirty="0">
+                <a:solidFill>
+                  <a:prstClr val="black"/>
+                </a:solidFill>
+                <a:latin typeface="APL385 Unicode" panose="020B0709000202000203" pitchFamily="49" charset="0"/>
+                <a:ea typeface="+mj-ea"/>
+                <a:cs typeface="+mj-cs"/>
+              </a:rPr>
+              <a:t> </a:t>
+            </a:r>
+          </a:p>
+          <a:p>
+            <a:r>
+              <a:rPr lang="en-US" sz="2800" dirty="0">
+                <a:solidFill>
+                  <a:prstClr val="black"/>
+                </a:solidFill>
+                <a:latin typeface="APL385 Unicode" panose="020B0709000202000203" pitchFamily="49" charset="0"/>
+                <a:ea typeface="+mj-ea"/>
+                <a:cs typeface="+mj-cs"/>
+              </a:rPr>
+              <a:t>      names </a:t>
+            </a:r>
+            <a:r>
+              <a:rPr lang="en-US" sz="2800" dirty="0" err="1">
+                <a:solidFill>
+                  <a:prstClr val="black"/>
+                </a:solidFill>
+                <a:latin typeface="APL385 Unicode" panose="020B0709000202000203" pitchFamily="49" charset="0"/>
+                <a:ea typeface="+mj-ea"/>
+                <a:cs typeface="+mj-cs"/>
+              </a:rPr>
+              <a:t>ThatHave</a:t>
+            </a:r>
+            <a:r>
+              <a:rPr lang="en-US" sz="2800" dirty="0">
+                <a:solidFill>
+                  <a:prstClr val="black"/>
+                </a:solidFill>
+                <a:latin typeface="APL385 Unicode" panose="020B0709000202000203" pitchFamily="49" charset="0"/>
+                <a:ea typeface="+mj-ea"/>
+                <a:cs typeface="+mj-cs"/>
+              </a:rPr>
+              <a:t> 'x'   ⍝ zero-row result!</a:t>
+            </a:r>
+          </a:p>
+        </p:txBody>
+      </p:sp>
+    </p:spTree>
+    <p:extLst>
+      <p:ext uri="{BB962C8B-B14F-4D97-AF65-F5344CB8AC3E}">
+        <p14:creationId xmlns:p14="http://schemas.microsoft.com/office/powerpoint/2010/main" val="1486386254"/>
+      </p:ext>
+    </p:extLst>
+  </p:cSld>
+  <p:clrMapOvr>
+    <a:masterClrMapping/>
+  </p:clrMapOvr>
+</p:sld>
+</file>
+
+<file path=ppt/slides/slide15.xml><?xml version="1.0" encoding="utf-8"?>
+<p:sld xmlns:a="http://schemas.openxmlformats.org/drawingml/2006/main" xmlns:r="http://schemas.openxmlformats.org/officeDocument/2006/relationships" xmlns:p="http://schemas.openxmlformats.org/presentationml/2006/main">
+  <p:cSld>
+    <p:spTree>
+      <p:nvGrpSpPr>
+        <p:cNvPr id="1" name=""/>
+        <p:cNvGrpSpPr/>
+        <p:nvPr/>
+      </p:nvGrpSpPr>
+      <p:grpSpPr>
+        <a:xfrm>
+          <a:off x="0" y="0"/>
+          <a:ext cx="0" cy="0"/>
+          <a:chOff x="0" y="0"/>
+          <a:chExt cx="0" cy="0"/>
+        </a:xfrm>
+      </p:grpSpPr>
+      <p:sp>
+        <p:nvSpPr>
+          <p:cNvPr id="2" name="TextBox 1">
+            <a:extLst>
+              <a:ext uri="{FF2B5EF4-FFF2-40B4-BE49-F238E27FC236}">
+                <a16:creationId xmlns:a16="http://schemas.microsoft.com/office/drawing/2014/main" id="{ABB6BDA9-D3EC-48B2-8801-3CE10D1D5391}"/>
+              </a:ext>
+            </a:extLst>
+          </p:cNvPr>
+          <p:cNvSpPr txBox="1"/>
+          <p:nvPr/>
+        </p:nvSpPr>
+        <p:spPr>
+          <a:xfrm>
+            <a:off x="696000" y="369000"/>
+            <a:ext cx="10800000" cy="4401205"/>
+          </a:xfrm>
+          <a:prstGeom prst="rect">
+            <a:avLst/>
+          </a:prstGeom>
+          <a:noFill/>
+        </p:spPr>
+        <p:txBody>
+          <a:bodyPr wrap="square" rtlCol="0">
+            <a:spAutoFit/>
+          </a:bodyPr>
+          <a:lstStyle/>
+          <a:p>
+            <a:pPr marL="0" indent="0" algn="ctr">
+              <a:buNone/>
+            </a:pPr>
+            <a:r>
+              <a:rPr kumimoji="0" lang="en-GB" sz="2800" b="1" i="0" u="none" strike="noStrike" kern="1200" cap="none" spc="0" normalizeH="0" baseline="0" noProof="0" dirty="0">
+                <a:ln>
+                  <a:noFill/>
+                </a:ln>
+                <a:solidFill>
+                  <a:prstClr val="black"/>
+                </a:solidFill>
+                <a:effectLst/>
+                <a:uLnTx/>
+                <a:uFillTx/>
+                <a:latin typeface="Atkinson Hyperlegible" pitchFamily="50" charset="0"/>
+                <a:ea typeface="+mj-ea"/>
+                <a:cs typeface="+mj-cs"/>
+              </a:rPr>
+              <a:t>Task </a:t>
+            </a:r>
+            <a:fld id="{C4A595E0-68AA-423E-BAF3-3392370CE250}" type="slidenum">
+              <a:rPr kumimoji="0" lang="en-GB" sz="2800" b="1" i="0" u="none" strike="noStrike" kern="1200" cap="none" spc="0" normalizeH="0" baseline="0" noProof="0" smtClean="0">
+                <a:ln>
+                  <a:noFill/>
+                </a:ln>
+                <a:solidFill>
+                  <a:prstClr val="black"/>
+                </a:solidFill>
+                <a:effectLst/>
+                <a:uLnTx/>
+                <a:uFillTx/>
+                <a:latin typeface="Atkinson Hyperlegible" pitchFamily="50" charset="0"/>
+                <a:ea typeface="+mj-ea"/>
+                <a:cs typeface="+mj-cs"/>
+              </a:rPr>
+              <a:t>15</a:t>
+            </a:fld>
+            <a:endParaRPr kumimoji="0" lang="en-GB" sz="2800" b="1" i="0" u="none" strike="noStrike" kern="1200" cap="none" spc="0" normalizeH="0" baseline="0" noProof="0" dirty="0">
+              <a:ln>
+                <a:noFill/>
+              </a:ln>
+              <a:solidFill>
+                <a:prstClr val="black"/>
+              </a:solidFill>
+              <a:effectLst/>
+              <a:uLnTx/>
+              <a:uFillTx/>
+              <a:latin typeface="Atkinson Hyperlegible" pitchFamily="50" charset="0"/>
+              <a:ea typeface="+mj-ea"/>
+              <a:cs typeface="+mj-cs"/>
+            </a:endParaRPr>
+          </a:p>
+          <a:p>
+            <a:pPr marL="0" indent="0">
+              <a:buNone/>
+            </a:pPr>
+            <a:r>
+              <a:rPr lang="en-GB" sz="2800" dirty="0">
+                <a:solidFill>
+                  <a:prstClr val="black"/>
+                </a:solidFill>
+                <a:latin typeface="Atkinson Hyperlegible" pitchFamily="50" charset="0"/>
+                <a:ea typeface="+mj-ea"/>
+                <a:cs typeface="+mj-cs"/>
+              </a:rPr>
+              <a:t>Define a function </a:t>
+            </a:r>
+            <a:r>
+              <a:rPr lang="en-GB" sz="2800" dirty="0" err="1">
+                <a:solidFill>
+                  <a:prstClr val="black"/>
+                </a:solidFill>
+                <a:latin typeface="APL385 Unicode" panose="020B0709000202000203" pitchFamily="49" charset="0"/>
+                <a:ea typeface="+mj-ea"/>
+                <a:cs typeface="+mj-cs"/>
+              </a:rPr>
+              <a:t>ThatBeginWith</a:t>
+            </a:r>
+            <a:r>
+              <a:rPr lang="en-GB" sz="2800" dirty="0">
+                <a:solidFill>
+                  <a:prstClr val="black"/>
+                </a:solidFill>
+                <a:latin typeface="Atkinson Hyperlegible" pitchFamily="50" charset="0"/>
+                <a:ea typeface="+mj-ea"/>
+                <a:cs typeface="+mj-cs"/>
+              </a:rPr>
+              <a:t> to select rows of a text matrix </a:t>
+            </a:r>
+            <a:r>
+              <a:rPr lang="en-GB" sz="2800" dirty="0">
+                <a:solidFill>
+                  <a:prstClr val="black"/>
+                </a:solidFill>
+                <a:latin typeface="APL385 Unicode" panose="020B0709000202000203" pitchFamily="49" charset="0"/>
+                <a:ea typeface="+mj-ea"/>
+                <a:cs typeface="+mj-cs"/>
+              </a:rPr>
+              <a:t>⍺ </a:t>
+            </a:r>
+            <a:r>
+              <a:rPr lang="en-GB" sz="2800" dirty="0">
+                <a:solidFill>
+                  <a:prstClr val="black"/>
+                </a:solidFill>
+                <a:latin typeface="Atkinson Hyperlegible" pitchFamily="50" charset="0"/>
+                <a:ea typeface="+mj-ea"/>
+                <a:cs typeface="+mj-cs"/>
+              </a:rPr>
+              <a:t>which </a:t>
+            </a:r>
+            <a:r>
+              <a:rPr lang="en-GB" sz="2800" b="1" dirty="0">
+                <a:solidFill>
+                  <a:prstClr val="black"/>
+                </a:solidFill>
+                <a:latin typeface="Atkinson Hyperlegible" pitchFamily="50" charset="0"/>
+                <a:ea typeface="+mj-ea"/>
+                <a:cs typeface="+mj-cs"/>
+              </a:rPr>
+              <a:t>begin with </a:t>
+            </a:r>
+            <a:r>
+              <a:rPr lang="en-GB" sz="2800" dirty="0">
+                <a:solidFill>
+                  <a:prstClr val="black"/>
+                </a:solidFill>
+                <a:latin typeface="Atkinson Hyperlegible" pitchFamily="50" charset="0"/>
+                <a:ea typeface="+mj-ea"/>
+                <a:cs typeface="+mj-cs"/>
+              </a:rPr>
+              <a:t>the character </a:t>
+            </a:r>
+            <a:r>
+              <a:rPr lang="en-GB" sz="2800" dirty="0">
+                <a:solidFill>
+                  <a:prstClr val="black"/>
+                </a:solidFill>
+                <a:latin typeface="APL385 Unicode" panose="020B0709000202000203" pitchFamily="49" charset="0"/>
+                <a:ea typeface="+mj-ea"/>
+                <a:cs typeface="+mj-cs"/>
+              </a:rPr>
+              <a:t>⍵</a:t>
+            </a:r>
+            <a:r>
+              <a:rPr lang="en-GB" sz="2800" dirty="0">
+                <a:solidFill>
+                  <a:prstClr val="black"/>
+                </a:solidFill>
+                <a:latin typeface="Atkinson Hyperlegible" pitchFamily="50" charset="0"/>
+                <a:ea typeface="+mj-ea"/>
+                <a:cs typeface="+mj-cs"/>
+              </a:rPr>
+              <a:t>:</a:t>
+            </a:r>
+          </a:p>
+          <a:p>
+            <a:pPr marL="0" indent="0">
+              <a:buNone/>
+            </a:pPr>
+            <a:endParaRPr lang="en-GB" sz="2800" dirty="0">
               <a:solidFill>
                 <a:prstClr val="black"/>
               </a:solidFill>
@@ -3563,31 +6189,1673 @@
             </a:endParaRPr>
           </a:p>
           <a:p>
-            <a:pPr marL="742950" indent="-742950">
-              <a:buFont typeface="+mj-lt"/>
-              <a:buAutoNum type="arabicPeriod"/>
-            </a:pPr>
-            <a:r>
-              <a:rPr lang="en-GB" sz="3000" dirty="0">
-                <a:solidFill>
-                  <a:prstClr val="black"/>
-                </a:solidFill>
-                <a:latin typeface="Atkinson Hyperlegible" pitchFamily="50" charset="0"/>
-                <a:ea typeface="+mj-ea"/>
-                <a:cs typeface="+mj-cs"/>
-              </a:rPr>
-              <a:t>Start Dyalog and )LOAD your workspace</a:t>
-            </a:r>
-            <a:endParaRPr lang="en-GB" sz="3000" dirty="0">
-              <a:latin typeface="APL385 Unicode" panose="020B0709000202000203" pitchFamily="49" charset="0"/>
-            </a:endParaRPr>
+            <a:pPr marL="0" indent="0">
+              <a:buNone/>
+            </a:pPr>
+            <a:r>
+              <a:rPr lang="en-US" sz="2800" dirty="0">
+                <a:solidFill>
+                  <a:prstClr val="black"/>
+                </a:solidFill>
+                <a:latin typeface="APL385 Unicode" panose="020B0709000202000203" pitchFamily="49" charset="0"/>
+                <a:ea typeface="+mj-ea"/>
+                <a:cs typeface="+mj-cs"/>
+              </a:rPr>
+              <a:t>      names </a:t>
+            </a:r>
+            <a:r>
+              <a:rPr lang="en-US" sz="2800" dirty="0" err="1">
+                <a:solidFill>
+                  <a:prstClr val="black"/>
+                </a:solidFill>
+                <a:latin typeface="APL385 Unicode" panose="020B0709000202000203" pitchFamily="49" charset="0"/>
+                <a:ea typeface="+mj-ea"/>
+                <a:cs typeface="+mj-cs"/>
+              </a:rPr>
+              <a:t>ThatBeginWith</a:t>
+            </a:r>
+            <a:r>
+              <a:rPr lang="en-US" sz="2800" dirty="0">
+                <a:solidFill>
+                  <a:prstClr val="black"/>
+                </a:solidFill>
+                <a:latin typeface="APL385 Unicode" panose="020B0709000202000203" pitchFamily="49" charset="0"/>
+                <a:ea typeface="+mj-ea"/>
+                <a:cs typeface="+mj-cs"/>
+              </a:rPr>
+              <a:t> 'R'</a:t>
+            </a:r>
+          </a:p>
+          <a:p>
+            <a:pPr marL="0" indent="0">
+              <a:buNone/>
+            </a:pPr>
+            <a:r>
+              <a:rPr lang="en-US" sz="2800" dirty="0">
+                <a:solidFill>
+                  <a:prstClr val="black"/>
+                </a:solidFill>
+                <a:latin typeface="APL385 Unicode" panose="020B0709000202000203" pitchFamily="49" charset="0"/>
+                <a:ea typeface="+mj-ea"/>
+                <a:cs typeface="+mj-cs"/>
+              </a:rPr>
+              <a:t>Rich   </a:t>
+            </a:r>
+          </a:p>
+          <a:p>
+            <a:pPr marL="0" indent="0">
+              <a:buNone/>
+            </a:pPr>
+            <a:r>
+              <a:rPr lang="en-US" sz="2800" dirty="0">
+                <a:solidFill>
+                  <a:prstClr val="black"/>
+                </a:solidFill>
+                <a:latin typeface="APL385 Unicode" panose="020B0709000202000203" pitchFamily="49" charset="0"/>
+                <a:ea typeface="+mj-ea"/>
+                <a:cs typeface="+mj-cs"/>
+              </a:rPr>
+              <a:t>Rodrigo</a:t>
+            </a:r>
+          </a:p>
+          <a:p>
+            <a:pPr marL="0" indent="0">
+              <a:buNone/>
+            </a:pPr>
+            <a:r>
+              <a:rPr lang="en-US" sz="2800" dirty="0">
+                <a:solidFill>
+                  <a:prstClr val="black"/>
+                </a:solidFill>
+                <a:latin typeface="APL385 Unicode" panose="020B0709000202000203" pitchFamily="49" charset="0"/>
+                <a:ea typeface="+mj-ea"/>
+                <a:cs typeface="+mj-cs"/>
+              </a:rPr>
+              <a:t>      names </a:t>
+            </a:r>
+            <a:r>
+              <a:rPr lang="en-US" sz="2800" dirty="0" err="1">
+                <a:solidFill>
+                  <a:prstClr val="black"/>
+                </a:solidFill>
+                <a:latin typeface="APL385 Unicode" panose="020B0709000202000203" pitchFamily="49" charset="0"/>
+                <a:ea typeface="+mj-ea"/>
+                <a:cs typeface="+mj-cs"/>
+              </a:rPr>
+              <a:t>ThatBeginWith</a:t>
+            </a:r>
+            <a:r>
+              <a:rPr lang="en-US" sz="2800" dirty="0">
+                <a:solidFill>
+                  <a:prstClr val="black"/>
+                </a:solidFill>
+                <a:latin typeface="APL385 Unicode" panose="020B0709000202000203" pitchFamily="49" charset="0"/>
+                <a:ea typeface="+mj-ea"/>
+                <a:cs typeface="+mj-cs"/>
+              </a:rPr>
+              <a:t> 'A'</a:t>
+            </a:r>
+          </a:p>
+          <a:p>
+            <a:pPr marL="0" indent="0">
+              <a:buNone/>
+            </a:pPr>
+            <a:r>
+              <a:rPr lang="en-US" sz="2800" dirty="0">
+                <a:solidFill>
+                  <a:prstClr val="black"/>
+                </a:solidFill>
+                <a:latin typeface="APL385 Unicode" panose="020B0709000202000203" pitchFamily="49" charset="0"/>
+                <a:ea typeface="+mj-ea"/>
+                <a:cs typeface="+mj-cs"/>
+              </a:rPr>
+              <a:t>Adam   </a:t>
+            </a:r>
+          </a:p>
+          <a:p>
+            <a:pPr marL="0" indent="0">
+              <a:buNone/>
+            </a:pPr>
+            <a:r>
+              <a:rPr lang="en-US" sz="2800" dirty="0">
+                <a:solidFill>
+                  <a:prstClr val="black"/>
+                </a:solidFill>
+                <a:latin typeface="APL385 Unicode" panose="020B0709000202000203" pitchFamily="49" charset="0"/>
+                <a:ea typeface="+mj-ea"/>
+                <a:cs typeface="+mj-cs"/>
+              </a:rPr>
+              <a:t>      names </a:t>
+            </a:r>
+            <a:r>
+              <a:rPr lang="en-US" sz="2800" dirty="0" err="1">
+                <a:solidFill>
+                  <a:prstClr val="black"/>
+                </a:solidFill>
+                <a:latin typeface="APL385 Unicode" panose="020B0709000202000203" pitchFamily="49" charset="0"/>
+                <a:ea typeface="+mj-ea"/>
+                <a:cs typeface="+mj-cs"/>
+              </a:rPr>
+              <a:t>ThatBeginWith</a:t>
+            </a:r>
+            <a:r>
+              <a:rPr lang="en-US" sz="2800" dirty="0">
+                <a:solidFill>
+                  <a:prstClr val="black"/>
+                </a:solidFill>
+                <a:latin typeface="APL385 Unicode" panose="020B0709000202000203" pitchFamily="49" charset="0"/>
+                <a:ea typeface="+mj-ea"/>
+                <a:cs typeface="+mj-cs"/>
+              </a:rPr>
+              <a:t> 'X'  ⍝ zero-row result!</a:t>
+            </a:r>
           </a:p>
         </p:txBody>
       </p:sp>
     </p:spTree>
     <p:extLst>
       <p:ext uri="{BB962C8B-B14F-4D97-AF65-F5344CB8AC3E}">
-        <p14:creationId xmlns:p14="http://schemas.microsoft.com/office/powerpoint/2010/main" val="1928722547"/>
+        <p14:creationId xmlns:p14="http://schemas.microsoft.com/office/powerpoint/2010/main" val="1290775949"/>
+      </p:ext>
+    </p:extLst>
+  </p:cSld>
+  <p:clrMapOvr>
+    <a:masterClrMapping/>
+  </p:clrMapOvr>
+</p:sld>
+</file>
+
+<file path=ppt/slides/slide16.xml><?xml version="1.0" encoding="utf-8"?>
+<p:sld xmlns:a="http://schemas.openxmlformats.org/drawingml/2006/main" xmlns:r="http://schemas.openxmlformats.org/officeDocument/2006/relationships" xmlns:p="http://schemas.openxmlformats.org/presentationml/2006/main">
+  <p:cSld>
+    <p:spTree>
+      <p:nvGrpSpPr>
+        <p:cNvPr id="1" name=""/>
+        <p:cNvGrpSpPr/>
+        <p:nvPr/>
+      </p:nvGrpSpPr>
+      <p:grpSpPr>
+        <a:xfrm>
+          <a:off x="0" y="0"/>
+          <a:ext cx="0" cy="0"/>
+          <a:chOff x="0" y="0"/>
+          <a:chExt cx="0" cy="0"/>
+        </a:xfrm>
+      </p:grpSpPr>
+      <p:sp>
+        <p:nvSpPr>
+          <p:cNvPr id="2" name="TextBox 1">
+            <a:extLst>
+              <a:ext uri="{FF2B5EF4-FFF2-40B4-BE49-F238E27FC236}">
+                <a16:creationId xmlns:a16="http://schemas.microsoft.com/office/drawing/2014/main" id="{ABB6BDA9-D3EC-48B2-8801-3CE10D1D5391}"/>
+              </a:ext>
+            </a:extLst>
+          </p:cNvPr>
+          <p:cNvSpPr txBox="1"/>
+          <p:nvPr/>
+        </p:nvSpPr>
+        <p:spPr>
+          <a:xfrm>
+            <a:off x="696000" y="729000"/>
+            <a:ext cx="11160000" cy="5262979"/>
+          </a:xfrm>
+          <a:prstGeom prst="rect">
+            <a:avLst/>
+          </a:prstGeom>
+          <a:noFill/>
+        </p:spPr>
+        <p:txBody>
+          <a:bodyPr wrap="square" rtlCol="0">
+            <a:spAutoFit/>
+          </a:bodyPr>
+          <a:lstStyle/>
+          <a:p>
+            <a:pPr marL="0" indent="0" algn="ctr">
+              <a:buNone/>
+            </a:pPr>
+            <a:r>
+              <a:rPr kumimoji="0" lang="en-GB" sz="2800" b="1" i="0" u="none" strike="noStrike" kern="1200" cap="none" spc="0" normalizeH="0" baseline="0" noProof="0" dirty="0">
+                <a:ln>
+                  <a:noFill/>
+                </a:ln>
+                <a:solidFill>
+                  <a:prstClr val="black"/>
+                </a:solidFill>
+                <a:effectLst/>
+                <a:uLnTx/>
+                <a:uFillTx/>
+                <a:latin typeface="Atkinson Hyperlegible" pitchFamily="50" charset="0"/>
+                <a:ea typeface="+mj-ea"/>
+                <a:cs typeface="+mj-cs"/>
+              </a:rPr>
+              <a:t>Task </a:t>
+            </a:r>
+            <a:fld id="{C4A595E0-68AA-423E-BAF3-3392370CE250}" type="slidenum">
+              <a:rPr kumimoji="0" lang="en-GB" sz="2800" b="1" i="0" u="none" strike="noStrike" kern="1200" cap="none" spc="0" normalizeH="0" baseline="0" noProof="0" smtClean="0">
+                <a:ln>
+                  <a:noFill/>
+                </a:ln>
+                <a:solidFill>
+                  <a:prstClr val="black"/>
+                </a:solidFill>
+                <a:effectLst/>
+                <a:uLnTx/>
+                <a:uFillTx/>
+                <a:latin typeface="Atkinson Hyperlegible" pitchFamily="50" charset="0"/>
+                <a:ea typeface="+mj-ea"/>
+                <a:cs typeface="+mj-cs"/>
+              </a:rPr>
+              <a:t>16</a:t>
+            </a:fld>
+            <a:endParaRPr kumimoji="0" lang="en-GB" sz="2800" b="1" i="0" u="none" strike="noStrike" kern="1200" cap="none" spc="0" normalizeH="0" baseline="0" noProof="0" dirty="0">
+              <a:ln>
+                <a:noFill/>
+              </a:ln>
+              <a:solidFill>
+                <a:prstClr val="black"/>
+              </a:solidFill>
+              <a:effectLst/>
+              <a:uLnTx/>
+              <a:uFillTx/>
+              <a:latin typeface="Atkinson Hyperlegible" pitchFamily="50" charset="0"/>
+              <a:ea typeface="+mj-ea"/>
+              <a:cs typeface="+mj-cs"/>
+            </a:endParaRPr>
+          </a:p>
+          <a:p>
+            <a:pPr marL="0" indent="0">
+              <a:buNone/>
+            </a:pPr>
+            <a:r>
+              <a:rPr lang="en-GB" sz="2800" dirty="0">
+                <a:solidFill>
+                  <a:prstClr val="black"/>
+                </a:solidFill>
+                <a:latin typeface="Atkinson Hyperlegible" pitchFamily="50" charset="0"/>
+                <a:ea typeface="+mj-ea"/>
+                <a:cs typeface="+mj-cs"/>
+              </a:rPr>
+              <a:t>Define a function </a:t>
+            </a:r>
+            <a:r>
+              <a:rPr lang="en-GB" sz="2800" dirty="0" err="1">
+                <a:solidFill>
+                  <a:prstClr val="black"/>
+                </a:solidFill>
+                <a:latin typeface="APL385 Unicode" panose="020B0709000202000203" pitchFamily="49" charset="0"/>
+                <a:ea typeface="+mj-ea"/>
+                <a:cs typeface="+mj-cs"/>
+              </a:rPr>
+              <a:t>TextLengths</a:t>
+            </a:r>
+            <a:r>
+              <a:rPr lang="en-GB" sz="2800" dirty="0">
+                <a:solidFill>
+                  <a:prstClr val="black"/>
+                </a:solidFill>
+                <a:latin typeface="Atkinson Hyperlegible" pitchFamily="50" charset="0"/>
+                <a:ea typeface="+mj-ea"/>
+                <a:cs typeface="+mj-cs"/>
+              </a:rPr>
+              <a:t> that takes a matrix </a:t>
+            </a:r>
+            <a:r>
+              <a:rPr lang="en-GB" sz="2800" dirty="0">
+                <a:solidFill>
+                  <a:prstClr val="black"/>
+                </a:solidFill>
+                <a:latin typeface="APL385 Unicode" panose="020B0709000202000203" pitchFamily="49" charset="0"/>
+                <a:ea typeface="+mj-ea"/>
+                <a:cs typeface="+mj-cs"/>
+              </a:rPr>
+              <a:t>⍵</a:t>
+            </a:r>
+            <a:r>
+              <a:rPr lang="en-GB" sz="2800" dirty="0">
+                <a:solidFill>
+                  <a:prstClr val="black"/>
+                </a:solidFill>
+                <a:latin typeface="Atkinson Hyperlegible" pitchFamily="50" charset="0"/>
+                <a:ea typeface="+mj-ea"/>
+                <a:cs typeface="+mj-cs"/>
+              </a:rPr>
+              <a:t> and counts how many non-spaces there are in each row.</a:t>
+            </a:r>
+          </a:p>
+          <a:p>
+            <a:pPr marL="0" indent="0">
+              <a:buNone/>
+            </a:pPr>
+            <a:endParaRPr lang="en-GB" sz="2800" dirty="0">
+              <a:solidFill>
+                <a:prstClr val="black"/>
+              </a:solidFill>
+              <a:latin typeface="Atkinson Hyperlegible" pitchFamily="50" charset="0"/>
+              <a:ea typeface="+mj-ea"/>
+              <a:cs typeface="+mj-cs"/>
+            </a:endParaRPr>
+          </a:p>
+          <a:p>
+            <a:pPr marL="0" indent="0">
+              <a:buNone/>
+            </a:pPr>
+            <a:r>
+              <a:rPr lang="en-US" sz="2800" dirty="0">
+                <a:solidFill>
+                  <a:prstClr val="black"/>
+                </a:solidFill>
+                <a:latin typeface="APL385 Unicode" panose="020B0709000202000203" pitchFamily="49" charset="0"/>
+                <a:ea typeface="+mj-ea"/>
+                <a:cs typeface="+mj-cs"/>
+              </a:rPr>
+              <a:t>    </a:t>
+            </a:r>
+            <a:r>
+              <a:rPr lang="en-US" sz="2800" dirty="0" err="1">
+                <a:solidFill>
+                  <a:prstClr val="black"/>
+                </a:solidFill>
+                <a:latin typeface="APL385 Unicode" panose="020B0709000202000203" pitchFamily="49" charset="0"/>
+                <a:ea typeface="+mj-ea"/>
+                <a:cs typeface="+mj-cs"/>
+              </a:rPr>
+              <a:t>TextLengths</a:t>
+            </a:r>
+            <a:r>
+              <a:rPr lang="en-US" sz="2800" dirty="0">
+                <a:solidFill>
+                  <a:prstClr val="black"/>
+                </a:solidFill>
+                <a:latin typeface="APL385 Unicode" panose="020B0709000202000203" pitchFamily="49" charset="0"/>
+                <a:ea typeface="+mj-ea"/>
+                <a:cs typeface="+mj-cs"/>
+              </a:rPr>
+              <a:t> names</a:t>
+            </a:r>
+          </a:p>
+          <a:p>
+            <a:pPr marL="0" indent="0">
+              <a:buNone/>
+            </a:pPr>
+            <a:r>
+              <a:rPr lang="en-US" sz="2800" dirty="0">
+                <a:solidFill>
+                  <a:prstClr val="black"/>
+                </a:solidFill>
+                <a:latin typeface="APL385 Unicode" panose="020B0709000202000203" pitchFamily="49" charset="0"/>
+                <a:ea typeface="+mj-ea"/>
+                <a:cs typeface="+mj-cs"/>
+              </a:rPr>
+              <a:t>4 3 7 4 5 7</a:t>
+            </a:r>
+          </a:p>
+          <a:p>
+            <a:pPr marL="0" indent="0">
+              <a:buNone/>
+            </a:pPr>
+            <a:endParaRPr lang="en-GB" sz="2800" dirty="0">
+              <a:solidFill>
+                <a:prstClr val="black"/>
+              </a:solidFill>
+              <a:latin typeface="APL385 Unicode" panose="020B0709000202000203" pitchFamily="49" charset="0"/>
+              <a:ea typeface="+mj-ea"/>
+              <a:cs typeface="+mj-cs"/>
+            </a:endParaRPr>
+          </a:p>
+          <a:p>
+            <a:pPr marL="0" indent="0">
+              <a:buNone/>
+            </a:pPr>
+            <a:r>
+              <a:rPr lang="en-GB" sz="2800" dirty="0">
+                <a:solidFill>
+                  <a:prstClr val="black"/>
+                </a:solidFill>
+                <a:latin typeface="APL385 Unicode" panose="020B0709000202000203" pitchFamily="49" charset="0"/>
+                <a:ea typeface="+mj-ea"/>
+                <a:cs typeface="+mj-cs"/>
+              </a:rPr>
+              <a:t>    </a:t>
+            </a:r>
+            <a:r>
+              <a:rPr lang="en-GB" sz="2800" dirty="0" err="1">
+                <a:solidFill>
+                  <a:prstClr val="black"/>
+                </a:solidFill>
+                <a:latin typeface="APL385 Unicode" panose="020B0709000202000203" pitchFamily="49" charset="0"/>
+                <a:ea typeface="+mj-ea"/>
+                <a:cs typeface="+mj-cs"/>
+              </a:rPr>
+              <a:t>TextLengths</a:t>
+            </a:r>
+            <a:r>
+              <a:rPr lang="en-GB" sz="2800" dirty="0">
+                <a:solidFill>
+                  <a:prstClr val="black"/>
+                </a:solidFill>
+                <a:latin typeface="APL385 Unicode" panose="020B0709000202000203" pitchFamily="49" charset="0"/>
+                <a:ea typeface="+mj-ea"/>
+                <a:cs typeface="+mj-cs"/>
+              </a:rPr>
+              <a:t> items</a:t>
+            </a:r>
+          </a:p>
+          <a:p>
+            <a:pPr marL="0" indent="0">
+              <a:buNone/>
+            </a:pPr>
+            <a:r>
+              <a:rPr lang="en-GB" sz="2800" dirty="0">
+                <a:solidFill>
+                  <a:prstClr val="black"/>
+                </a:solidFill>
+                <a:latin typeface="APL385 Unicode" panose="020B0709000202000203" pitchFamily="49" charset="0"/>
+                <a:ea typeface="+mj-ea"/>
+                <a:cs typeface="+mj-cs"/>
+              </a:rPr>
+              <a:t>5 3 3 5 4 4 5</a:t>
+            </a:r>
+          </a:p>
+          <a:p>
+            <a:pPr marL="0" indent="0">
+              <a:buNone/>
+            </a:pPr>
+            <a:endParaRPr lang="en-GB" sz="2800" dirty="0">
+              <a:solidFill>
+                <a:prstClr val="black"/>
+              </a:solidFill>
+              <a:latin typeface="APL385 Unicode" panose="020B0709000202000203" pitchFamily="49" charset="0"/>
+              <a:ea typeface="+mj-ea"/>
+              <a:cs typeface="+mj-cs"/>
+            </a:endParaRPr>
+          </a:p>
+          <a:p>
+            <a:pPr marL="0" indent="0">
+              <a:buNone/>
+            </a:pPr>
+            <a:r>
+              <a:rPr lang="en-GB" sz="2800" dirty="0">
+                <a:solidFill>
+                  <a:prstClr val="black"/>
+                </a:solidFill>
+                <a:latin typeface="APL385 Unicode" panose="020B0709000202000203" pitchFamily="49" charset="0"/>
+                <a:ea typeface="+mj-ea"/>
+                <a:cs typeface="+mj-cs"/>
+              </a:rPr>
+              <a:t>    </a:t>
+            </a:r>
+            <a:r>
+              <a:rPr lang="en-GB" sz="2800" dirty="0" err="1">
+                <a:solidFill>
+                  <a:prstClr val="black"/>
+                </a:solidFill>
+                <a:latin typeface="APL385 Unicode" panose="020B0709000202000203" pitchFamily="49" charset="0"/>
+                <a:ea typeface="+mj-ea"/>
+                <a:cs typeface="+mj-cs"/>
+              </a:rPr>
+              <a:t>TextLength</a:t>
+            </a:r>
+            <a:r>
+              <a:rPr lang="en-GB" sz="2800" dirty="0">
+                <a:solidFill>
+                  <a:prstClr val="black"/>
+                </a:solidFill>
+                <a:latin typeface="APL385 Unicode" panose="020B0709000202000203" pitchFamily="49" charset="0"/>
+                <a:ea typeface="+mj-ea"/>
+                <a:cs typeface="+mj-cs"/>
+              </a:rPr>
+              <a:t> 0 5⍴''    ⍝ no rows; no lengths!</a:t>
+            </a:r>
+          </a:p>
+          <a:p>
+            <a:pPr marL="0" indent="0">
+              <a:buNone/>
+            </a:pPr>
+            <a:endParaRPr lang="en-GB" sz="2800" dirty="0">
+              <a:solidFill>
+                <a:prstClr val="black"/>
+              </a:solidFill>
+              <a:latin typeface="APL385 Unicode" panose="020B0709000202000203" pitchFamily="49" charset="0"/>
+              <a:ea typeface="+mj-ea"/>
+              <a:cs typeface="+mj-cs"/>
+            </a:endParaRPr>
+          </a:p>
+        </p:txBody>
+      </p:sp>
+    </p:spTree>
+    <p:extLst>
+      <p:ext uri="{BB962C8B-B14F-4D97-AF65-F5344CB8AC3E}">
+        <p14:creationId xmlns:p14="http://schemas.microsoft.com/office/powerpoint/2010/main" val="3201290508"/>
+      </p:ext>
+    </p:extLst>
+  </p:cSld>
+  <p:clrMapOvr>
+    <a:masterClrMapping/>
+  </p:clrMapOvr>
+</p:sld>
+</file>
+
+<file path=ppt/slides/slide17.xml><?xml version="1.0" encoding="utf-8"?>
+<p:sld xmlns:a="http://schemas.openxmlformats.org/drawingml/2006/main" xmlns:r="http://schemas.openxmlformats.org/officeDocument/2006/relationships" xmlns:p="http://schemas.openxmlformats.org/presentationml/2006/main">
+  <p:cSld>
+    <p:spTree>
+      <p:nvGrpSpPr>
+        <p:cNvPr id="1" name=""/>
+        <p:cNvGrpSpPr/>
+        <p:nvPr/>
+      </p:nvGrpSpPr>
+      <p:grpSpPr>
+        <a:xfrm>
+          <a:off x="0" y="0"/>
+          <a:ext cx="0" cy="0"/>
+          <a:chOff x="0" y="0"/>
+          <a:chExt cx="0" cy="0"/>
+        </a:xfrm>
+      </p:grpSpPr>
+      <p:sp>
+        <p:nvSpPr>
+          <p:cNvPr id="2" name="TextBox 1">
+            <a:extLst>
+              <a:ext uri="{FF2B5EF4-FFF2-40B4-BE49-F238E27FC236}">
+                <a16:creationId xmlns:a16="http://schemas.microsoft.com/office/drawing/2014/main" id="{ABB6BDA9-D3EC-48B2-8801-3CE10D1D5391}"/>
+              </a:ext>
+            </a:extLst>
+          </p:cNvPr>
+          <p:cNvSpPr txBox="1"/>
+          <p:nvPr/>
+        </p:nvSpPr>
+        <p:spPr>
+          <a:xfrm>
+            <a:off x="696000" y="189000"/>
+            <a:ext cx="10800000" cy="6555641"/>
+          </a:xfrm>
+          <a:prstGeom prst="rect">
+            <a:avLst/>
+          </a:prstGeom>
+          <a:noFill/>
+        </p:spPr>
+        <p:txBody>
+          <a:bodyPr wrap="square" rtlCol="0">
+            <a:spAutoFit/>
+          </a:bodyPr>
+          <a:lstStyle/>
+          <a:p>
+            <a:pPr marL="0" indent="0" algn="ctr">
+              <a:buNone/>
+            </a:pPr>
+            <a:r>
+              <a:rPr kumimoji="0" lang="en-GB" sz="2800" b="1" i="0" u="none" strike="noStrike" kern="1200" cap="none" spc="0" normalizeH="0" baseline="0" noProof="0" dirty="0">
+                <a:ln>
+                  <a:noFill/>
+                </a:ln>
+                <a:solidFill>
+                  <a:prstClr val="black"/>
+                </a:solidFill>
+                <a:effectLst/>
+                <a:uLnTx/>
+                <a:uFillTx/>
+                <a:latin typeface="Atkinson Hyperlegible" pitchFamily="50" charset="0"/>
+                <a:ea typeface="+mj-ea"/>
+                <a:cs typeface="+mj-cs"/>
+              </a:rPr>
+              <a:t>Task </a:t>
+            </a:r>
+            <a:fld id="{C4A595E0-68AA-423E-BAF3-3392370CE250}" type="slidenum">
+              <a:rPr kumimoji="0" lang="en-GB" sz="2800" b="1" i="0" u="none" strike="noStrike" kern="1200" cap="none" spc="0" normalizeH="0" baseline="0" noProof="0" smtClean="0">
+                <a:ln>
+                  <a:noFill/>
+                </a:ln>
+                <a:solidFill>
+                  <a:prstClr val="black"/>
+                </a:solidFill>
+                <a:effectLst/>
+                <a:uLnTx/>
+                <a:uFillTx/>
+                <a:latin typeface="Atkinson Hyperlegible" pitchFamily="50" charset="0"/>
+                <a:ea typeface="+mj-ea"/>
+                <a:cs typeface="+mj-cs"/>
+              </a:rPr>
+              <a:t>17</a:t>
+            </a:fld>
+            <a:endParaRPr kumimoji="0" lang="en-GB" sz="2800" b="1" i="0" u="none" strike="noStrike" kern="1200" cap="none" spc="0" normalizeH="0" baseline="0" noProof="0" dirty="0">
+              <a:ln>
+                <a:noFill/>
+              </a:ln>
+              <a:solidFill>
+                <a:prstClr val="black"/>
+              </a:solidFill>
+              <a:effectLst/>
+              <a:uLnTx/>
+              <a:uFillTx/>
+              <a:latin typeface="Atkinson Hyperlegible" pitchFamily="50" charset="0"/>
+              <a:ea typeface="+mj-ea"/>
+              <a:cs typeface="+mj-cs"/>
+            </a:endParaRPr>
+          </a:p>
+          <a:p>
+            <a:pPr marL="0" indent="0">
+              <a:buNone/>
+            </a:pPr>
+            <a:r>
+              <a:rPr lang="en-GB" sz="2800" dirty="0">
+                <a:solidFill>
+                  <a:prstClr val="black"/>
+                </a:solidFill>
+                <a:latin typeface="Atkinson Hyperlegible" pitchFamily="50" charset="0"/>
+                <a:ea typeface="+mj-ea"/>
+                <a:cs typeface="+mj-cs"/>
+              </a:rPr>
+              <a:t>Using </a:t>
+            </a:r>
+            <a:r>
+              <a:rPr lang="en-GB" sz="2800" dirty="0" err="1">
+                <a:solidFill>
+                  <a:prstClr val="black"/>
+                </a:solidFill>
+                <a:latin typeface="APL385 Unicode" panose="020B0709000202000203" pitchFamily="49" charset="0"/>
+                <a:ea typeface="+mj-ea"/>
+                <a:cs typeface="+mj-cs"/>
+              </a:rPr>
+              <a:t>TextLengths</a:t>
+            </a:r>
+            <a:r>
+              <a:rPr lang="en-GB" sz="2800" dirty="0">
+                <a:solidFill>
+                  <a:prstClr val="black"/>
+                </a:solidFill>
+                <a:latin typeface="Atkinson Hyperlegible" pitchFamily="50" charset="0"/>
+                <a:ea typeface="+mj-ea"/>
+                <a:cs typeface="+mj-cs"/>
+              </a:rPr>
+              <a:t>, define a function </a:t>
+            </a:r>
+            <a:r>
+              <a:rPr lang="en-GB" sz="2800" dirty="0" err="1">
+                <a:solidFill>
+                  <a:prstClr val="black"/>
+                </a:solidFill>
+                <a:latin typeface="APL385 Unicode" panose="020B0709000202000203" pitchFamily="49" charset="0"/>
+                <a:ea typeface="+mj-ea"/>
+                <a:cs typeface="+mj-cs"/>
+              </a:rPr>
+              <a:t>OfLength</a:t>
+            </a:r>
+            <a:r>
+              <a:rPr lang="en-GB" sz="2800" dirty="0">
+                <a:solidFill>
+                  <a:prstClr val="black"/>
+                </a:solidFill>
+                <a:latin typeface="Atkinson Hyperlegible" pitchFamily="50" charset="0"/>
+                <a:ea typeface="+mj-ea"/>
+                <a:cs typeface="+mj-cs"/>
+              </a:rPr>
+              <a:t> to select rows of a text matrix </a:t>
+            </a:r>
+            <a:r>
+              <a:rPr lang="en-GB" sz="2800" dirty="0">
+                <a:solidFill>
+                  <a:prstClr val="black"/>
+                </a:solidFill>
+                <a:latin typeface="APL385 Unicode" panose="020B0709000202000203" pitchFamily="49" charset="0"/>
+                <a:ea typeface="+mj-ea"/>
+                <a:cs typeface="+mj-cs"/>
+              </a:rPr>
+              <a:t>⍺</a:t>
+            </a:r>
+            <a:r>
+              <a:rPr lang="en-GB" sz="2800" dirty="0">
+                <a:solidFill>
+                  <a:prstClr val="black"/>
+                </a:solidFill>
+                <a:latin typeface="Atkinson Hyperlegible" pitchFamily="50" charset="0"/>
+                <a:ea typeface="+mj-ea"/>
+                <a:cs typeface="+mj-cs"/>
+              </a:rPr>
+              <a:t> where text (non-spaces) are of length </a:t>
+            </a:r>
+            <a:r>
+              <a:rPr lang="en-GB" sz="2800" dirty="0">
+                <a:solidFill>
+                  <a:prstClr val="black"/>
+                </a:solidFill>
+                <a:latin typeface="APL385 Unicode" panose="020B0709000202000203" pitchFamily="49" charset="0"/>
+                <a:ea typeface="+mj-ea"/>
+                <a:cs typeface="+mj-cs"/>
+              </a:rPr>
+              <a:t>⍵</a:t>
+            </a:r>
+            <a:r>
+              <a:rPr lang="en-GB" sz="2800" dirty="0">
+                <a:solidFill>
+                  <a:prstClr val="black"/>
+                </a:solidFill>
+                <a:latin typeface="Atkinson Hyperlegible" pitchFamily="50" charset="0"/>
+                <a:ea typeface="+mj-ea"/>
+                <a:cs typeface="+mj-cs"/>
+              </a:rPr>
+              <a:t>:</a:t>
+            </a:r>
+          </a:p>
+          <a:p>
+            <a:pPr marL="0" indent="0">
+              <a:buNone/>
+            </a:pPr>
+            <a:endParaRPr lang="en-GB" sz="2800" dirty="0">
+              <a:solidFill>
+                <a:prstClr val="black"/>
+              </a:solidFill>
+              <a:latin typeface="Atkinson Hyperlegible" pitchFamily="50" charset="0"/>
+              <a:ea typeface="+mj-ea"/>
+              <a:cs typeface="+mj-cs"/>
+            </a:endParaRPr>
+          </a:p>
+          <a:p>
+            <a:pPr marL="0" indent="0">
+              <a:buNone/>
+            </a:pPr>
+            <a:r>
+              <a:rPr lang="en-US" sz="2800" dirty="0">
+                <a:solidFill>
+                  <a:prstClr val="black"/>
+                </a:solidFill>
+                <a:latin typeface="APL385 Unicode" panose="020B0709000202000203" pitchFamily="49" charset="0"/>
+                <a:ea typeface="+mj-ea"/>
+                <a:cs typeface="+mj-cs"/>
+              </a:rPr>
+              <a:t>      names </a:t>
+            </a:r>
+            <a:r>
+              <a:rPr lang="en-US" sz="2800" dirty="0" err="1">
+                <a:solidFill>
+                  <a:prstClr val="black"/>
+                </a:solidFill>
+                <a:latin typeface="APL385 Unicode" panose="020B0709000202000203" pitchFamily="49" charset="0"/>
+                <a:ea typeface="+mj-ea"/>
+                <a:cs typeface="+mj-cs"/>
+              </a:rPr>
+              <a:t>OfLength</a:t>
+            </a:r>
+            <a:r>
+              <a:rPr lang="en-US" sz="2800" dirty="0">
+                <a:solidFill>
+                  <a:prstClr val="black"/>
+                </a:solidFill>
+                <a:latin typeface="APL385 Unicode" panose="020B0709000202000203" pitchFamily="49" charset="0"/>
+                <a:ea typeface="+mj-ea"/>
+                <a:cs typeface="+mj-cs"/>
+              </a:rPr>
+              <a:t> 4</a:t>
+            </a:r>
+          </a:p>
+          <a:p>
+            <a:pPr marL="0" indent="0">
+              <a:buNone/>
+            </a:pPr>
+            <a:r>
+              <a:rPr lang="en-US" sz="2800" dirty="0">
+                <a:solidFill>
+                  <a:prstClr val="black"/>
+                </a:solidFill>
+                <a:latin typeface="APL385 Unicode" panose="020B0709000202000203" pitchFamily="49" charset="0"/>
+                <a:ea typeface="+mj-ea"/>
+                <a:cs typeface="+mj-cs"/>
+              </a:rPr>
+              <a:t>Rich   </a:t>
+            </a:r>
+          </a:p>
+          <a:p>
+            <a:pPr marL="0" indent="0">
+              <a:buNone/>
+            </a:pPr>
+            <a:r>
+              <a:rPr lang="en-US" sz="2800" dirty="0">
+                <a:solidFill>
+                  <a:prstClr val="black"/>
+                </a:solidFill>
+                <a:latin typeface="APL385 Unicode" panose="020B0709000202000203" pitchFamily="49" charset="0"/>
+                <a:ea typeface="+mj-ea"/>
+                <a:cs typeface="+mj-cs"/>
+              </a:rPr>
+              <a:t>Adam   </a:t>
+            </a:r>
+          </a:p>
+          <a:p>
+            <a:pPr marL="0" indent="0">
+              <a:buNone/>
+            </a:pPr>
+            <a:r>
+              <a:rPr lang="en-US" sz="2800" dirty="0">
+                <a:solidFill>
+                  <a:prstClr val="black"/>
+                </a:solidFill>
+                <a:latin typeface="APL385 Unicode" panose="020B0709000202000203" pitchFamily="49" charset="0"/>
+                <a:ea typeface="+mj-ea"/>
+                <a:cs typeface="+mj-cs"/>
+              </a:rPr>
+              <a:t>      names </a:t>
+            </a:r>
+            <a:r>
+              <a:rPr lang="en-US" sz="2800" dirty="0" err="1">
+                <a:solidFill>
+                  <a:prstClr val="black"/>
+                </a:solidFill>
+                <a:latin typeface="APL385 Unicode" panose="020B0709000202000203" pitchFamily="49" charset="0"/>
+                <a:ea typeface="+mj-ea"/>
+                <a:cs typeface="+mj-cs"/>
+              </a:rPr>
+              <a:t>OfLength</a:t>
+            </a:r>
+            <a:r>
+              <a:rPr lang="en-US" sz="2800" dirty="0">
+                <a:solidFill>
+                  <a:prstClr val="black"/>
+                </a:solidFill>
+                <a:latin typeface="APL385 Unicode" panose="020B0709000202000203" pitchFamily="49" charset="0"/>
+                <a:ea typeface="+mj-ea"/>
+                <a:cs typeface="+mj-cs"/>
+              </a:rPr>
+              <a:t> 7</a:t>
+            </a:r>
+          </a:p>
+          <a:p>
+            <a:pPr marL="0" indent="0">
+              <a:buNone/>
+            </a:pPr>
+            <a:r>
+              <a:rPr lang="en-US" sz="2800" dirty="0">
+                <a:solidFill>
+                  <a:prstClr val="black"/>
+                </a:solidFill>
+                <a:latin typeface="APL385 Unicode" panose="020B0709000202000203" pitchFamily="49" charset="0"/>
+                <a:ea typeface="+mj-ea"/>
+                <a:cs typeface="+mj-cs"/>
+              </a:rPr>
+              <a:t>Hardeep</a:t>
+            </a:r>
+          </a:p>
+          <a:p>
+            <a:pPr marL="0" indent="0">
+              <a:buNone/>
+            </a:pPr>
+            <a:r>
+              <a:rPr lang="en-US" sz="2800" dirty="0">
+                <a:solidFill>
+                  <a:prstClr val="black"/>
+                </a:solidFill>
+                <a:latin typeface="APL385 Unicode" panose="020B0709000202000203" pitchFamily="49" charset="0"/>
+                <a:ea typeface="+mj-ea"/>
+                <a:cs typeface="+mj-cs"/>
+              </a:rPr>
+              <a:t>Rodrigo</a:t>
+            </a:r>
+          </a:p>
+          <a:p>
+            <a:pPr marL="0" indent="0">
+              <a:buNone/>
+            </a:pPr>
+            <a:endParaRPr lang="en-US" sz="2800" dirty="0">
+              <a:solidFill>
+                <a:prstClr val="black"/>
+              </a:solidFill>
+              <a:latin typeface="APL385 Unicode" panose="020B0709000202000203" pitchFamily="49" charset="0"/>
+              <a:ea typeface="+mj-ea"/>
+              <a:cs typeface="+mj-cs"/>
+            </a:endParaRPr>
+          </a:p>
+          <a:p>
+            <a:pPr marL="0" indent="0">
+              <a:buNone/>
+            </a:pPr>
+            <a:r>
+              <a:rPr lang="en-GB" sz="2800" dirty="0">
+                <a:solidFill>
+                  <a:prstClr val="black"/>
+                </a:solidFill>
+                <a:latin typeface="APL385 Unicode" panose="020B0709000202000203" pitchFamily="49" charset="0"/>
+                <a:ea typeface="+mj-ea"/>
+                <a:cs typeface="+mj-cs"/>
+              </a:rPr>
+              <a:t>      items </a:t>
+            </a:r>
+            <a:r>
+              <a:rPr lang="en-GB" sz="2800" dirty="0" err="1">
+                <a:solidFill>
+                  <a:prstClr val="black"/>
+                </a:solidFill>
+                <a:latin typeface="APL385 Unicode" panose="020B0709000202000203" pitchFamily="49" charset="0"/>
+                <a:ea typeface="+mj-ea"/>
+                <a:cs typeface="+mj-cs"/>
+              </a:rPr>
+              <a:t>OfLength</a:t>
+            </a:r>
+            <a:r>
+              <a:rPr lang="en-GB" sz="2800" dirty="0">
+                <a:solidFill>
+                  <a:prstClr val="black"/>
+                </a:solidFill>
+                <a:latin typeface="APL385 Unicode" panose="020B0709000202000203" pitchFamily="49" charset="0"/>
+                <a:ea typeface="+mj-ea"/>
+                <a:cs typeface="+mj-cs"/>
+              </a:rPr>
+              <a:t> 5</a:t>
+            </a:r>
+          </a:p>
+          <a:p>
+            <a:pPr marL="0" indent="0">
+              <a:buNone/>
+            </a:pPr>
+            <a:r>
+              <a:rPr lang="en-GB" sz="2800" dirty="0">
+                <a:solidFill>
+                  <a:prstClr val="black"/>
+                </a:solidFill>
+                <a:latin typeface="APL385 Unicode" panose="020B0709000202000203" pitchFamily="49" charset="0"/>
+                <a:ea typeface="+mj-ea"/>
+                <a:cs typeface="+mj-cs"/>
+              </a:rPr>
+              <a:t>apple</a:t>
+            </a:r>
+          </a:p>
+          <a:p>
+            <a:pPr marL="0" indent="0">
+              <a:buNone/>
+            </a:pPr>
+            <a:r>
+              <a:rPr lang="en-GB" sz="2800" dirty="0">
+                <a:solidFill>
+                  <a:prstClr val="black"/>
+                </a:solidFill>
+                <a:latin typeface="APL385 Unicode" panose="020B0709000202000203" pitchFamily="49" charset="0"/>
+                <a:ea typeface="+mj-ea"/>
+                <a:cs typeface="+mj-cs"/>
+              </a:rPr>
+              <a:t>lemur</a:t>
+            </a:r>
+          </a:p>
+          <a:p>
+            <a:pPr marL="0" indent="0">
+              <a:buNone/>
+            </a:pPr>
+            <a:r>
+              <a:rPr lang="en-GB" sz="2800" dirty="0">
+                <a:solidFill>
+                  <a:prstClr val="black"/>
+                </a:solidFill>
+                <a:latin typeface="APL385 Unicode" panose="020B0709000202000203" pitchFamily="49" charset="0"/>
+                <a:ea typeface="+mj-ea"/>
+                <a:cs typeface="+mj-cs"/>
+              </a:rPr>
+              <a:t>lemon</a:t>
+            </a:r>
+          </a:p>
+        </p:txBody>
+      </p:sp>
+    </p:spTree>
+    <p:extLst>
+      <p:ext uri="{BB962C8B-B14F-4D97-AF65-F5344CB8AC3E}">
+        <p14:creationId xmlns:p14="http://schemas.microsoft.com/office/powerpoint/2010/main" val="3466112456"/>
+      </p:ext>
+    </p:extLst>
+  </p:cSld>
+  <p:clrMapOvr>
+    <a:masterClrMapping/>
+  </p:clrMapOvr>
+</p:sld>
+</file>
+
+<file path=ppt/slides/slide18.xml><?xml version="1.0" encoding="utf-8"?>
+<p:sld xmlns:a="http://schemas.openxmlformats.org/drawingml/2006/main" xmlns:r="http://schemas.openxmlformats.org/officeDocument/2006/relationships" xmlns:p="http://schemas.openxmlformats.org/presentationml/2006/main">
+  <p:cSld>
+    <p:spTree>
+      <p:nvGrpSpPr>
+        <p:cNvPr id="1" name=""/>
+        <p:cNvGrpSpPr/>
+        <p:nvPr/>
+      </p:nvGrpSpPr>
+      <p:grpSpPr>
+        <a:xfrm>
+          <a:off x="0" y="0"/>
+          <a:ext cx="0" cy="0"/>
+          <a:chOff x="0" y="0"/>
+          <a:chExt cx="0" cy="0"/>
+        </a:xfrm>
+      </p:grpSpPr>
+      <p:sp>
+        <p:nvSpPr>
+          <p:cNvPr id="2" name="TextBox 1">
+            <a:extLst>
+              <a:ext uri="{FF2B5EF4-FFF2-40B4-BE49-F238E27FC236}">
+                <a16:creationId xmlns:a16="http://schemas.microsoft.com/office/drawing/2014/main" id="{ABB6BDA9-D3EC-48B2-8801-3CE10D1D5391}"/>
+              </a:ext>
+            </a:extLst>
+          </p:cNvPr>
+          <p:cNvSpPr txBox="1"/>
+          <p:nvPr/>
+        </p:nvSpPr>
+        <p:spPr>
+          <a:xfrm>
+            <a:off x="696000" y="729000"/>
+            <a:ext cx="10800000" cy="5262979"/>
+          </a:xfrm>
+          <a:prstGeom prst="rect">
+            <a:avLst/>
+          </a:prstGeom>
+          <a:noFill/>
+        </p:spPr>
+        <p:txBody>
+          <a:bodyPr wrap="square" rtlCol="0">
+            <a:spAutoFit/>
+          </a:bodyPr>
+          <a:lstStyle/>
+          <a:p>
+            <a:pPr marL="0" indent="0" algn="ctr">
+              <a:buNone/>
+            </a:pPr>
+            <a:r>
+              <a:rPr kumimoji="0" lang="en-GB" sz="2800" b="1" i="0" u="none" strike="noStrike" kern="1200" cap="none" spc="0" normalizeH="0" baseline="0" noProof="0" dirty="0">
+                <a:ln>
+                  <a:noFill/>
+                </a:ln>
+                <a:solidFill>
+                  <a:prstClr val="black"/>
+                </a:solidFill>
+                <a:effectLst/>
+                <a:uLnTx/>
+                <a:uFillTx/>
+                <a:latin typeface="Atkinson Hyperlegible" pitchFamily="50" charset="0"/>
+                <a:ea typeface="+mj-ea"/>
+                <a:cs typeface="+mj-cs"/>
+              </a:rPr>
+              <a:t>Task </a:t>
+            </a:r>
+            <a:fld id="{C4A595E0-68AA-423E-BAF3-3392370CE250}" type="slidenum">
+              <a:rPr kumimoji="0" lang="en-GB" sz="2800" b="1" i="0" u="none" strike="noStrike" kern="1200" cap="none" spc="0" normalizeH="0" baseline="0" noProof="0" smtClean="0">
+                <a:ln>
+                  <a:noFill/>
+                </a:ln>
+                <a:solidFill>
+                  <a:prstClr val="black"/>
+                </a:solidFill>
+                <a:effectLst/>
+                <a:uLnTx/>
+                <a:uFillTx/>
+                <a:latin typeface="Atkinson Hyperlegible" pitchFamily="50" charset="0"/>
+                <a:ea typeface="+mj-ea"/>
+                <a:cs typeface="+mj-cs"/>
+              </a:rPr>
+              <a:t>18</a:t>
+            </a:fld>
+            <a:endParaRPr kumimoji="0" lang="en-GB" sz="2800" b="1" i="0" u="none" strike="noStrike" kern="1200" cap="none" spc="0" normalizeH="0" baseline="0" noProof="0" dirty="0">
+              <a:ln>
+                <a:noFill/>
+              </a:ln>
+              <a:solidFill>
+                <a:prstClr val="black"/>
+              </a:solidFill>
+              <a:effectLst/>
+              <a:uLnTx/>
+              <a:uFillTx/>
+              <a:latin typeface="Atkinson Hyperlegible" pitchFamily="50" charset="0"/>
+              <a:ea typeface="+mj-ea"/>
+              <a:cs typeface="+mj-cs"/>
+            </a:endParaRPr>
+          </a:p>
+          <a:p>
+            <a:pPr marL="0" indent="0">
+              <a:buNone/>
+            </a:pPr>
+            <a:r>
+              <a:rPr lang="en-GB" sz="2800" dirty="0">
+                <a:solidFill>
+                  <a:prstClr val="black"/>
+                </a:solidFill>
+                <a:latin typeface="Atkinson Hyperlegible" pitchFamily="50" charset="0"/>
+                <a:ea typeface="+mj-ea"/>
+                <a:cs typeface="+mj-cs"/>
+              </a:rPr>
+              <a:t>Define a function </a:t>
+            </a:r>
+            <a:r>
+              <a:rPr lang="en-GB" sz="2800" dirty="0" err="1">
+                <a:solidFill>
+                  <a:prstClr val="black"/>
+                </a:solidFill>
+                <a:latin typeface="APL385 Unicode" panose="020B0709000202000203" pitchFamily="49" charset="0"/>
+                <a:ea typeface="+mj-ea"/>
+                <a:cs typeface="+mj-cs"/>
+              </a:rPr>
+              <a:t>RollN</a:t>
+            </a:r>
+            <a:r>
+              <a:rPr lang="en-GB" sz="2800" dirty="0">
+                <a:solidFill>
+                  <a:prstClr val="black"/>
+                </a:solidFill>
+                <a:latin typeface="Atkinson Hyperlegible" pitchFamily="50" charset="0"/>
+                <a:ea typeface="+mj-ea"/>
+                <a:cs typeface="+mj-cs"/>
+              </a:rPr>
+              <a:t> that simulates rolling six-sided dice. ⍵ is the number of dice to roll. Then return the total:</a:t>
+            </a:r>
+          </a:p>
+          <a:p>
+            <a:pPr marL="0" indent="0">
+              <a:buNone/>
+            </a:pPr>
+            <a:endParaRPr lang="en-GB" sz="2800" dirty="0">
+              <a:solidFill>
+                <a:prstClr val="black"/>
+              </a:solidFill>
+              <a:latin typeface="Atkinson Hyperlegible" pitchFamily="50" charset="0"/>
+              <a:ea typeface="+mj-ea"/>
+              <a:cs typeface="+mj-cs"/>
+            </a:endParaRPr>
+          </a:p>
+          <a:p>
+            <a:pPr marL="0" indent="0">
+              <a:buNone/>
+            </a:pPr>
+            <a:r>
+              <a:rPr lang="en-GB" sz="2800" dirty="0">
+                <a:solidFill>
+                  <a:prstClr val="black"/>
+                </a:solidFill>
+                <a:latin typeface="APL385 Unicode" panose="020B0709000202000203" pitchFamily="49" charset="0"/>
+                <a:ea typeface="+mj-ea"/>
+                <a:cs typeface="+mj-cs"/>
+              </a:rPr>
+              <a:t>      </a:t>
+            </a:r>
+            <a:r>
+              <a:rPr lang="en-GB" sz="2800" dirty="0" err="1">
+                <a:solidFill>
+                  <a:prstClr val="black"/>
+                </a:solidFill>
+                <a:latin typeface="APL385 Unicode" panose="020B0709000202000203" pitchFamily="49" charset="0"/>
+                <a:ea typeface="+mj-ea"/>
+                <a:cs typeface="+mj-cs"/>
+              </a:rPr>
+              <a:t>RollN</a:t>
+            </a:r>
+            <a:r>
+              <a:rPr lang="en-GB" sz="2800" dirty="0">
+                <a:solidFill>
+                  <a:prstClr val="black"/>
+                </a:solidFill>
+                <a:latin typeface="APL385 Unicode" panose="020B0709000202000203" pitchFamily="49" charset="0"/>
+                <a:ea typeface="+mj-ea"/>
+                <a:cs typeface="+mj-cs"/>
+              </a:rPr>
+              <a:t> 3        ⍝ your result may vary!</a:t>
+            </a:r>
+          </a:p>
+          <a:p>
+            <a:pPr marL="0" indent="0">
+              <a:buNone/>
+            </a:pPr>
+            <a:r>
+              <a:rPr lang="en-GB" sz="2800" dirty="0">
+                <a:solidFill>
+                  <a:prstClr val="black"/>
+                </a:solidFill>
+                <a:latin typeface="APL385 Unicode" panose="020B0709000202000203" pitchFamily="49" charset="0"/>
+                <a:ea typeface="+mj-ea"/>
+                <a:cs typeface="+mj-cs"/>
+              </a:rPr>
+              <a:t>11</a:t>
+            </a:r>
+          </a:p>
+          <a:p>
+            <a:pPr marL="0" indent="0">
+              <a:buNone/>
+            </a:pPr>
+            <a:r>
+              <a:rPr lang="en-GB" sz="2800" dirty="0">
+                <a:solidFill>
+                  <a:prstClr val="black"/>
+                </a:solidFill>
+                <a:latin typeface="APL385 Unicode" panose="020B0709000202000203" pitchFamily="49" charset="0"/>
+                <a:ea typeface="+mj-ea"/>
+                <a:cs typeface="+mj-cs"/>
+              </a:rPr>
+              <a:t>      </a:t>
+            </a:r>
+            <a:r>
+              <a:rPr lang="en-GB" sz="2800" dirty="0" err="1">
+                <a:solidFill>
+                  <a:prstClr val="black"/>
+                </a:solidFill>
+                <a:latin typeface="APL385 Unicode" panose="020B0709000202000203" pitchFamily="49" charset="0"/>
+                <a:ea typeface="+mj-ea"/>
+                <a:cs typeface="+mj-cs"/>
+              </a:rPr>
+              <a:t>RollN</a:t>
+            </a:r>
+            <a:r>
+              <a:rPr lang="en-GB" sz="2800" dirty="0">
+                <a:solidFill>
+                  <a:prstClr val="black"/>
+                </a:solidFill>
+                <a:latin typeface="APL385 Unicode" panose="020B0709000202000203" pitchFamily="49" charset="0"/>
+                <a:ea typeface="+mj-ea"/>
+                <a:cs typeface="+mj-cs"/>
+              </a:rPr>
+              <a:t> 3        ⍝ your result may vary!</a:t>
+            </a:r>
+          </a:p>
+          <a:p>
+            <a:pPr marL="0" indent="0">
+              <a:buNone/>
+            </a:pPr>
+            <a:r>
+              <a:rPr lang="en-GB" sz="2800" dirty="0">
+                <a:solidFill>
+                  <a:prstClr val="black"/>
+                </a:solidFill>
+                <a:latin typeface="APL385 Unicode" panose="020B0709000202000203" pitchFamily="49" charset="0"/>
+                <a:ea typeface="+mj-ea"/>
+                <a:cs typeface="+mj-cs"/>
+              </a:rPr>
+              <a:t>10</a:t>
+            </a:r>
+          </a:p>
+          <a:p>
+            <a:r>
+              <a:rPr lang="en-GB" sz="2800" dirty="0">
+                <a:solidFill>
+                  <a:prstClr val="black"/>
+                </a:solidFill>
+                <a:latin typeface="APL385 Unicode" panose="020B0709000202000203" pitchFamily="49" charset="0"/>
+                <a:ea typeface="+mj-ea"/>
+                <a:cs typeface="+mj-cs"/>
+              </a:rPr>
+              <a:t>      </a:t>
+            </a:r>
+            <a:r>
+              <a:rPr lang="en-GB" sz="2800" dirty="0" err="1">
+                <a:solidFill>
+                  <a:prstClr val="black"/>
+                </a:solidFill>
+                <a:latin typeface="APL385 Unicode" panose="020B0709000202000203" pitchFamily="49" charset="0"/>
+                <a:ea typeface="+mj-ea"/>
+                <a:cs typeface="+mj-cs"/>
+              </a:rPr>
+              <a:t>RollN</a:t>
+            </a:r>
+            <a:r>
+              <a:rPr lang="en-GB" sz="2800" dirty="0">
+                <a:solidFill>
+                  <a:prstClr val="black"/>
+                </a:solidFill>
+                <a:latin typeface="APL385 Unicode" panose="020B0709000202000203" pitchFamily="49" charset="0"/>
+                <a:ea typeface="+mj-ea"/>
+                <a:cs typeface="+mj-cs"/>
+              </a:rPr>
+              <a:t> 1000     ⍝ your result may vary!</a:t>
+            </a:r>
+          </a:p>
+          <a:p>
+            <a:pPr marL="0" indent="0">
+              <a:buNone/>
+            </a:pPr>
+            <a:r>
+              <a:rPr lang="en-GB" sz="2800" dirty="0">
+                <a:solidFill>
+                  <a:prstClr val="black"/>
+                </a:solidFill>
+                <a:latin typeface="APL385 Unicode" panose="020B0709000202000203" pitchFamily="49" charset="0"/>
+                <a:ea typeface="+mj-ea"/>
+                <a:cs typeface="+mj-cs"/>
+              </a:rPr>
+              <a:t>3548</a:t>
+            </a:r>
+          </a:p>
+          <a:p>
+            <a:pPr marL="0" indent="0">
+              <a:buNone/>
+            </a:pPr>
+            <a:r>
+              <a:rPr lang="en-GB" sz="2800" dirty="0">
+                <a:solidFill>
+                  <a:prstClr val="black"/>
+                </a:solidFill>
+                <a:latin typeface="APL385 Unicode" panose="020B0709000202000203" pitchFamily="49" charset="0"/>
+                <a:ea typeface="+mj-ea"/>
+                <a:cs typeface="+mj-cs"/>
+              </a:rPr>
+              <a:t>      ⌊0.5+0.00001×+/</a:t>
+            </a:r>
+            <a:r>
+              <a:rPr lang="en-GB" sz="2800" dirty="0" err="1">
+                <a:solidFill>
+                  <a:prstClr val="black"/>
+                </a:solidFill>
+                <a:latin typeface="APL385 Unicode" panose="020B0709000202000203" pitchFamily="49" charset="0"/>
+                <a:ea typeface="+mj-ea"/>
+                <a:cs typeface="+mj-cs"/>
+              </a:rPr>
+              <a:t>RollN</a:t>
+            </a:r>
+            <a:r>
+              <a:rPr lang="en-GB" sz="2800" dirty="0">
+                <a:solidFill>
+                  <a:prstClr val="black"/>
+                </a:solidFill>
+                <a:latin typeface="APL385 Unicode" panose="020B0709000202000203" pitchFamily="49" charset="0"/>
+                <a:ea typeface="+mj-ea"/>
+                <a:cs typeface="+mj-cs"/>
+              </a:rPr>
+              <a:t> 1000000</a:t>
+            </a:r>
+          </a:p>
+          <a:p>
+            <a:pPr marL="0" indent="0">
+              <a:buNone/>
+            </a:pPr>
+            <a:r>
+              <a:rPr lang="en-GB" sz="2800" dirty="0">
+                <a:solidFill>
+                  <a:prstClr val="black"/>
+                </a:solidFill>
+                <a:latin typeface="APL385 Unicode" panose="020B0709000202000203" pitchFamily="49" charset="0"/>
+                <a:ea typeface="+mj-ea"/>
+                <a:cs typeface="+mj-cs"/>
+              </a:rPr>
+              <a:t>35</a:t>
+            </a:r>
+          </a:p>
+        </p:txBody>
+      </p:sp>
+    </p:spTree>
+    <p:extLst>
+      <p:ext uri="{BB962C8B-B14F-4D97-AF65-F5344CB8AC3E}">
+        <p14:creationId xmlns:p14="http://schemas.microsoft.com/office/powerpoint/2010/main" val="2172920762"/>
+      </p:ext>
+    </p:extLst>
+  </p:cSld>
+  <p:clrMapOvr>
+    <a:masterClrMapping/>
+  </p:clrMapOvr>
+</p:sld>
+</file>
+
+<file path=ppt/slides/slide19.xml><?xml version="1.0" encoding="utf-8"?>
+<p:sld xmlns:a="http://schemas.openxmlformats.org/drawingml/2006/main" xmlns:r="http://schemas.openxmlformats.org/officeDocument/2006/relationships" xmlns:p="http://schemas.openxmlformats.org/presentationml/2006/main">
+  <p:cSld>
+    <p:spTree>
+      <p:nvGrpSpPr>
+        <p:cNvPr id="1" name=""/>
+        <p:cNvGrpSpPr/>
+        <p:nvPr/>
+      </p:nvGrpSpPr>
+      <p:grpSpPr>
+        <a:xfrm>
+          <a:off x="0" y="0"/>
+          <a:ext cx="0" cy="0"/>
+          <a:chOff x="0" y="0"/>
+          <a:chExt cx="0" cy="0"/>
+        </a:xfrm>
+      </p:grpSpPr>
+      <p:sp>
+        <p:nvSpPr>
+          <p:cNvPr id="2" name="TextBox 1">
+            <a:extLst>
+              <a:ext uri="{FF2B5EF4-FFF2-40B4-BE49-F238E27FC236}">
+                <a16:creationId xmlns:a16="http://schemas.microsoft.com/office/drawing/2014/main" id="{ABB6BDA9-D3EC-48B2-8801-3CE10D1D5391}"/>
+              </a:ext>
+            </a:extLst>
+          </p:cNvPr>
+          <p:cNvSpPr txBox="1"/>
+          <p:nvPr/>
+        </p:nvSpPr>
+        <p:spPr>
+          <a:xfrm>
+            <a:off x="696000" y="729000"/>
+            <a:ext cx="10800000" cy="3970318"/>
+          </a:xfrm>
+          <a:prstGeom prst="rect">
+            <a:avLst/>
+          </a:prstGeom>
+          <a:noFill/>
+        </p:spPr>
+        <p:txBody>
+          <a:bodyPr wrap="square" rtlCol="0">
+            <a:spAutoFit/>
+          </a:bodyPr>
+          <a:lstStyle/>
+          <a:p>
+            <a:pPr marL="0" indent="0" algn="ctr">
+              <a:buNone/>
+            </a:pPr>
+            <a:r>
+              <a:rPr kumimoji="0" lang="en-GB" sz="2800" b="1" i="0" u="none" strike="noStrike" kern="1200" cap="none" spc="0" normalizeH="0" baseline="0" noProof="0" dirty="0">
+                <a:ln>
+                  <a:noFill/>
+                </a:ln>
+                <a:solidFill>
+                  <a:prstClr val="black"/>
+                </a:solidFill>
+                <a:effectLst/>
+                <a:uLnTx/>
+                <a:uFillTx/>
+                <a:latin typeface="Atkinson Hyperlegible" pitchFamily="50" charset="0"/>
+                <a:ea typeface="+mj-ea"/>
+                <a:cs typeface="+mj-cs"/>
+              </a:rPr>
+              <a:t>Task </a:t>
+            </a:r>
+            <a:fld id="{C4A595E0-68AA-423E-BAF3-3392370CE250}" type="slidenum">
+              <a:rPr kumimoji="0" lang="en-GB" sz="2800" b="1" i="0" u="none" strike="noStrike" kern="1200" cap="none" spc="0" normalizeH="0" baseline="0" noProof="0" smtClean="0">
+                <a:ln>
+                  <a:noFill/>
+                </a:ln>
+                <a:solidFill>
+                  <a:prstClr val="black"/>
+                </a:solidFill>
+                <a:effectLst/>
+                <a:uLnTx/>
+                <a:uFillTx/>
+                <a:latin typeface="Atkinson Hyperlegible" pitchFamily="50" charset="0"/>
+                <a:ea typeface="+mj-ea"/>
+                <a:cs typeface="+mj-cs"/>
+              </a:rPr>
+              <a:t>19</a:t>
+            </a:fld>
+            <a:endParaRPr kumimoji="0" lang="en-GB" sz="2800" b="1" i="0" u="none" strike="noStrike" kern="1200" cap="none" spc="0" normalizeH="0" baseline="0" noProof="0" dirty="0">
+              <a:ln>
+                <a:noFill/>
+              </a:ln>
+              <a:solidFill>
+                <a:prstClr val="black"/>
+              </a:solidFill>
+              <a:effectLst/>
+              <a:uLnTx/>
+              <a:uFillTx/>
+              <a:latin typeface="Atkinson Hyperlegible" pitchFamily="50" charset="0"/>
+              <a:ea typeface="+mj-ea"/>
+              <a:cs typeface="+mj-cs"/>
+            </a:endParaRPr>
+          </a:p>
+          <a:p>
+            <a:pPr marL="0" indent="0">
+              <a:buNone/>
+            </a:pPr>
+            <a:endParaRPr lang="en-GB" sz="2800" dirty="0">
+              <a:solidFill>
+                <a:prstClr val="black"/>
+              </a:solidFill>
+              <a:latin typeface="Atkinson Hyperlegible" pitchFamily="50" charset="0"/>
+              <a:ea typeface="+mj-ea"/>
+              <a:cs typeface="+mj-cs"/>
+            </a:endParaRPr>
+          </a:p>
+          <a:p>
+            <a:pPr marL="0" indent="0">
+              <a:buNone/>
+            </a:pPr>
+            <a:endParaRPr lang="en-GB" sz="2800" dirty="0">
+              <a:solidFill>
+                <a:prstClr val="black"/>
+              </a:solidFill>
+              <a:latin typeface="Atkinson Hyperlegible" pitchFamily="50" charset="0"/>
+              <a:ea typeface="+mj-ea"/>
+              <a:cs typeface="+mj-cs"/>
+            </a:endParaRPr>
+          </a:p>
+          <a:p>
+            <a:pPr marL="0" indent="0">
+              <a:buNone/>
+            </a:pPr>
+            <a:endParaRPr lang="en-GB" sz="2800" dirty="0">
+              <a:solidFill>
+                <a:prstClr val="black"/>
+              </a:solidFill>
+              <a:latin typeface="Atkinson Hyperlegible" pitchFamily="50" charset="0"/>
+              <a:ea typeface="+mj-ea"/>
+              <a:cs typeface="+mj-cs"/>
+            </a:endParaRPr>
+          </a:p>
+          <a:p>
+            <a:pPr marL="0" indent="0" algn="ctr">
+              <a:buNone/>
+            </a:pPr>
+            <a:r>
+              <a:rPr lang="en-GB" sz="2800" dirty="0">
+                <a:solidFill>
+                  <a:prstClr val="black"/>
+                </a:solidFill>
+                <a:latin typeface="Atkinson Hyperlegible" pitchFamily="50" charset="0"/>
+                <a:ea typeface="+mj-ea"/>
+                <a:cs typeface="+mj-cs"/>
+              </a:rPr>
+              <a:t>Save your workspace</a:t>
+            </a:r>
+          </a:p>
+          <a:p>
+            <a:pPr marL="0" indent="0">
+              <a:buNone/>
+            </a:pPr>
+            <a:endParaRPr lang="en-GB" sz="2800" dirty="0">
+              <a:solidFill>
+                <a:prstClr val="black"/>
+              </a:solidFill>
+              <a:latin typeface="Atkinson Hyperlegible" pitchFamily="50" charset="0"/>
+              <a:ea typeface="+mj-ea"/>
+              <a:cs typeface="+mj-cs"/>
+            </a:endParaRPr>
+          </a:p>
+          <a:p>
+            <a:pPr marL="0" indent="0" algn="ctr">
+              <a:buNone/>
+            </a:pPr>
+            <a:r>
+              <a:rPr lang="en-GB" sz="2800" dirty="0">
+                <a:solidFill>
+                  <a:prstClr val="black"/>
+                </a:solidFill>
+                <a:latin typeface="Atkinson Hyperlegible" pitchFamily="50" charset="0"/>
+                <a:ea typeface="+mj-ea"/>
+                <a:cs typeface="+mj-cs"/>
+              </a:rPr>
+              <a:t>Email </a:t>
+            </a:r>
+            <a:r>
+              <a:rPr lang="en-GB" sz="2800" b="1" i="1" dirty="0" err="1">
+                <a:solidFill>
+                  <a:prstClr val="black"/>
+                </a:solidFill>
+                <a:latin typeface="Atkinson Hyperlegible" pitchFamily="50" charset="0"/>
+                <a:ea typeface="+mj-ea"/>
+                <a:cs typeface="+mj-cs"/>
+              </a:rPr>
+              <a:t>your_name</a:t>
+            </a:r>
+            <a:r>
+              <a:rPr lang="en-GB" sz="2800" b="1" dirty="0" err="1">
+                <a:solidFill>
+                  <a:prstClr val="black"/>
+                </a:solidFill>
+                <a:latin typeface="Atkinson Hyperlegible" pitchFamily="50" charset="0"/>
+                <a:ea typeface="+mj-ea"/>
+                <a:cs typeface="+mj-cs"/>
+              </a:rPr>
+              <a:t>.dws</a:t>
+            </a:r>
+            <a:r>
+              <a:rPr lang="en-GB" sz="2800" dirty="0">
+                <a:solidFill>
+                  <a:prstClr val="black"/>
+                </a:solidFill>
+                <a:latin typeface="Atkinson Hyperlegible" pitchFamily="50" charset="0"/>
+                <a:ea typeface="+mj-ea"/>
+                <a:cs typeface="+mj-cs"/>
+              </a:rPr>
+              <a:t> to </a:t>
+            </a:r>
+            <a:r>
+              <a:rPr lang="en-GB" sz="2800" dirty="0">
+                <a:solidFill>
+                  <a:prstClr val="black"/>
+                </a:solidFill>
+                <a:latin typeface="Atkinson Hyperlegible" pitchFamily="50" charset="0"/>
+                <a:ea typeface="+mj-ea"/>
+                <a:cs typeface="+mj-cs"/>
+                <a:hlinkClick r:id="rId2"/>
+              </a:rPr>
+              <a:t>workshops@dyalog.com</a:t>
+            </a:r>
+            <a:endParaRPr lang="en-GB" sz="2800" dirty="0">
+              <a:solidFill>
+                <a:prstClr val="black"/>
+              </a:solidFill>
+              <a:latin typeface="Atkinson Hyperlegible" pitchFamily="50" charset="0"/>
+              <a:ea typeface="+mj-ea"/>
+              <a:cs typeface="+mj-cs"/>
+            </a:endParaRPr>
+          </a:p>
+          <a:p>
+            <a:pPr marL="0" indent="0" algn="ctr">
+              <a:buNone/>
+            </a:pPr>
+            <a:endParaRPr lang="en-GB" sz="2800" dirty="0">
+              <a:solidFill>
+                <a:prstClr val="black"/>
+              </a:solidFill>
+              <a:latin typeface="Atkinson Hyperlegible" pitchFamily="50" charset="0"/>
+              <a:ea typeface="+mj-ea"/>
+              <a:cs typeface="+mj-cs"/>
+            </a:endParaRPr>
+          </a:p>
+          <a:p>
+            <a:pPr marL="0" indent="0" algn="ctr">
+              <a:buNone/>
+            </a:pPr>
+            <a:r>
+              <a:rPr lang="en-GB" sz="2800" dirty="0">
+                <a:solidFill>
+                  <a:prstClr val="black"/>
+                </a:solidFill>
+                <a:latin typeface="Atkinson Hyperlegible" pitchFamily="50" charset="0"/>
+                <a:ea typeface="+mj-ea"/>
+                <a:cs typeface="+mj-cs"/>
+              </a:rPr>
+              <a:t>Make sure to put your name in the email so we know it is from you!</a:t>
+            </a:r>
+            <a:endParaRPr lang="en-GB" sz="2800" dirty="0">
+              <a:solidFill>
+                <a:prstClr val="black"/>
+              </a:solidFill>
+              <a:latin typeface="APL385 Unicode" panose="020B0709000202000203" pitchFamily="49" charset="0"/>
+              <a:ea typeface="+mj-ea"/>
+              <a:cs typeface="+mj-cs"/>
+            </a:endParaRPr>
+          </a:p>
+        </p:txBody>
+      </p:sp>
+    </p:spTree>
+    <p:extLst>
+      <p:ext uri="{BB962C8B-B14F-4D97-AF65-F5344CB8AC3E}">
+        <p14:creationId xmlns:p14="http://schemas.microsoft.com/office/powerpoint/2010/main" val="1439960758"/>
       </p:ext>
     </p:extLst>
   </p:cSld>
@@ -3629,7 +7897,7 @@
         <p:spPr>
           <a:xfrm>
             <a:off x="696000" y="729000"/>
-            <a:ext cx="10800000" cy="5786199"/>
+            <a:ext cx="10800000" cy="2246769"/>
           </a:xfrm>
           <a:prstGeom prst="rect">
             <a:avLst/>
@@ -3646,7 +7914,7 @@
               <a:buNone/>
             </a:pPr>
             <a:r>
-              <a:rPr kumimoji="0" lang="en-GB" sz="4000" b="1" i="0" u="none" strike="noStrike" kern="1200" cap="none" spc="0" normalizeH="0" baseline="0" noProof="0" dirty="0">
+              <a:rPr kumimoji="0" lang="en-GB" sz="2800" b="1" i="0" u="none" strike="noStrike" kern="1200" cap="none" spc="0" normalizeH="0" baseline="0" noProof="0" dirty="0">
                 <a:ln>
                   <a:noFill/>
                 </a:ln>
@@ -3663,7 +7931,7 @@
               <a:t>Task </a:t>
             </a:r>
             <a:fld id="{C4A595E0-68AA-423E-BAF3-3392370CE250}" type="slidenum">
-              <a:rPr kumimoji="0" lang="en-GB" sz="4000" b="1" i="0" u="none" strike="noStrike" kern="1200" cap="none" spc="0" normalizeH="0" baseline="0" noProof="0" smtClean="0">
+              <a:rPr kumimoji="0" lang="en-GB" sz="2800" b="1" i="0" u="none" strike="noStrike" kern="1200" cap="none" spc="0" normalizeH="0" baseline="0" noProof="0" smtClean="0">
                 <a:ln>
                   <a:noFill/>
                 </a:ln>
@@ -3679,7 +7947,7 @@
               </a:rPr>
               <a:t>2</a:t>
             </a:fld>
-            <a:endParaRPr kumimoji="0" lang="en-GB" sz="4000" b="1" i="0" u="none" strike="noStrike" kern="1200" cap="none" spc="0" normalizeH="0" baseline="0" noProof="0" dirty="0">
+            <a:endParaRPr kumimoji="0" lang="en-GB" sz="2800" b="1" i="0" u="none" strike="noStrike" kern="1200" cap="none" spc="0" normalizeH="0" baseline="0" noProof="0" dirty="0">
               <a:ln>
                 <a:noFill/>
               </a:ln>
@@ -3699,22 +7967,44 @@
               <a:buNone/>
             </a:pPr>
             <a:r>
-              <a:rPr lang="en-GB" sz="4000" dirty="0">
-                <a:solidFill>
-                  <a:prstClr val="black"/>
-                </a:solidFill>
-                <a:latin typeface="Atkinson Hyperlegible" pitchFamily="50" charset="0"/>
-                <a:ea typeface="+mj-ea"/>
-                <a:cs typeface="+mj-cs"/>
-              </a:rPr>
-              <a:t>Define a function Mean to return the mean average of its argument</a:t>
-            </a:r>
-          </a:p>
-          <a:p>
-            <a:pPr marL="0" indent="0">
-              <a:buNone/>
-            </a:pPr>
-            <a:endParaRPr lang="en-GB" sz="4000" dirty="0">
+              <a:rPr lang="en-GB" sz="2800" dirty="0">
+                <a:solidFill>
+                  <a:prstClr val="black"/>
+                </a:solidFill>
+                <a:latin typeface="Atkinson Hyperlegible" pitchFamily="50" charset="0"/>
+                <a:ea typeface="+mj-ea"/>
+                <a:cs typeface="+mj-cs"/>
+              </a:rPr>
+              <a:t>Define a function </a:t>
+            </a:r>
+            <a:r>
+              <a:rPr lang="en-GB" sz="2800" dirty="0" err="1">
+                <a:solidFill>
+                  <a:prstClr val="black"/>
+                </a:solidFill>
+                <a:latin typeface="APL385 Unicode" panose="020B0709000202000203" pitchFamily="49" charset="0"/>
+                <a:ea typeface="+mj-ea"/>
+                <a:cs typeface="+mj-cs"/>
+              </a:rPr>
+              <a:t>NoSpace</a:t>
+            </a:r>
+            <a:r>
+              <a:rPr lang="en-GB" sz="2800" dirty="0">
+                <a:solidFill>
+                  <a:prstClr val="black"/>
+                </a:solidFill>
+                <a:latin typeface="Atkinson Hyperlegible" pitchFamily="50" charset="0"/>
+                <a:ea typeface="+mj-ea"/>
+                <a:cs typeface="+mj-cs"/>
+              </a:rPr>
+              <a:t> to remove spaces:</a:t>
+            </a:r>
+          </a:p>
+          <a:p>
+            <a:pPr marL="0" indent="0">
+              <a:buNone/>
+            </a:pPr>
+            <a:endParaRPr lang="en-GB" sz="2800" dirty="0">
               <a:solidFill>
                 <a:prstClr val="black"/>
               </a:solidFill>
@@ -3728,68 +8018,61 @@
               <a:buNone/>
             </a:pPr>
             <a:r>
-              <a:rPr lang="en-US" sz="3500" dirty="0">
-                <a:latin typeface="APL385 Unicode" panose="020B0709000202000203" pitchFamily="49" charset="0"/>
-              </a:rPr>
-              <a:t>      Mean 3 1 4 1 5 9 2 6</a:t>
-            </a:r>
-          </a:p>
-          <a:p>
-            <a:pPr marL="0" indent="0">
-              <a:buNone/>
-            </a:pPr>
-            <a:r>
-              <a:rPr lang="en-US" sz="3500" dirty="0">
-                <a:latin typeface="APL385 Unicode" panose="020B0709000202000203" pitchFamily="49" charset="0"/>
-              </a:rPr>
-              <a:t>3.875</a:t>
-            </a:r>
-          </a:p>
-          <a:p>
-            <a:pPr marL="0" indent="0">
-              <a:buNone/>
-            </a:pPr>
-            <a:r>
-              <a:rPr lang="en-US" sz="3500" dirty="0">
-                <a:latin typeface="APL385 Unicode" panose="020B0709000202000203" pitchFamily="49" charset="0"/>
-              </a:rPr>
-              <a:t>      Mean 4 1 2 5</a:t>
-            </a:r>
-          </a:p>
-          <a:p>
-            <a:pPr marL="0" indent="0">
-              <a:buNone/>
-            </a:pPr>
-            <a:r>
-              <a:rPr lang="en-US" sz="3500" dirty="0">
-                <a:latin typeface="APL385 Unicode" panose="020B0709000202000203" pitchFamily="49" charset="0"/>
-              </a:rPr>
-              <a:t>3</a:t>
-            </a:r>
-          </a:p>
-          <a:p>
-            <a:pPr marL="0" indent="0">
-              <a:buNone/>
-            </a:pPr>
-            <a:r>
-              <a:rPr lang="en-US" sz="3500" dirty="0">
-                <a:latin typeface="APL385 Unicode" panose="020B0709000202000203" pitchFamily="49" charset="0"/>
-              </a:rPr>
-              <a:t>      Mean 6+⍳10</a:t>
-            </a:r>
-          </a:p>
-          <a:p>
-            <a:pPr marL="0" indent="0">
-              <a:buNone/>
-            </a:pPr>
-            <a:r>
-              <a:rPr lang="en-US" sz="3500" dirty="0">
-                <a:latin typeface="APL385 Unicode" panose="020B0709000202000203" pitchFamily="49" charset="0"/>
-              </a:rPr>
-              <a:t>11.5</a:t>
-            </a:r>
-            <a:endParaRPr lang="en-GB" sz="3500" dirty="0">
+              <a:rPr lang="en-US" sz="2800" dirty="0">
+                <a:solidFill>
+                  <a:prstClr val="black"/>
+                </a:solidFill>
+                <a:latin typeface="APL385 Unicode" panose="020B0709000202000203" pitchFamily="49" charset="0"/>
+                <a:ea typeface="+mj-ea"/>
+                <a:cs typeface="+mj-cs"/>
+              </a:rPr>
+              <a:t>      </a:t>
+            </a:r>
+            <a:r>
+              <a:rPr lang="en-US" sz="2800" dirty="0" err="1">
+                <a:solidFill>
+                  <a:prstClr val="black"/>
+                </a:solidFill>
+                <a:latin typeface="APL385 Unicode" panose="020B0709000202000203" pitchFamily="49" charset="0"/>
+                <a:ea typeface="+mj-ea"/>
+                <a:cs typeface="+mj-cs"/>
+              </a:rPr>
+              <a:t>NoSpace</a:t>
+            </a:r>
+            <a:r>
+              <a:rPr lang="en-US" sz="2800" dirty="0">
+                <a:solidFill>
+                  <a:prstClr val="black"/>
+                </a:solidFill>
+                <a:latin typeface="APL385 Unicode" panose="020B0709000202000203" pitchFamily="49" charset="0"/>
+                <a:ea typeface="+mj-ea"/>
+                <a:cs typeface="+mj-cs"/>
+              </a:rPr>
+              <a:t> 'here is some text'</a:t>
+            </a:r>
+          </a:p>
+          <a:p>
+            <a:pPr marL="0" indent="0">
+              <a:buNone/>
+            </a:pPr>
+            <a:r>
+              <a:rPr lang="en-US" sz="2800" dirty="0" err="1">
+                <a:solidFill>
+                  <a:prstClr val="black"/>
+                </a:solidFill>
+                <a:latin typeface="APL385 Unicode" panose="020B0709000202000203" pitchFamily="49" charset="0"/>
+                <a:ea typeface="+mj-ea"/>
+                <a:cs typeface="+mj-cs"/>
+              </a:rPr>
+              <a:t>hereissometext</a:t>
+            </a:r>
+            <a:endParaRPr lang="en-GB" sz="2800" dirty="0">
+              <a:solidFill>
+                <a:prstClr val="black"/>
+              </a:solidFill>
               <a:latin typeface="APL385 Unicode" panose="020B0709000202000203" pitchFamily="49" charset="0"/>
+              <a:ea typeface="+mj-ea"/>
+              <a:cs typeface="+mj-cs"/>
             </a:endParaRPr>
           </a:p>
         </p:txBody>
@@ -3797,7 +8080,7 @@
     </p:spTree>
     <p:extLst>
       <p:ext uri="{BB962C8B-B14F-4D97-AF65-F5344CB8AC3E}">
-        <p14:creationId xmlns:p14="http://schemas.microsoft.com/office/powerpoint/2010/main" val="913076088"/>
+        <p14:creationId xmlns:p14="http://schemas.microsoft.com/office/powerpoint/2010/main" val="1203019135"/>
       </p:ext>
     </p:extLst>
   </p:cSld>
@@ -3839,7 +8122,7 @@
         <p:spPr>
           <a:xfrm>
             <a:off x="696000" y="729000"/>
-            <a:ext cx="10800000" cy="5632311"/>
+            <a:ext cx="10800000" cy="3539430"/>
           </a:xfrm>
           <a:prstGeom prst="rect">
             <a:avLst/>
@@ -3856,7 +8139,7 @@
               <a:buNone/>
             </a:pPr>
             <a:r>
-              <a:rPr kumimoji="0" lang="en-GB" sz="4000" b="1" i="0" u="none" strike="noStrike" kern="1200" cap="none" spc="0" normalizeH="0" baseline="0" noProof="0" dirty="0">
+              <a:rPr kumimoji="0" lang="en-GB" sz="2800" b="1" i="0" u="none" strike="noStrike" kern="1200" cap="none" spc="0" normalizeH="0" baseline="0" noProof="0" dirty="0">
                 <a:ln>
                   <a:noFill/>
                 </a:ln>
@@ -3873,7 +8156,7 @@
               <a:t>Task </a:t>
             </a:r>
             <a:fld id="{C4A595E0-68AA-423E-BAF3-3392370CE250}" type="slidenum">
-              <a:rPr kumimoji="0" lang="en-GB" sz="4000" b="1" i="0" u="none" strike="noStrike" kern="1200" cap="none" spc="0" normalizeH="0" baseline="0" noProof="0" smtClean="0">
+              <a:rPr kumimoji="0" lang="en-GB" sz="2800" b="1" i="0" u="none" strike="noStrike" kern="1200" cap="none" spc="0" normalizeH="0" baseline="0" noProof="0" smtClean="0">
                 <a:ln>
                   <a:noFill/>
                 </a:ln>
@@ -3889,7 +8172,7 @@
               </a:rPr>
               <a:t>3</a:t>
             </a:fld>
-            <a:endParaRPr kumimoji="0" lang="en-GB" sz="4000" b="1" i="0" u="none" strike="noStrike" kern="1200" cap="none" spc="0" normalizeH="0" baseline="0" noProof="0" dirty="0">
+            <a:endParaRPr kumimoji="0" lang="en-GB" sz="2800" b="1" i="0" u="none" strike="noStrike" kern="1200" cap="none" spc="0" normalizeH="0" baseline="0" noProof="0" dirty="0">
               <a:ln>
                 <a:noFill/>
               </a:ln>
@@ -3909,22 +8192,44 @@
               <a:buNone/>
             </a:pPr>
             <a:r>
-              <a:rPr lang="en-GB" sz="3000" dirty="0">
-                <a:solidFill>
-                  <a:prstClr val="black"/>
-                </a:solidFill>
-                <a:latin typeface="Atkinson Hyperlegible" pitchFamily="50" charset="0"/>
-                <a:ea typeface="+mj-ea"/>
-                <a:cs typeface="+mj-cs"/>
-              </a:rPr>
-              <a:t>Define a function ID to return an ⍵ by ⍵ identity matrix</a:t>
-            </a:r>
-          </a:p>
-          <a:p>
-            <a:pPr marL="0" indent="0">
-              <a:buNone/>
-            </a:pPr>
-            <a:endParaRPr lang="en-GB" sz="4000" dirty="0">
+              <a:rPr lang="en-GB" sz="2800" dirty="0">
+                <a:solidFill>
+                  <a:prstClr val="black"/>
+                </a:solidFill>
+                <a:latin typeface="Atkinson Hyperlegible" pitchFamily="50" charset="0"/>
+                <a:ea typeface="+mj-ea"/>
+                <a:cs typeface="+mj-cs"/>
+              </a:rPr>
+              <a:t>Define a function </a:t>
+            </a:r>
+            <a:r>
+              <a:rPr lang="en-GB" sz="2800" dirty="0" err="1">
+                <a:solidFill>
+                  <a:prstClr val="black"/>
+                </a:solidFill>
+                <a:latin typeface="APL385 Unicode" panose="020B0709000202000203" pitchFamily="49" charset="0"/>
+                <a:ea typeface="+mj-ea"/>
+                <a:cs typeface="+mj-cs"/>
+              </a:rPr>
+              <a:t>RemoveFrom</a:t>
+            </a:r>
+            <a:r>
+              <a:rPr lang="en-GB" sz="2800" dirty="0">
+                <a:solidFill>
+                  <a:prstClr val="black"/>
+                </a:solidFill>
+                <a:latin typeface="Atkinson Hyperlegible" pitchFamily="50" charset="0"/>
+                <a:ea typeface="+mj-ea"/>
+                <a:cs typeface="+mj-cs"/>
+              </a:rPr>
+              <a:t> to remove any character:</a:t>
+            </a:r>
+          </a:p>
+          <a:p>
+            <a:pPr marL="0" indent="0">
+              <a:buNone/>
+            </a:pPr>
+            <a:endParaRPr lang="en-GB" sz="2800" dirty="0">
               <a:solidFill>
                 <a:prstClr val="black"/>
               </a:solidFill>
@@ -3938,112 +8243,150 @@
               <a:buNone/>
             </a:pPr>
             <a:r>
-              <a:rPr lang="en-US" sz="2500" dirty="0">
-                <a:latin typeface="APL385 Unicode" panose="020B0709000202000203" pitchFamily="49" charset="0"/>
-              </a:rPr>
-              <a:t>      ID 3</a:t>
-            </a:r>
-          </a:p>
-          <a:p>
-            <a:pPr marL="0" indent="0">
-              <a:buNone/>
-            </a:pPr>
-            <a:r>
-              <a:rPr lang="en-US" sz="2500" dirty="0">
-                <a:latin typeface="APL385 Unicode" panose="020B0709000202000203" pitchFamily="49" charset="0"/>
-              </a:rPr>
-              <a:t>1 0 0</a:t>
-            </a:r>
-          </a:p>
-          <a:p>
-            <a:pPr marL="0" indent="0">
-              <a:buNone/>
-            </a:pPr>
-            <a:r>
-              <a:rPr lang="en-US" sz="2500" dirty="0">
-                <a:latin typeface="APL385 Unicode" panose="020B0709000202000203" pitchFamily="49" charset="0"/>
-              </a:rPr>
-              <a:t>0 1 0</a:t>
-            </a:r>
-          </a:p>
-          <a:p>
-            <a:pPr marL="0" indent="0">
-              <a:buNone/>
-            </a:pPr>
-            <a:r>
-              <a:rPr lang="en-US" sz="2500" dirty="0">
-                <a:latin typeface="APL385 Unicode" panose="020B0709000202000203" pitchFamily="49" charset="0"/>
-              </a:rPr>
-              <a:t>0 0 1</a:t>
-            </a:r>
-          </a:p>
-          <a:p>
-            <a:pPr marL="0" indent="0">
-              <a:buNone/>
-            </a:pPr>
-            <a:r>
-              <a:rPr lang="en-US" sz="2500" dirty="0">
-                <a:latin typeface="APL385 Unicode" panose="020B0709000202000203" pitchFamily="49" charset="0"/>
-              </a:rPr>
-              <a:t>      ID 5</a:t>
-            </a:r>
-          </a:p>
-          <a:p>
-            <a:pPr marL="0" indent="0">
-              <a:buNone/>
-            </a:pPr>
-            <a:r>
-              <a:rPr lang="en-US" sz="2500" dirty="0">
-                <a:latin typeface="APL385 Unicode" panose="020B0709000202000203" pitchFamily="49" charset="0"/>
-              </a:rPr>
-              <a:t>1 0 0 0 0</a:t>
-            </a:r>
-          </a:p>
-          <a:p>
-            <a:pPr marL="0" indent="0">
-              <a:buNone/>
-            </a:pPr>
-            <a:r>
-              <a:rPr lang="en-US" sz="2500" dirty="0">
-                <a:latin typeface="APL385 Unicode" panose="020B0709000202000203" pitchFamily="49" charset="0"/>
-              </a:rPr>
-              <a:t>0 1 0 0 0</a:t>
-            </a:r>
-          </a:p>
-          <a:p>
-            <a:pPr marL="0" indent="0">
-              <a:buNone/>
-            </a:pPr>
-            <a:r>
-              <a:rPr lang="en-US" sz="2500" dirty="0">
-                <a:latin typeface="APL385 Unicode" panose="020B0709000202000203" pitchFamily="49" charset="0"/>
-              </a:rPr>
-              <a:t>0 0 1 0 0</a:t>
-            </a:r>
-          </a:p>
-          <a:p>
-            <a:pPr marL="0" indent="0">
-              <a:buNone/>
-            </a:pPr>
-            <a:r>
-              <a:rPr lang="en-US" sz="2500" dirty="0">
-                <a:latin typeface="APL385 Unicode" panose="020B0709000202000203" pitchFamily="49" charset="0"/>
-              </a:rPr>
-              <a:t>0 0 0 1 0</a:t>
-            </a:r>
-          </a:p>
-          <a:p>
-            <a:pPr marL="0" indent="0">
-              <a:buNone/>
-            </a:pPr>
-            <a:r>
-              <a:rPr lang="en-US" sz="2500" dirty="0">
-                <a:latin typeface="APL385 Unicode" panose="020B0709000202000203" pitchFamily="49" charset="0"/>
-              </a:rPr>
-              <a:t>0 0 0 0 1</a:t>
-            </a:r>
-            <a:endParaRPr lang="en-GB" sz="2500" dirty="0">
+              <a:rPr lang="en-US" sz="2800" dirty="0">
+                <a:solidFill>
+                  <a:prstClr val="black"/>
+                </a:solidFill>
+                <a:latin typeface="APL385 Unicode" panose="020B0709000202000203" pitchFamily="49" charset="0"/>
+                <a:ea typeface="+mj-ea"/>
+                <a:cs typeface="+mj-cs"/>
+              </a:rPr>
+              <a:t>      'l' </a:t>
+            </a:r>
+            <a:r>
+              <a:rPr lang="en-US" sz="2800" dirty="0" err="1">
+                <a:solidFill>
+                  <a:prstClr val="black"/>
+                </a:solidFill>
+                <a:latin typeface="APL385 Unicode" panose="020B0709000202000203" pitchFamily="49" charset="0"/>
+                <a:ea typeface="+mj-ea"/>
+                <a:cs typeface="+mj-cs"/>
+              </a:rPr>
+              <a:t>RemoveFrom</a:t>
+            </a:r>
+            <a:r>
+              <a:rPr lang="en-US" sz="2800" dirty="0">
+                <a:solidFill>
+                  <a:prstClr val="black"/>
+                </a:solidFill>
+                <a:latin typeface="APL385 Unicode" panose="020B0709000202000203" pitchFamily="49" charset="0"/>
+                <a:ea typeface="+mj-ea"/>
+                <a:cs typeface="+mj-cs"/>
+              </a:rPr>
+              <a:t> 'hello world'</a:t>
+            </a:r>
+          </a:p>
+          <a:p>
+            <a:pPr marL="0" indent="0">
+              <a:buNone/>
+            </a:pPr>
+            <a:r>
+              <a:rPr lang="en-US" sz="2800" dirty="0" err="1">
+                <a:solidFill>
+                  <a:prstClr val="black"/>
+                </a:solidFill>
+                <a:latin typeface="APL385 Unicode" panose="020B0709000202000203" pitchFamily="49" charset="0"/>
+                <a:ea typeface="+mj-ea"/>
+                <a:cs typeface="+mj-cs"/>
+              </a:rPr>
+              <a:t>heo</a:t>
+            </a:r>
+            <a:r>
+              <a:rPr lang="en-US" sz="2800" dirty="0">
+                <a:solidFill>
+                  <a:prstClr val="black"/>
+                </a:solidFill>
+                <a:latin typeface="APL385 Unicode" panose="020B0709000202000203" pitchFamily="49" charset="0"/>
+                <a:ea typeface="+mj-ea"/>
+                <a:cs typeface="+mj-cs"/>
+              </a:rPr>
+              <a:t> word</a:t>
+            </a:r>
+          </a:p>
+          <a:p>
+            <a:pPr marL="0" indent="0">
+              <a:buNone/>
+            </a:pPr>
+            <a:endParaRPr lang="en-US" sz="2800" dirty="0">
+              <a:solidFill>
+                <a:prstClr val="black"/>
+              </a:solidFill>
               <a:latin typeface="APL385 Unicode" panose="020B0709000202000203" pitchFamily="49" charset="0"/>
+              <a:ea typeface="+mj-ea"/>
+              <a:cs typeface="+mj-cs"/>
+            </a:endParaRPr>
+          </a:p>
+          <a:p>
+            <a:pPr marL="0" indent="0">
+              <a:buNone/>
+            </a:pPr>
+            <a:r>
+              <a:rPr lang="en-US" sz="2800" dirty="0">
+                <a:solidFill>
+                  <a:prstClr val="black"/>
+                </a:solidFill>
+                <a:latin typeface="APL385 Unicode" panose="020B0709000202000203" pitchFamily="49" charset="0"/>
+                <a:ea typeface="+mj-ea"/>
+                <a:cs typeface="+mj-cs"/>
+              </a:rPr>
+              <a:t>      'o' </a:t>
+            </a:r>
+            <a:r>
+              <a:rPr lang="en-US" sz="2800" dirty="0" err="1">
+                <a:solidFill>
+                  <a:prstClr val="black"/>
+                </a:solidFill>
+                <a:latin typeface="APL385 Unicode" panose="020B0709000202000203" pitchFamily="49" charset="0"/>
+                <a:ea typeface="+mj-ea"/>
+                <a:cs typeface="+mj-cs"/>
+              </a:rPr>
+              <a:t>RemoveFrom</a:t>
+            </a:r>
+            <a:r>
+              <a:rPr lang="en-US" sz="2800" dirty="0">
+                <a:solidFill>
+                  <a:prstClr val="black"/>
+                </a:solidFill>
+                <a:latin typeface="APL385 Unicode" panose="020B0709000202000203" pitchFamily="49" charset="0"/>
+                <a:ea typeface="+mj-ea"/>
+                <a:cs typeface="+mj-cs"/>
+              </a:rPr>
+              <a:t> 'hello world'</a:t>
+            </a:r>
+          </a:p>
+          <a:p>
+            <a:pPr marL="0" indent="0">
+              <a:buNone/>
+            </a:pPr>
+            <a:r>
+              <a:rPr lang="en-US" sz="2800" dirty="0">
+                <a:solidFill>
+                  <a:prstClr val="black"/>
+                </a:solidFill>
+                <a:latin typeface="APL385 Unicode" panose="020B0709000202000203" pitchFamily="49" charset="0"/>
+                <a:ea typeface="+mj-ea"/>
+                <a:cs typeface="+mj-cs"/>
+              </a:rPr>
+              <a:t>hell </a:t>
+            </a:r>
+            <a:r>
+              <a:rPr lang="en-US" sz="2800" dirty="0" err="1">
+                <a:solidFill>
+                  <a:prstClr val="black"/>
+                </a:solidFill>
+                <a:latin typeface="APL385 Unicode" panose="020B0709000202000203" pitchFamily="49" charset="0"/>
+                <a:ea typeface="+mj-ea"/>
+                <a:cs typeface="+mj-cs"/>
+              </a:rPr>
+              <a:t>wrld</a:t>
+            </a:r>
+            <a:endParaRPr lang="en-GB" sz="2800" dirty="0">
+              <a:solidFill>
+                <a:prstClr val="black"/>
+              </a:solidFill>
+              <a:latin typeface="APL385 Unicode" panose="020B0709000202000203" pitchFamily="49" charset="0"/>
+              <a:ea typeface="+mj-ea"/>
+              <a:cs typeface="+mj-cs"/>
             </a:endParaRPr>
           </a:p>
         </p:txBody>
@@ -4051,7 +8394,7 @@
     </p:spTree>
     <p:extLst>
       <p:ext uri="{BB962C8B-B14F-4D97-AF65-F5344CB8AC3E}">
-        <p14:creationId xmlns:p14="http://schemas.microsoft.com/office/powerpoint/2010/main" val="1161912592"/>
+        <p14:creationId xmlns:p14="http://schemas.microsoft.com/office/powerpoint/2010/main" val="3874161990"/>
       </p:ext>
     </p:extLst>
   </p:cSld>
@@ -4093,7 +8436,7 @@
         <p:spPr>
           <a:xfrm>
             <a:off x="696000" y="729000"/>
-            <a:ext cx="10800000" cy="5786199"/>
+            <a:ext cx="10800000" cy="3108543"/>
           </a:xfrm>
           <a:prstGeom prst="rect">
             <a:avLst/>
@@ -4110,7 +8453,7 @@
               <a:buNone/>
             </a:pPr>
             <a:r>
-              <a:rPr kumimoji="0" lang="en-GB" sz="4000" b="1" i="0" u="none" strike="noStrike" kern="1200" cap="none" spc="0" normalizeH="0" baseline="0" noProof="0" dirty="0">
+              <a:rPr kumimoji="0" lang="en-GB" sz="2800" b="1" i="0" u="none" strike="noStrike" kern="1200" cap="none" spc="0" normalizeH="0" baseline="0" noProof="0" dirty="0">
                 <a:ln>
                   <a:noFill/>
                 </a:ln>
@@ -4127,7 +8470,7 @@
               <a:t>Task </a:t>
             </a:r>
             <a:fld id="{C4A595E0-68AA-423E-BAF3-3392370CE250}" type="slidenum">
-              <a:rPr kumimoji="0" lang="en-GB" sz="4000" b="1" i="0" u="none" strike="noStrike" kern="1200" cap="none" spc="0" normalizeH="0" baseline="0" noProof="0" smtClean="0">
+              <a:rPr kumimoji="0" lang="en-GB" sz="2800" b="1" i="0" u="none" strike="noStrike" kern="1200" cap="none" spc="0" normalizeH="0" baseline="0" noProof="0" smtClean="0">
                 <a:ln>
                   <a:noFill/>
                 </a:ln>
@@ -4143,7 +8486,7 @@
               </a:rPr>
               <a:t>4</a:t>
             </a:fld>
-            <a:endParaRPr kumimoji="0" lang="en-GB" sz="4000" b="1" i="0" u="none" strike="noStrike" kern="1200" cap="none" spc="0" normalizeH="0" baseline="0" noProof="0" dirty="0">
+            <a:endParaRPr kumimoji="0" lang="en-GB" sz="2800" b="1" i="0" u="none" strike="noStrike" kern="1200" cap="none" spc="0" normalizeH="0" baseline="0" noProof="0" dirty="0">
               <a:ln>
                 <a:noFill/>
               </a:ln>
@@ -4163,60 +8506,77 @@
               <a:buNone/>
             </a:pPr>
             <a:r>
-              <a:rPr lang="en-GB" sz="3000" dirty="0">
-                <a:solidFill>
-                  <a:prstClr val="black"/>
-                </a:solidFill>
-                <a:latin typeface="Atkinson Hyperlegible" pitchFamily="50" charset="0"/>
-                <a:ea typeface="+mj-ea"/>
-                <a:cs typeface="+mj-cs"/>
-              </a:rPr>
-              <a:t>Define a function </a:t>
-            </a:r>
-            <a:r>
-              <a:rPr lang="en-GB" sz="3000" dirty="0" err="1">
-                <a:solidFill>
-                  <a:prstClr val="black"/>
-                </a:solidFill>
-                <a:latin typeface="Atkinson Hyperlegible" pitchFamily="50" charset="0"/>
-                <a:ea typeface="+mj-ea"/>
-                <a:cs typeface="+mj-cs"/>
-              </a:rPr>
-              <a:t>TimesRows</a:t>
-            </a:r>
-            <a:r>
-              <a:rPr lang="en-GB" sz="3000" dirty="0">
-                <a:solidFill>
-                  <a:prstClr val="black"/>
-                </a:solidFill>
-                <a:latin typeface="Atkinson Hyperlegible" pitchFamily="50" charset="0"/>
-                <a:ea typeface="+mj-ea"/>
-                <a:cs typeface="+mj-cs"/>
-              </a:rPr>
-              <a:t> to multiply a matrix and a vector.</a:t>
-            </a:r>
-          </a:p>
-          <a:p>
-            <a:pPr marL="0" indent="0">
-              <a:buNone/>
-            </a:pPr>
-            <a:r>
-              <a:rPr lang="en-GB" sz="3000" dirty="0">
-                <a:solidFill>
-                  <a:prstClr val="black"/>
-                </a:solidFill>
-                <a:latin typeface="Atkinson Hyperlegible" pitchFamily="50" charset="0"/>
-                <a:ea typeface="+mj-ea"/>
-                <a:cs typeface="+mj-cs"/>
-              </a:rPr>
-              <a:t>For example,</a:t>
-            </a:r>
-          </a:p>
-          <a:p>
-            <a:pPr marL="0" indent="0">
-              <a:buNone/>
-            </a:pPr>
-            <a:endParaRPr lang="en-GB" sz="3000" dirty="0">
+              <a:rPr lang="en-GB" sz="2800" b="1" dirty="0">
+                <a:solidFill>
+                  <a:prstClr val="black"/>
+                </a:solidFill>
+                <a:latin typeface="Atkinson Hyperlegible" pitchFamily="50" charset="0"/>
+                <a:ea typeface="+mj-ea"/>
+                <a:cs typeface="+mj-cs"/>
+              </a:rPr>
+              <a:t>Redefine</a:t>
+            </a:r>
+            <a:r>
+              <a:rPr lang="en-GB" sz="2800" dirty="0">
+                <a:solidFill>
+                  <a:prstClr val="black"/>
+                </a:solidFill>
+                <a:latin typeface="Atkinson Hyperlegible" pitchFamily="50" charset="0"/>
+                <a:ea typeface="+mj-ea"/>
+                <a:cs typeface="+mj-cs"/>
+              </a:rPr>
+              <a:t> the function </a:t>
+            </a:r>
+            <a:r>
+              <a:rPr lang="en-GB" sz="2800" dirty="0" err="1">
+                <a:solidFill>
+                  <a:prstClr val="black"/>
+                </a:solidFill>
+                <a:latin typeface="APL385 Unicode" panose="020B0709000202000203" pitchFamily="49" charset="0"/>
+                <a:ea typeface="+mj-ea"/>
+                <a:cs typeface="+mj-cs"/>
+              </a:rPr>
+              <a:t>NoSpace</a:t>
+            </a:r>
+            <a:r>
+              <a:rPr lang="en-GB" sz="2800" dirty="0">
+                <a:solidFill>
+                  <a:prstClr val="black"/>
+                </a:solidFill>
+                <a:latin typeface="Atkinson Hyperlegible" pitchFamily="50" charset="0"/>
+                <a:ea typeface="+mj-ea"/>
+                <a:cs typeface="+mj-cs"/>
+              </a:rPr>
+              <a:t> using </a:t>
+            </a:r>
+            <a:r>
+              <a:rPr lang="en-GB" sz="2800" dirty="0" err="1">
+                <a:solidFill>
+                  <a:prstClr val="black"/>
+                </a:solidFill>
+                <a:latin typeface="APL385 Unicode" panose="020B0709000202000203" pitchFamily="49" charset="0"/>
+                <a:ea typeface="+mj-ea"/>
+                <a:cs typeface="+mj-cs"/>
+              </a:rPr>
+              <a:t>RemoveFrom</a:t>
+            </a:r>
+            <a:r>
+              <a:rPr lang="en-GB" sz="2800" dirty="0">
+                <a:solidFill>
+                  <a:prstClr val="black"/>
+                </a:solidFill>
+                <a:latin typeface="Atkinson Hyperlegible" pitchFamily="50" charset="0"/>
+                <a:ea typeface="+mj-ea"/>
+                <a:cs typeface="+mj-cs"/>
+              </a:rPr>
+              <a:t>:</a:t>
+            </a:r>
+          </a:p>
+          <a:p>
+            <a:pPr marL="0" indent="0">
+              <a:buNone/>
+            </a:pPr>
+            <a:endParaRPr lang="en-GB" sz="2800" dirty="0">
               <a:solidFill>
                 <a:prstClr val="black"/>
               </a:solidFill>
@@ -4230,23 +8590,7 @@
               <a:buNone/>
             </a:pPr>
             <a:r>
-              <a:rPr lang="en-GB" sz="3000" dirty="0">
-                <a:solidFill>
-                  <a:prstClr val="black"/>
-                </a:solidFill>
-                <a:latin typeface="APL385 Unicode" panose="020B0709000202000203" pitchFamily="49" charset="0"/>
-                <a:ea typeface="+mj-ea"/>
-                <a:cs typeface="+mj-cs"/>
-              </a:rPr>
-              <a:t>      mat ← 4 3⍴6 9 9 10 9 1 3 5 3 6 7 3</a:t>
-            </a:r>
-          </a:p>
-          <a:p>
-            <a:pPr marL="0" indent="0">
-              <a:buNone/>
-            </a:pPr>
-            <a:r>
-              <a:rPr lang="en-GB" sz="3000" dirty="0">
+              <a:rPr lang="en-GB" sz="2800" dirty="0">
                 <a:solidFill>
                   <a:prstClr val="black"/>
                 </a:solidFill>
@@ -4257,33 +8601,109 @@
               <a:t>      </a:t>
             </a:r>
             <a:r>
-              <a:rPr lang="en-GB" sz="3000" dirty="0" err="1">
-                <a:solidFill>
-                  <a:prstClr val="black"/>
-                </a:solidFill>
-                <a:latin typeface="APL385 Unicode" panose="020B0709000202000203" pitchFamily="49" charset="0"/>
-                <a:ea typeface="+mj-ea"/>
-                <a:cs typeface="+mj-cs"/>
-              </a:rPr>
-              <a:t>vec</a:t>
-            </a:r>
-            <a:r>
-              <a:rPr lang="en-GB" sz="3000" dirty="0">
-                <a:solidFill>
-                  <a:prstClr val="black"/>
-                </a:solidFill>
-                <a:latin typeface="APL385 Unicode" panose="020B0709000202000203" pitchFamily="49" charset="0"/>
-                <a:ea typeface="+mj-ea"/>
-                <a:cs typeface="+mj-cs"/>
-              </a:rPr>
-              <a:t> ← 1 0 ¯1</a:t>
-            </a:r>
-          </a:p>
-          <a:p>
-            <a:pPr marL="0" indent="0">
-              <a:buNone/>
-            </a:pPr>
-            <a:endParaRPr lang="en-GB" sz="3000" dirty="0">
+              <a:rPr lang="en-GB" sz="2800" dirty="0" err="1">
+                <a:solidFill>
+                  <a:prstClr val="black"/>
+                </a:solidFill>
+                <a:latin typeface="APL385 Unicode" panose="020B0709000202000203" pitchFamily="49" charset="0"/>
+                <a:ea typeface="+mj-ea"/>
+                <a:cs typeface="+mj-cs"/>
+              </a:rPr>
+              <a:t>NoSpace</a:t>
+            </a:r>
+            <a:r>
+              <a:rPr lang="en-GB" sz="2800" dirty="0">
+                <a:solidFill>
+                  <a:prstClr val="black"/>
+                </a:solidFill>
+                <a:latin typeface="APL385 Unicode" panose="020B0709000202000203" pitchFamily="49" charset="0"/>
+                <a:ea typeface="+mj-ea"/>
+                <a:cs typeface="+mj-cs"/>
+              </a:rPr>
+              <a:t>←{ </a:t>
+            </a:r>
+            <a:r>
+              <a:rPr lang="en-GB" sz="2800" dirty="0">
+                <a:solidFill>
+                  <a:schemeClr val="bg1">
+                    <a:lumMod val="75000"/>
+                  </a:schemeClr>
+                </a:solidFill>
+                <a:highlight>
+                  <a:srgbClr val="808080"/>
+                </a:highlight>
+                <a:latin typeface="APL385 Unicode" panose="020B0709000202000203" pitchFamily="49" charset="0"/>
+                <a:ea typeface="+mj-ea"/>
+                <a:cs typeface="+mj-cs"/>
+              </a:rPr>
+              <a:t>???</a:t>
+            </a:r>
+            <a:r>
+              <a:rPr lang="en-GB" sz="2800" dirty="0">
+                <a:solidFill>
+                  <a:prstClr val="black"/>
+                </a:solidFill>
+                <a:latin typeface="APL385 Unicode" panose="020B0709000202000203" pitchFamily="49" charset="0"/>
+                <a:ea typeface="+mj-ea"/>
+                <a:cs typeface="+mj-cs"/>
+              </a:rPr>
+              <a:t> </a:t>
+            </a:r>
+            <a:r>
+              <a:rPr lang="en-GB" sz="2800" dirty="0" err="1">
+                <a:solidFill>
+                  <a:prstClr val="black"/>
+                </a:solidFill>
+                <a:latin typeface="APL385 Unicode" panose="020B0709000202000203" pitchFamily="49" charset="0"/>
+                <a:ea typeface="+mj-ea"/>
+                <a:cs typeface="+mj-cs"/>
+              </a:rPr>
+              <a:t>RemoveFrom</a:t>
+            </a:r>
+            <a:r>
+              <a:rPr lang="en-GB" sz="2800" dirty="0">
+                <a:solidFill>
+                  <a:prstClr val="black"/>
+                </a:solidFill>
+                <a:latin typeface="APL385 Unicode" panose="020B0709000202000203" pitchFamily="49" charset="0"/>
+                <a:ea typeface="+mj-ea"/>
+                <a:cs typeface="+mj-cs"/>
+              </a:rPr>
+              <a:t> </a:t>
+            </a:r>
+            <a:r>
+              <a:rPr lang="en-GB" sz="2800" dirty="0">
+                <a:solidFill>
+                  <a:schemeClr val="bg1">
+                    <a:lumMod val="75000"/>
+                  </a:schemeClr>
+                </a:solidFill>
+                <a:highlight>
+                  <a:srgbClr val="808080"/>
+                </a:highlight>
+                <a:latin typeface="APL385 Unicode" panose="020B0709000202000203" pitchFamily="49" charset="0"/>
+                <a:ea typeface="+mj-ea"/>
+                <a:cs typeface="+mj-cs"/>
+              </a:rPr>
+              <a:t>???</a:t>
+            </a:r>
+            <a:r>
+              <a:rPr lang="en-GB" sz="2800" dirty="0">
+                <a:solidFill>
+                  <a:prstClr val="black"/>
+                </a:solidFill>
+                <a:latin typeface="APL385 Unicode" panose="020B0709000202000203" pitchFamily="49" charset="0"/>
+                <a:ea typeface="+mj-ea"/>
+                <a:cs typeface="+mj-cs"/>
+              </a:rPr>
+              <a:t> }</a:t>
+            </a:r>
+          </a:p>
+          <a:p>
+            <a:pPr marL="0" indent="0">
+              <a:buNone/>
+            </a:pPr>
+            <a:endParaRPr lang="en-GB" sz="2800" dirty="0">
               <a:solidFill>
                 <a:prstClr val="black"/>
               </a:solidFill>
@@ -4297,50 +8717,55 @@
               <a:buNone/>
             </a:pPr>
             <a:r>
-              <a:rPr lang="en-GB" sz="3000" dirty="0">
-                <a:solidFill>
-                  <a:prstClr val="black"/>
-                </a:solidFill>
-                <a:latin typeface="APL385 Unicode" panose="020B0709000202000203" pitchFamily="49" charset="0"/>
-                <a:ea typeface="+mj-ea"/>
-                <a:cs typeface="+mj-cs"/>
-              </a:rPr>
-              <a:t>      mat </a:t>
-            </a:r>
-            <a:r>
-              <a:rPr lang="en-GB" sz="3000" dirty="0" err="1">
-                <a:solidFill>
-                  <a:prstClr val="black"/>
-                </a:solidFill>
-                <a:latin typeface="APL385 Unicode" panose="020B0709000202000203" pitchFamily="49" charset="0"/>
-                <a:ea typeface="+mj-ea"/>
-                <a:cs typeface="+mj-cs"/>
-              </a:rPr>
-              <a:t>TimesRows</a:t>
-            </a:r>
-            <a:r>
-              <a:rPr lang="en-GB" sz="3000" dirty="0">
-                <a:solidFill>
-                  <a:prstClr val="black"/>
-                </a:solidFill>
-                <a:latin typeface="APL385 Unicode" panose="020B0709000202000203" pitchFamily="49" charset="0"/>
-                <a:ea typeface="+mj-ea"/>
-                <a:cs typeface="+mj-cs"/>
-              </a:rPr>
-              <a:t> </a:t>
-            </a:r>
-            <a:r>
-              <a:rPr lang="en-GB" sz="3000" dirty="0" err="1">
-                <a:solidFill>
-                  <a:prstClr val="black"/>
-                </a:solidFill>
-                <a:latin typeface="APL385 Unicode" panose="020B0709000202000203" pitchFamily="49" charset="0"/>
-                <a:ea typeface="+mj-ea"/>
-                <a:cs typeface="+mj-cs"/>
-              </a:rPr>
-              <a:t>vec</a:t>
-            </a:r>
-            <a:endParaRPr lang="en-GB" sz="3000" dirty="0">
+              <a:rPr lang="en-US" sz="2800" dirty="0">
+                <a:solidFill>
+                  <a:prstClr val="black"/>
+                </a:solidFill>
+                <a:latin typeface="APL385 Unicode" panose="020B0709000202000203" pitchFamily="49" charset="0"/>
+                <a:ea typeface="+mj-ea"/>
+                <a:cs typeface="+mj-cs"/>
+              </a:rPr>
+              <a:t>      </a:t>
+            </a:r>
+            <a:r>
+              <a:rPr lang="en-US" sz="2800" dirty="0" err="1">
+                <a:solidFill>
+                  <a:prstClr val="black"/>
+                </a:solidFill>
+                <a:latin typeface="APL385 Unicode" panose="020B0709000202000203" pitchFamily="49" charset="0"/>
+                <a:ea typeface="+mj-ea"/>
+                <a:cs typeface="+mj-cs"/>
+              </a:rPr>
+              <a:t>NoSpace</a:t>
+            </a:r>
+            <a:r>
+              <a:rPr lang="en-US" sz="2800" dirty="0">
+                <a:solidFill>
+                  <a:prstClr val="black"/>
+                </a:solidFill>
+                <a:latin typeface="APL385 Unicode" panose="020B0709000202000203" pitchFamily="49" charset="0"/>
+                <a:ea typeface="+mj-ea"/>
+                <a:cs typeface="+mj-cs"/>
+              </a:rPr>
+              <a:t> 'hello world'</a:t>
+            </a:r>
+          </a:p>
+          <a:p>
+            <a:pPr marL="0" indent="0">
+              <a:buNone/>
+            </a:pPr>
+            <a:r>
+              <a:rPr lang="en-US" sz="2800" dirty="0" err="1">
+                <a:solidFill>
+                  <a:prstClr val="black"/>
+                </a:solidFill>
+                <a:latin typeface="APL385 Unicode" panose="020B0709000202000203" pitchFamily="49" charset="0"/>
+                <a:ea typeface="+mj-ea"/>
+                <a:cs typeface="+mj-cs"/>
+              </a:rPr>
+              <a:t>helloworld</a:t>
+            </a:r>
+            <a:endParaRPr lang="en-US" sz="2800" dirty="0">
               <a:solidFill>
                 <a:prstClr val="black"/>
               </a:solidFill>
@@ -4349,59 +8774,12 @@
               <a:cs typeface="+mj-cs"/>
             </a:endParaRPr>
           </a:p>
-          <a:p>
-            <a:pPr marL="0" indent="0">
-              <a:buNone/>
-            </a:pPr>
-            <a:r>
-              <a:rPr lang="en-US" sz="3000" dirty="0">
-                <a:latin typeface="APL385 Unicode" panose="020B0709000202000203" pitchFamily="49" charset="0"/>
-              </a:rPr>
-              <a:t> 6 0 ¯9</a:t>
-            </a:r>
-          </a:p>
-          <a:p>
-            <a:pPr marL="0" indent="0">
-              <a:buNone/>
-            </a:pPr>
-            <a:r>
-              <a:rPr lang="en-US" sz="3000" dirty="0">
-                <a:latin typeface="APL385 Unicode" panose="020B0709000202000203" pitchFamily="49" charset="0"/>
-              </a:rPr>
-              <a:t>10 0 ¯1</a:t>
-            </a:r>
-          </a:p>
-          <a:p>
-            <a:pPr marL="0" indent="0">
-              <a:buNone/>
-            </a:pPr>
-            <a:r>
-              <a:rPr lang="en-US" sz="3000" dirty="0">
-                <a:latin typeface="APL385 Unicode" panose="020B0709000202000203" pitchFamily="49" charset="0"/>
-              </a:rPr>
-              <a:t> 3 0 ¯3</a:t>
-            </a:r>
-          </a:p>
-          <a:p>
-            <a:pPr marL="0" indent="0">
-              <a:buNone/>
-            </a:pPr>
-            <a:r>
-              <a:rPr lang="en-US" sz="3000" dirty="0">
-                <a:latin typeface="APL385 Unicode" panose="020B0709000202000203" pitchFamily="49" charset="0"/>
-              </a:rPr>
-              <a:t> 6 0 ¯3</a:t>
-            </a:r>
-            <a:endParaRPr lang="en-GB" sz="3000" dirty="0">
-              <a:latin typeface="APL385 Unicode" panose="020B0709000202000203" pitchFamily="49" charset="0"/>
-            </a:endParaRPr>
-          </a:p>
         </p:txBody>
       </p:sp>
     </p:spTree>
     <p:extLst>
       <p:ext uri="{BB962C8B-B14F-4D97-AF65-F5344CB8AC3E}">
-        <p14:creationId xmlns:p14="http://schemas.microsoft.com/office/powerpoint/2010/main" val="3082564230"/>
+        <p14:creationId xmlns:p14="http://schemas.microsoft.com/office/powerpoint/2010/main" val="415207654"/>
       </p:ext>
     </p:extLst>
   </p:cSld>
@@ -4443,7 +8821,7 @@
         <p:spPr>
           <a:xfrm>
             <a:off x="696000" y="729000"/>
-            <a:ext cx="10800000" cy="2554545"/>
+            <a:ext cx="10800000" cy="2677656"/>
           </a:xfrm>
           <a:prstGeom prst="rect">
             <a:avLst/>
@@ -4460,7 +8838,7 @@
               <a:buNone/>
             </a:pPr>
             <a:r>
-              <a:rPr kumimoji="0" lang="en-GB" sz="4000" b="1" i="0" u="none" strike="noStrike" kern="1200" cap="none" spc="0" normalizeH="0" baseline="0" noProof="0" dirty="0">
+              <a:rPr kumimoji="0" lang="en-GB" sz="2800" b="1" i="0" u="none" strike="noStrike" kern="1200" cap="none" spc="0" normalizeH="0" baseline="0" noProof="0" dirty="0">
                 <a:ln>
                   <a:noFill/>
                 </a:ln>
@@ -4477,7 +8855,7 @@
               <a:t>Task </a:t>
             </a:r>
             <a:fld id="{C4A595E0-68AA-423E-BAF3-3392370CE250}" type="slidenum">
-              <a:rPr kumimoji="0" lang="en-GB" sz="4000" b="1" i="0" u="none" strike="noStrike" kern="1200" cap="none" spc="0" normalizeH="0" baseline="0" noProof="0" smtClean="0">
+              <a:rPr kumimoji="0" lang="en-GB" sz="2800" b="1" i="0" u="none" strike="noStrike" kern="1200" cap="none" spc="0" normalizeH="0" baseline="0" noProof="0" smtClean="0">
                 <a:ln>
                   <a:noFill/>
                 </a:ln>
@@ -4493,7 +8871,7 @@
               </a:rPr>
               <a:t>5</a:t>
             </a:fld>
-            <a:endParaRPr kumimoji="0" lang="en-GB" sz="4000" b="1" i="0" u="none" strike="noStrike" kern="1200" cap="none" spc="0" normalizeH="0" baseline="0" noProof="0" dirty="0">
+            <a:endParaRPr kumimoji="0" lang="en-GB" sz="2800" b="1" i="0" u="none" strike="noStrike" kern="1200" cap="none" spc="0" normalizeH="0" baseline="0" noProof="0" dirty="0">
               <a:ln>
                 <a:noFill/>
               </a:ln>
@@ -4512,45 +8890,7 @@
             <a:pPr marL="0" indent="0">
               <a:buNone/>
             </a:pPr>
-            <a:r>
-              <a:rPr lang="en-GB" sz="3000" dirty="0">
-                <a:solidFill>
-                  <a:prstClr val="black"/>
-                </a:solidFill>
-                <a:latin typeface="Atkinson Hyperlegible" pitchFamily="50" charset="0"/>
-                <a:ea typeface="+mj-ea"/>
-                <a:cs typeface="+mj-cs"/>
-              </a:rPr>
-              <a:t>Define a function </a:t>
-            </a:r>
-            <a:r>
-              <a:rPr lang="en-GB" sz="3000" dirty="0" err="1">
-                <a:solidFill>
-                  <a:prstClr val="black"/>
-                </a:solidFill>
-                <a:latin typeface="APL385 Unicode" panose="020B0709000202000203" pitchFamily="49" charset="0"/>
-                <a:ea typeface="+mj-ea"/>
-                <a:cs typeface="+mj-cs"/>
-              </a:rPr>
-              <a:t>NoSpace</a:t>
-            </a:r>
-            <a:r>
-              <a:rPr lang="en-GB" sz="3000" dirty="0">
-                <a:solidFill>
-                  <a:prstClr val="black"/>
-                </a:solidFill>
-                <a:latin typeface="Atkinson Hyperlegible" pitchFamily="50" charset="0"/>
-                <a:ea typeface="+mj-ea"/>
-                <a:cs typeface="+mj-cs"/>
-              </a:rPr>
-              <a:t> to remove spaces:</a:t>
-            </a:r>
-          </a:p>
-          <a:p>
-            <a:pPr marL="0" indent="0">
-              <a:buNone/>
-            </a:pPr>
-            <a:endParaRPr lang="en-GB" sz="3000" dirty="0">
+            <a:endParaRPr lang="en-GB" sz="2800" dirty="0">
               <a:solidFill>
                 <a:prstClr val="black"/>
               </a:solidFill>
@@ -4563,70 +8903,63 @@
             <a:pPr marL="0" indent="0">
               <a:buNone/>
             </a:pPr>
-            <a:r>
-              <a:rPr lang="en-US" sz="3000" dirty="0">
-                <a:solidFill>
-                  <a:prstClr val="black"/>
-                </a:solidFill>
-                <a:latin typeface="APL385 Unicode" panose="020B0709000202000203" pitchFamily="49" charset="0"/>
-                <a:ea typeface="+mj-ea"/>
-                <a:cs typeface="+mj-cs"/>
-              </a:rPr>
-              <a:t>      </a:t>
-            </a:r>
-            <a:r>
-              <a:rPr lang="en-US" sz="3000" dirty="0" err="1">
-                <a:solidFill>
-                  <a:prstClr val="black"/>
-                </a:solidFill>
-                <a:latin typeface="APL385 Unicode" panose="020B0709000202000203" pitchFamily="49" charset="0"/>
-                <a:ea typeface="+mj-ea"/>
-                <a:cs typeface="+mj-cs"/>
-              </a:rPr>
-              <a:t>NoSpace</a:t>
-            </a:r>
-            <a:r>
-              <a:rPr lang="en-US" sz="3000" dirty="0">
-                <a:solidFill>
-                  <a:prstClr val="black"/>
-                </a:solidFill>
-                <a:latin typeface="APL385 Unicode" panose="020B0709000202000203" pitchFamily="49" charset="0"/>
-                <a:ea typeface="+mj-ea"/>
-                <a:cs typeface="+mj-cs"/>
-              </a:rPr>
-              <a:t> 'here is some text'</a:t>
-            </a:r>
-          </a:p>
-          <a:p>
-            <a:pPr marL="0" indent="0">
-              <a:buNone/>
-            </a:pPr>
-            <a:r>
-              <a:rPr lang="en-US" sz="3000" dirty="0" err="1">
-                <a:solidFill>
-                  <a:prstClr val="black"/>
-                </a:solidFill>
-                <a:latin typeface="APL385 Unicode" panose="020B0709000202000203" pitchFamily="49" charset="0"/>
-                <a:ea typeface="+mj-ea"/>
-                <a:cs typeface="+mj-cs"/>
-              </a:rPr>
-              <a:t>hereissometext</a:t>
-            </a:r>
-            <a:endParaRPr lang="en-GB" sz="3000" dirty="0">
+            <a:endParaRPr lang="en-GB" sz="2800" dirty="0">
               <a:solidFill>
                 <a:prstClr val="black"/>
               </a:solidFill>
-              <a:latin typeface="APL385 Unicode" panose="020B0709000202000203" pitchFamily="49" charset="0"/>
+              <a:latin typeface="Atkinson Hyperlegible" pitchFamily="50" charset="0"/>
               <a:ea typeface="+mj-ea"/>
               <a:cs typeface="+mj-cs"/>
             </a:endParaRPr>
+          </a:p>
+          <a:p>
+            <a:pPr marL="0" indent="0">
+              <a:buNone/>
+            </a:pPr>
+            <a:endParaRPr lang="en-GB" sz="2800" dirty="0">
+              <a:solidFill>
+                <a:prstClr val="black"/>
+              </a:solidFill>
+              <a:latin typeface="Atkinson Hyperlegible" pitchFamily="50" charset="0"/>
+              <a:ea typeface="+mj-ea"/>
+              <a:cs typeface="+mj-cs"/>
+            </a:endParaRPr>
+          </a:p>
+          <a:p>
+            <a:pPr marL="0" indent="0">
+              <a:buNone/>
+            </a:pPr>
+            <a:endParaRPr lang="en-GB" sz="2800" dirty="0">
+              <a:solidFill>
+                <a:prstClr val="black"/>
+              </a:solidFill>
+              <a:latin typeface="Atkinson Hyperlegible" pitchFamily="50" charset="0"/>
+              <a:ea typeface="+mj-ea"/>
+              <a:cs typeface="+mj-cs"/>
+            </a:endParaRPr>
+          </a:p>
+          <a:p>
+            <a:pPr marL="0" indent="0" algn="ctr">
+              <a:buNone/>
+            </a:pPr>
+            <a:r>
+              <a:rPr lang="en-GB" sz="2800" dirty="0">
+                <a:solidFill>
+                  <a:prstClr val="black"/>
+                </a:solidFill>
+                <a:latin typeface="Atkinson Hyperlegible" pitchFamily="50" charset="0"/>
+                <a:ea typeface="+mj-ea"/>
+                <a:cs typeface="+mj-cs"/>
+              </a:rPr>
+              <a:t>Save your workspace.</a:t>
+            </a:r>
           </a:p>
         </p:txBody>
       </p:sp>
     </p:spTree>
     <p:extLst>
       <p:ext uri="{BB962C8B-B14F-4D97-AF65-F5344CB8AC3E}">
-        <p14:creationId xmlns:p14="http://schemas.microsoft.com/office/powerpoint/2010/main" val="2960505146"/>
+        <p14:creationId xmlns:p14="http://schemas.microsoft.com/office/powerpoint/2010/main" val="763627975"/>
       </p:ext>
     </p:extLst>
   </p:cSld>
@@ -4668,7 +9001,7 @@
         <p:spPr>
           <a:xfrm>
             <a:off x="696000" y="729000"/>
-            <a:ext cx="10800000" cy="3939540"/>
+            <a:ext cx="10800000" cy="5693866"/>
           </a:xfrm>
           <a:prstGeom prst="rect">
             <a:avLst/>
@@ -4685,7 +9018,7 @@
               <a:buNone/>
             </a:pPr>
             <a:r>
-              <a:rPr kumimoji="0" lang="en-GB" sz="4000" b="1" i="0" u="none" strike="noStrike" kern="1200" cap="none" spc="0" normalizeH="0" baseline="0" noProof="0" dirty="0">
+              <a:rPr kumimoji="0" lang="en-GB" sz="2800" b="1" i="0" u="none" strike="noStrike" kern="1200" cap="none" spc="0" normalizeH="0" baseline="0" noProof="0" dirty="0">
                 <a:ln>
                   <a:noFill/>
                 </a:ln>
@@ -4702,7 +9035,7 @@
               <a:t>Task </a:t>
             </a:r>
             <a:fld id="{C4A595E0-68AA-423E-BAF3-3392370CE250}" type="slidenum">
-              <a:rPr kumimoji="0" lang="en-GB" sz="4000" b="1" i="0" u="none" strike="noStrike" kern="1200" cap="none" spc="0" normalizeH="0" baseline="0" noProof="0" smtClean="0">
+              <a:rPr kumimoji="0" lang="en-GB" sz="2800" b="1" i="0" u="none" strike="noStrike" kern="1200" cap="none" spc="0" normalizeH="0" baseline="0" noProof="0" smtClean="0">
                 <a:ln>
                   <a:noFill/>
                 </a:ln>
@@ -4718,7 +9051,7 @@
               </a:rPr>
               <a:t>6</a:t>
             </a:fld>
-            <a:endParaRPr kumimoji="0" lang="en-GB" sz="4000" b="1" i="0" u="none" strike="noStrike" kern="1200" cap="none" spc="0" normalizeH="0" baseline="0" noProof="0" dirty="0">
+            <a:endParaRPr kumimoji="0" lang="en-GB" sz="2800" b="1" i="0" u="none" strike="noStrike" kern="1200" cap="none" spc="0" normalizeH="0" baseline="0" noProof="0" dirty="0">
               <a:ln>
                 <a:noFill/>
               </a:ln>
@@ -4738,7 +9071,7 @@
               <a:buNone/>
             </a:pPr>
             <a:r>
-              <a:rPr lang="en-GB" sz="3000" dirty="0">
+              <a:rPr lang="en-GB" sz="2800" dirty="0">
                 <a:solidFill>
                   <a:prstClr val="black"/>
                 </a:solidFill>
@@ -4749,33 +9082,33 @@
               <a:t>Define a function </a:t>
             </a:r>
             <a:r>
-              <a:rPr lang="en-GB" sz="3000" dirty="0" err="1">
-                <a:solidFill>
-                  <a:prstClr val="black"/>
-                </a:solidFill>
-                <a:latin typeface="Atkinson Hyperlegible" pitchFamily="50" charset="0"/>
-                <a:ea typeface="+mj-ea"/>
-                <a:cs typeface="+mj-cs"/>
-              </a:rPr>
-              <a:t>RemoveFrom</a:t>
-            </a:r>
-            <a:r>
-              <a:rPr lang="en-GB" sz="3000" dirty="0">
-                <a:solidFill>
-                  <a:prstClr val="black"/>
-                </a:solidFill>
-                <a:latin typeface="Atkinson Hyperlegible" pitchFamily="50" charset="0"/>
-                <a:ea typeface="+mj-ea"/>
-                <a:cs typeface="+mj-cs"/>
-              </a:rPr>
-              <a:t> to remove any character:</a:t>
-            </a:r>
-          </a:p>
-          <a:p>
-            <a:pPr marL="0" indent="0">
-              <a:buNone/>
-            </a:pPr>
-            <a:endParaRPr lang="en-GB" sz="3000" dirty="0">
+              <a:rPr lang="en-GB" sz="2800" dirty="0">
+                <a:solidFill>
+                  <a:prstClr val="black"/>
+                </a:solidFill>
+                <a:latin typeface="APL385 Unicode" panose="020B0709000202000203" pitchFamily="49" charset="0"/>
+                <a:ea typeface="+mj-ea"/>
+                <a:cs typeface="+mj-cs"/>
+              </a:rPr>
+              <a:t>Mean</a:t>
+            </a:r>
+            <a:r>
+              <a:rPr lang="en-GB" sz="2800" dirty="0">
+                <a:solidFill>
+                  <a:prstClr val="black"/>
+                </a:solidFill>
+                <a:latin typeface="Atkinson Hyperlegible" pitchFamily="50" charset="0"/>
+                <a:ea typeface="+mj-ea"/>
+                <a:cs typeface="+mj-cs"/>
+              </a:rPr>
+              <a:t> to return the mean average of its argument:</a:t>
+            </a:r>
+          </a:p>
+          <a:p>
+            <a:pPr marL="0" indent="0">
+              <a:buNone/>
+            </a:pPr>
+            <a:endParaRPr lang="en-GB" sz="2800" dirty="0">
               <a:solidFill>
                 <a:prstClr val="black"/>
               </a:solidFill>
@@ -4789,77 +9122,73 @@
               <a:buNone/>
             </a:pPr>
             <a:r>
-              <a:rPr lang="en-US" sz="3000" dirty="0">
-                <a:solidFill>
-                  <a:prstClr val="black"/>
-                </a:solidFill>
-                <a:latin typeface="APL385 Unicode" panose="020B0709000202000203" pitchFamily="49" charset="0"/>
-                <a:ea typeface="+mj-ea"/>
-                <a:cs typeface="+mj-cs"/>
-              </a:rPr>
-              <a:t>      'l' </a:t>
-            </a:r>
-            <a:r>
-              <a:rPr lang="en-US" sz="3000" dirty="0" err="1">
-                <a:solidFill>
-                  <a:prstClr val="black"/>
-                </a:solidFill>
-                <a:latin typeface="APL385 Unicode" panose="020B0709000202000203" pitchFamily="49" charset="0"/>
-                <a:ea typeface="+mj-ea"/>
-                <a:cs typeface="+mj-cs"/>
-              </a:rPr>
-              <a:t>RemoveFrom</a:t>
-            </a:r>
-            <a:r>
-              <a:rPr lang="en-US" sz="3000" dirty="0">
-                <a:solidFill>
-                  <a:prstClr val="black"/>
-                </a:solidFill>
-                <a:latin typeface="APL385 Unicode" panose="020B0709000202000203" pitchFamily="49" charset="0"/>
-                <a:ea typeface="+mj-ea"/>
-                <a:cs typeface="+mj-cs"/>
-              </a:rPr>
-              <a:t> 'hello world'</a:t>
-            </a:r>
-          </a:p>
-          <a:p>
-            <a:pPr marL="0" indent="0">
-              <a:buNone/>
-            </a:pPr>
-            <a:r>
-              <a:rPr lang="en-US" sz="3000" dirty="0" err="1">
-                <a:solidFill>
-                  <a:prstClr val="black"/>
-                </a:solidFill>
-                <a:latin typeface="APL385 Unicode" panose="020B0709000202000203" pitchFamily="49" charset="0"/>
-                <a:ea typeface="+mj-ea"/>
-                <a:cs typeface="+mj-cs"/>
-              </a:rPr>
-              <a:t>heo</a:t>
-            </a:r>
-            <a:r>
-              <a:rPr lang="en-US" sz="3000" dirty="0">
-                <a:solidFill>
-                  <a:prstClr val="black"/>
-                </a:solidFill>
-                <a:latin typeface="APL385 Unicode" panose="020B0709000202000203" pitchFamily="49" charset="0"/>
-                <a:ea typeface="+mj-ea"/>
-                <a:cs typeface="+mj-cs"/>
-              </a:rPr>
-              <a:t> word</a:t>
-            </a:r>
-          </a:p>
-          <a:p>
-            <a:pPr marL="0" indent="0">
-              <a:buNone/>
-            </a:pPr>
-            <a:endParaRPr lang="en-US" sz="3000" dirty="0">
-              <a:solidFill>
-                <a:prstClr val="black"/>
-              </a:solidFill>
+              <a:rPr lang="en-US" sz="2800" dirty="0">
+                <a:latin typeface="APL385 Unicode" panose="020B0709000202000203" pitchFamily="49" charset="0"/>
+              </a:rPr>
+              <a:t>      Mean 3 1 4 1 5 9 2 6</a:t>
+            </a:r>
+          </a:p>
+          <a:p>
+            <a:pPr marL="0" indent="0">
+              <a:buNone/>
+            </a:pPr>
+            <a:r>
+              <a:rPr lang="en-US" sz="2800" dirty="0">
+                <a:latin typeface="APL385 Unicode" panose="020B0709000202000203" pitchFamily="49" charset="0"/>
+              </a:rPr>
+              <a:t>3.875</a:t>
+            </a:r>
+          </a:p>
+          <a:p>
+            <a:pPr marL="0" indent="0">
+              <a:buNone/>
+            </a:pPr>
+            <a:r>
+              <a:rPr lang="en-US" sz="2800" dirty="0">
+                <a:latin typeface="APL385 Unicode" panose="020B0709000202000203" pitchFamily="49" charset="0"/>
+              </a:rPr>
+              <a:t>      Mean 4 1 2 5</a:t>
+            </a:r>
+          </a:p>
+          <a:p>
+            <a:pPr marL="0" indent="0">
+              <a:buNone/>
+            </a:pPr>
+            <a:r>
+              <a:rPr lang="en-US" sz="2800" dirty="0">
+                <a:latin typeface="APL385 Unicode" panose="020B0709000202000203" pitchFamily="49" charset="0"/>
+              </a:rPr>
+              <a:t>3</a:t>
+            </a:r>
+          </a:p>
+          <a:p>
+            <a:pPr marL="0" indent="0">
+              <a:buNone/>
+            </a:pPr>
+            <a:r>
+              <a:rPr lang="en-US" sz="2800" dirty="0">
+                <a:latin typeface="APL385 Unicode" panose="020B0709000202000203" pitchFamily="49" charset="0"/>
+              </a:rPr>
+              <a:t>      Mean 6+⍳10</a:t>
+            </a:r>
+          </a:p>
+          <a:p>
+            <a:pPr marL="0" indent="0">
+              <a:buNone/>
+            </a:pPr>
+            <a:r>
+              <a:rPr lang="en-US" sz="2800" dirty="0">
+                <a:latin typeface="APL385 Unicode" panose="020B0709000202000203" pitchFamily="49" charset="0"/>
+              </a:rPr>
+              <a:t>11.5</a:t>
+            </a:r>
+          </a:p>
+          <a:p>
+            <a:pPr marL="0" indent="0">
+              <a:buNone/>
+            </a:pPr>
+            <a:endParaRPr lang="en-US" sz="2800" dirty="0">
               <a:latin typeface="APL385 Unicode" panose="020B0709000202000203" pitchFamily="49" charset="0"/>
-              <a:ea typeface="+mj-ea"/>
-              <a:cs typeface="+mj-cs"/>
             </a:endParaRPr>
           </a:p>
           <a:p>
@@ -4867,72 +9196,61 @@
               <a:buNone/>
             </a:pPr>
             <a:r>
-              <a:rPr lang="en-US" sz="3000" dirty="0">
-                <a:solidFill>
-                  <a:prstClr val="black"/>
-                </a:solidFill>
-                <a:latin typeface="APL385 Unicode" panose="020B0709000202000203" pitchFamily="49" charset="0"/>
-                <a:ea typeface="+mj-ea"/>
-                <a:cs typeface="+mj-cs"/>
-              </a:rPr>
-              <a:t>      'o' </a:t>
-            </a:r>
-            <a:r>
-              <a:rPr lang="en-US" sz="3000" dirty="0" err="1">
-                <a:solidFill>
-                  <a:prstClr val="black"/>
-                </a:solidFill>
-                <a:latin typeface="APL385 Unicode" panose="020B0709000202000203" pitchFamily="49" charset="0"/>
-                <a:ea typeface="+mj-ea"/>
-                <a:cs typeface="+mj-cs"/>
-              </a:rPr>
-              <a:t>RemoveFrom</a:t>
-            </a:r>
-            <a:r>
-              <a:rPr lang="en-US" sz="3000" dirty="0">
-                <a:solidFill>
-                  <a:prstClr val="black"/>
-                </a:solidFill>
-                <a:latin typeface="APL385 Unicode" panose="020B0709000202000203" pitchFamily="49" charset="0"/>
-                <a:ea typeface="+mj-ea"/>
-                <a:cs typeface="+mj-cs"/>
-              </a:rPr>
-              <a:t> 'hello world'</a:t>
-            </a:r>
-          </a:p>
-          <a:p>
-            <a:pPr marL="0" indent="0">
-              <a:buNone/>
-            </a:pPr>
-            <a:r>
-              <a:rPr lang="en-US" sz="3000" dirty="0">
-                <a:solidFill>
-                  <a:prstClr val="black"/>
-                </a:solidFill>
-                <a:latin typeface="APL385 Unicode" panose="020B0709000202000203" pitchFamily="49" charset="0"/>
-                <a:ea typeface="+mj-ea"/>
-                <a:cs typeface="+mj-cs"/>
-              </a:rPr>
-              <a:t>hell </a:t>
-            </a:r>
-            <a:r>
-              <a:rPr lang="en-US" sz="3000" dirty="0" err="1">
-                <a:solidFill>
-                  <a:prstClr val="black"/>
-                </a:solidFill>
-                <a:latin typeface="APL385 Unicode" panose="020B0709000202000203" pitchFamily="49" charset="0"/>
-                <a:ea typeface="+mj-ea"/>
-                <a:cs typeface="+mj-cs"/>
-              </a:rPr>
-              <a:t>wrld</a:t>
-            </a:r>
-            <a:endParaRPr lang="en-GB" sz="3000" dirty="0">
-              <a:solidFill>
-                <a:prstClr val="black"/>
-              </a:solidFill>
+              <a:rPr lang="en-US" sz="2800" dirty="0"/>
+              <a:t>When you're done, </a:t>
+            </a:r>
+            <a:r>
+              <a:rPr lang="en-US" sz="2800" dirty="0">
+                <a:latin typeface="APL385 Unicode" panose="020B0709000202000203" pitchFamily="49" charset="0"/>
+              </a:rPr>
+              <a:t>)</a:t>
+            </a:r>
+            <a:r>
+              <a:rPr lang="en-US" sz="2800" dirty="0" err="1">
+                <a:latin typeface="APL385 Unicode" panose="020B0709000202000203" pitchFamily="49" charset="0"/>
+              </a:rPr>
+              <a:t>fns</a:t>
+            </a:r>
+            <a:r>
+              <a:rPr lang="en-US" sz="2800" dirty="0"/>
+              <a:t> should show something like this:</a:t>
+            </a:r>
+            <a:endParaRPr lang="en-US" sz="2800" dirty="0">
               <a:latin typeface="APL385 Unicode" panose="020B0709000202000203" pitchFamily="49" charset="0"/>
-              <a:ea typeface="+mj-ea"/>
-              <a:cs typeface="+mj-cs"/>
+            </a:endParaRPr>
+          </a:p>
+          <a:p>
+            <a:pPr marL="0" indent="0">
+              <a:buNone/>
+            </a:pPr>
+            <a:r>
+              <a:rPr lang="en-US" sz="2800" dirty="0">
+                <a:latin typeface="APL385 Unicode" panose="020B0709000202000203" pitchFamily="49" charset="0"/>
+              </a:rPr>
+              <a:t>      )</a:t>
+            </a:r>
+            <a:r>
+              <a:rPr lang="en-US" sz="2800" dirty="0" err="1">
+                <a:latin typeface="APL385 Unicode" panose="020B0709000202000203" pitchFamily="49" charset="0"/>
+              </a:rPr>
+              <a:t>fns</a:t>
+            </a:r>
+            <a:endParaRPr lang="en-US" sz="2800" dirty="0">
+              <a:latin typeface="APL385 Unicode" panose="020B0709000202000203" pitchFamily="49" charset="0"/>
+            </a:endParaRPr>
+          </a:p>
+          <a:p>
+            <a:pPr marL="0" indent="0">
+              <a:buNone/>
+            </a:pPr>
+            <a:r>
+              <a:rPr lang="en-US" sz="2800" dirty="0">
+                <a:latin typeface="APL385 Unicode" panose="020B0709000202000203" pitchFamily="49" charset="0"/>
+              </a:rPr>
+              <a:t>Mean</a:t>
+            </a:r>
+            <a:endParaRPr lang="en-GB" sz="2800" dirty="0">
+              <a:latin typeface="APL385 Unicode" panose="020B0709000202000203" pitchFamily="49" charset="0"/>
             </a:endParaRPr>
           </a:p>
         </p:txBody>
@@ -4940,7 +9258,7 @@
     </p:spTree>
     <p:extLst>
       <p:ext uri="{BB962C8B-B14F-4D97-AF65-F5344CB8AC3E}">
-        <p14:creationId xmlns:p14="http://schemas.microsoft.com/office/powerpoint/2010/main" val="619560983"/>
+        <p14:creationId xmlns:p14="http://schemas.microsoft.com/office/powerpoint/2010/main" val="913076088"/>
       </p:ext>
     </p:extLst>
   </p:cSld>
@@ -4982,7 +9300,7 @@
         <p:spPr>
           <a:xfrm>
             <a:off x="696000" y="729000"/>
-            <a:ext cx="10800000" cy="2554545"/>
+            <a:ext cx="10800000" cy="5693866"/>
           </a:xfrm>
           <a:prstGeom prst="rect">
             <a:avLst/>
@@ -4999,7 +9317,7 @@
               <a:buNone/>
             </a:pPr>
             <a:r>
-              <a:rPr kumimoji="0" lang="en-GB" sz="4000" b="1" i="0" u="none" strike="noStrike" kern="1200" cap="none" spc="0" normalizeH="0" baseline="0" noProof="0" dirty="0">
+              <a:rPr kumimoji="0" lang="en-GB" sz="2800" b="1" i="0" u="none" strike="noStrike" kern="1200" cap="none" spc="0" normalizeH="0" baseline="0" noProof="0" dirty="0">
                 <a:ln>
                   <a:noFill/>
                 </a:ln>
@@ -5016,7 +9334,7 @@
               <a:t>Task </a:t>
             </a:r>
             <a:fld id="{C4A595E0-68AA-423E-BAF3-3392370CE250}" type="slidenum">
-              <a:rPr kumimoji="0" lang="en-GB" sz="4000" b="1" i="0" u="none" strike="noStrike" kern="1200" cap="none" spc="0" normalizeH="0" baseline="0" noProof="0" smtClean="0">
+              <a:rPr kumimoji="0" lang="en-GB" sz="2800" b="1" i="0" u="none" strike="noStrike" kern="1200" cap="none" spc="0" normalizeH="0" baseline="0" noProof="0" smtClean="0">
                 <a:ln>
                   <a:noFill/>
                 </a:ln>
@@ -5032,7 +9350,7 @@
               </a:rPr>
               <a:t>7</a:t>
             </a:fld>
-            <a:endParaRPr kumimoji="0" lang="en-GB" sz="4000" b="1" i="0" u="none" strike="noStrike" kern="1200" cap="none" spc="0" normalizeH="0" baseline="0" noProof="0" dirty="0">
+            <a:endParaRPr kumimoji="0" lang="en-GB" sz="2800" b="1" i="0" u="none" strike="noStrike" kern="1200" cap="none" spc="0" normalizeH="0" baseline="0" noProof="0" dirty="0">
               <a:ln>
                 <a:noFill/>
               </a:ln>
@@ -5051,7 +9369,89 @@
             <a:pPr marL="0" indent="0">
               <a:buNone/>
             </a:pPr>
-            <a:endParaRPr lang="en-GB" sz="3000" dirty="0">
+            <a:r>
+              <a:rPr lang="en-GB" sz="2800" dirty="0">
+                <a:solidFill>
+                  <a:prstClr val="black"/>
+                </a:solidFill>
+                <a:latin typeface="Atkinson Hyperlegible" pitchFamily="50" charset="0"/>
+                <a:ea typeface="+mj-ea"/>
+                <a:cs typeface="+mj-cs"/>
+              </a:rPr>
+              <a:t>Define a function </a:t>
+            </a:r>
+            <a:r>
+              <a:rPr lang="en-GB" sz="2800" dirty="0">
+                <a:solidFill>
+                  <a:prstClr val="black"/>
+                </a:solidFill>
+                <a:latin typeface="APL385 Unicode" panose="020B0709000202000203" pitchFamily="49" charset="0"/>
+                <a:ea typeface="+mj-ea"/>
+                <a:cs typeface="+mj-cs"/>
+              </a:rPr>
+              <a:t>ID</a:t>
+            </a:r>
+            <a:r>
+              <a:rPr lang="en-GB" sz="2800" dirty="0">
+                <a:solidFill>
+                  <a:prstClr val="black"/>
+                </a:solidFill>
+                <a:latin typeface="Atkinson Hyperlegible" pitchFamily="50" charset="0"/>
+                <a:ea typeface="+mj-ea"/>
+                <a:cs typeface="+mj-cs"/>
+              </a:rPr>
+              <a:t> to return an </a:t>
+            </a:r>
+            <a:r>
+              <a:rPr lang="en-GB" sz="2800" dirty="0">
+                <a:solidFill>
+                  <a:prstClr val="black"/>
+                </a:solidFill>
+                <a:latin typeface="APL385 Unicode" panose="020B0709000202000203" pitchFamily="49" charset="0"/>
+                <a:ea typeface="+mj-ea"/>
+                <a:cs typeface="+mj-cs"/>
+              </a:rPr>
+              <a:t>⍵</a:t>
+            </a:r>
+            <a:r>
+              <a:rPr lang="en-GB" sz="2800" dirty="0">
+                <a:solidFill>
+                  <a:prstClr val="black"/>
+                </a:solidFill>
+                <a:latin typeface="Atkinson Hyperlegible" pitchFamily="50" charset="0"/>
+                <a:ea typeface="+mj-ea"/>
+                <a:cs typeface="+mj-cs"/>
+              </a:rPr>
+              <a:t> by </a:t>
+            </a:r>
+            <a:r>
+              <a:rPr lang="en-GB" sz="2800" dirty="0">
+                <a:solidFill>
+                  <a:prstClr val="black"/>
+                </a:solidFill>
+                <a:latin typeface="APL385 Unicode" panose="020B0709000202000203" pitchFamily="49" charset="0"/>
+                <a:ea typeface="+mj-ea"/>
+                <a:cs typeface="+mj-cs"/>
+              </a:rPr>
+              <a:t>⍵</a:t>
+            </a:r>
+            <a:r>
+              <a:rPr lang="en-GB" sz="2800" dirty="0">
+                <a:solidFill>
+                  <a:prstClr val="black"/>
+                </a:solidFill>
+                <a:latin typeface="Atkinson Hyperlegible" pitchFamily="50" charset="0"/>
+                <a:ea typeface="+mj-ea"/>
+                <a:cs typeface="+mj-cs"/>
+              </a:rPr>
+              <a:t> identity matrix:</a:t>
+            </a:r>
+          </a:p>
+          <a:p>
+            <a:pPr marL="0" indent="0">
+              <a:buNone/>
+            </a:pPr>
+            <a:endParaRPr lang="en-GB" sz="2800" dirty="0">
               <a:solidFill>
                 <a:prstClr val="black"/>
               </a:solidFill>
@@ -5065,22 +9465,269 @@
               <a:buNone/>
             </a:pPr>
             <a:r>
-              <a:rPr lang="en-GB" sz="3000" dirty="0">
-                <a:solidFill>
-                  <a:prstClr val="black"/>
-                </a:solidFill>
-                <a:latin typeface="Atkinson Hyperlegible" pitchFamily="50" charset="0"/>
-                <a:ea typeface="+mj-ea"/>
-                <a:cs typeface="+mj-cs"/>
-              </a:rPr>
-              <a:t>Save your workspace somewhere in your Documents folder</a:t>
-            </a:r>
-          </a:p>
-          <a:p>
-            <a:pPr marL="0" indent="0">
-              <a:buNone/>
-            </a:pPr>
-            <a:endParaRPr lang="en-GB" sz="3000" dirty="0">
+              <a:rPr lang="en-US" sz="2800" dirty="0">
+                <a:latin typeface="APL385 Unicode" panose="020B0709000202000203" pitchFamily="49" charset="0"/>
+              </a:rPr>
+              <a:t>      ID 3</a:t>
+            </a:r>
+          </a:p>
+          <a:p>
+            <a:pPr marL="0" indent="0">
+              <a:buNone/>
+            </a:pPr>
+            <a:r>
+              <a:rPr lang="en-US" sz="2800" dirty="0">
+                <a:latin typeface="APL385 Unicode" panose="020B0709000202000203" pitchFamily="49" charset="0"/>
+              </a:rPr>
+              <a:t>1 0 0</a:t>
+            </a:r>
+          </a:p>
+          <a:p>
+            <a:pPr marL="0" indent="0">
+              <a:buNone/>
+            </a:pPr>
+            <a:r>
+              <a:rPr lang="en-US" sz="2800" dirty="0">
+                <a:latin typeface="APL385 Unicode" panose="020B0709000202000203" pitchFamily="49" charset="0"/>
+              </a:rPr>
+              <a:t>0 1 0</a:t>
+            </a:r>
+          </a:p>
+          <a:p>
+            <a:pPr marL="0" indent="0">
+              <a:buNone/>
+            </a:pPr>
+            <a:r>
+              <a:rPr lang="en-US" sz="2800" dirty="0">
+                <a:latin typeface="APL385 Unicode" panose="020B0709000202000203" pitchFamily="49" charset="0"/>
+              </a:rPr>
+              <a:t>0 0 1</a:t>
+            </a:r>
+          </a:p>
+          <a:p>
+            <a:pPr marL="0" indent="0">
+              <a:buNone/>
+            </a:pPr>
+            <a:r>
+              <a:rPr lang="en-US" sz="2800" dirty="0">
+                <a:latin typeface="APL385 Unicode" panose="020B0709000202000203" pitchFamily="49" charset="0"/>
+              </a:rPr>
+              <a:t>      ID 5</a:t>
+            </a:r>
+          </a:p>
+          <a:p>
+            <a:pPr marL="0" indent="0">
+              <a:buNone/>
+            </a:pPr>
+            <a:r>
+              <a:rPr lang="en-US" sz="2800" dirty="0">
+                <a:latin typeface="APL385 Unicode" panose="020B0709000202000203" pitchFamily="49" charset="0"/>
+              </a:rPr>
+              <a:t>1 0 0 0 0</a:t>
+            </a:r>
+          </a:p>
+          <a:p>
+            <a:pPr marL="0" indent="0">
+              <a:buNone/>
+            </a:pPr>
+            <a:r>
+              <a:rPr lang="en-US" sz="2800" dirty="0">
+                <a:latin typeface="APL385 Unicode" panose="020B0709000202000203" pitchFamily="49" charset="0"/>
+              </a:rPr>
+              <a:t>0 1 0 0 0</a:t>
+            </a:r>
+          </a:p>
+          <a:p>
+            <a:pPr marL="0" indent="0">
+              <a:buNone/>
+            </a:pPr>
+            <a:r>
+              <a:rPr lang="en-US" sz="2800" dirty="0">
+                <a:latin typeface="APL385 Unicode" panose="020B0709000202000203" pitchFamily="49" charset="0"/>
+              </a:rPr>
+              <a:t>0 0 1 0 0</a:t>
+            </a:r>
+          </a:p>
+          <a:p>
+            <a:pPr marL="0" indent="0">
+              <a:buNone/>
+            </a:pPr>
+            <a:r>
+              <a:rPr lang="en-US" sz="2800" dirty="0">
+                <a:latin typeface="APL385 Unicode" panose="020B0709000202000203" pitchFamily="49" charset="0"/>
+              </a:rPr>
+              <a:t>0 0 0 1 0</a:t>
+            </a:r>
+          </a:p>
+          <a:p>
+            <a:pPr marL="0" indent="0">
+              <a:buNone/>
+            </a:pPr>
+            <a:r>
+              <a:rPr lang="en-US" sz="2800" dirty="0">
+                <a:latin typeface="APL385 Unicode" panose="020B0709000202000203" pitchFamily="49" charset="0"/>
+              </a:rPr>
+              <a:t>0 0 0 0 1</a:t>
+            </a:r>
+            <a:endParaRPr lang="en-GB" sz="2800" dirty="0">
+              <a:latin typeface="APL385 Unicode" panose="020B0709000202000203" pitchFamily="49" charset="0"/>
+            </a:endParaRPr>
+          </a:p>
+        </p:txBody>
+      </p:sp>
+    </p:spTree>
+    <p:extLst>
+      <p:ext uri="{BB962C8B-B14F-4D97-AF65-F5344CB8AC3E}">
+        <p14:creationId xmlns:p14="http://schemas.microsoft.com/office/powerpoint/2010/main" val="1161912592"/>
+      </p:ext>
+    </p:extLst>
+  </p:cSld>
+  <p:clrMapOvr>
+    <a:masterClrMapping/>
+  </p:clrMapOvr>
+</p:sld>
+</file>
+
+<file path=ppt/slides/slide8.xml><?xml version="1.0" encoding="utf-8"?>
+<p:sld xmlns:a="http://schemas.openxmlformats.org/drawingml/2006/main" xmlns:r="http://schemas.openxmlformats.org/officeDocument/2006/relationships" xmlns:p="http://schemas.openxmlformats.org/presentationml/2006/main">
+  <p:cSld>
+    <p:spTree>
+      <p:nvGrpSpPr>
+        <p:cNvPr id="1" name=""/>
+        <p:cNvGrpSpPr/>
+        <p:nvPr/>
+      </p:nvGrpSpPr>
+      <p:grpSpPr>
+        <a:xfrm>
+          <a:off x="0" y="0"/>
+          <a:ext cx="0" cy="0"/>
+          <a:chOff x="0" y="0"/>
+          <a:chExt cx="0" cy="0"/>
+        </a:xfrm>
+      </p:grpSpPr>
+      <p:sp>
+        <p:nvSpPr>
+          <p:cNvPr id="2" name="TextBox 1">
+            <a:extLst>
+              <a:ext uri="{FF2B5EF4-FFF2-40B4-BE49-F238E27FC236}">
+                <a16:creationId xmlns:a16="http://schemas.microsoft.com/office/drawing/2014/main" id="{ABB6BDA9-D3EC-48B2-8801-3CE10D1D5391}"/>
+              </a:ext>
+            </a:extLst>
+          </p:cNvPr>
+          <p:cNvSpPr txBox="1"/>
+          <p:nvPr/>
+        </p:nvSpPr>
+        <p:spPr>
+          <a:xfrm>
+            <a:off x="696000" y="729000"/>
+            <a:ext cx="10800000" cy="5262979"/>
+          </a:xfrm>
+          <a:prstGeom prst="rect">
+            <a:avLst/>
+          </a:prstGeom>
+          <a:noFill/>
+        </p:spPr>
+        <p:txBody>
+          <a:bodyPr wrap="square" rtlCol="0">
+            <a:spAutoFit/>
+          </a:bodyPr>
+          <a:lstStyle/>
+          <a:p>
+            <a:pPr marL="0" indent="0" algn="ctr">
+              <a:buNone/>
+            </a:pPr>
+            <a:r>
+              <a:rPr kumimoji="0" lang="en-GB" sz="2800" b="1" i="0" u="none" strike="noStrike" kern="1200" cap="none" spc="0" normalizeH="0" baseline="0" noProof="0" dirty="0">
+                <a:ln>
+                  <a:noFill/>
+                </a:ln>
+                <a:solidFill>
+                  <a:prstClr val="black"/>
+                </a:solidFill>
+                <a:effectLst/>
+                <a:uLnTx/>
+                <a:uFillTx/>
+                <a:latin typeface="Atkinson Hyperlegible" pitchFamily="50" charset="0"/>
+                <a:ea typeface="+mj-ea"/>
+                <a:cs typeface="+mj-cs"/>
+              </a:rPr>
+              <a:t>Task </a:t>
+            </a:r>
+            <a:fld id="{C4A595E0-68AA-423E-BAF3-3392370CE250}" type="slidenum">
+              <a:rPr kumimoji="0" lang="en-GB" sz="2800" b="1" i="0" u="none" strike="noStrike" kern="1200" cap="none" spc="0" normalizeH="0" baseline="0" noProof="0" smtClean="0">
+                <a:ln>
+                  <a:noFill/>
+                </a:ln>
+                <a:solidFill>
+                  <a:prstClr val="black"/>
+                </a:solidFill>
+                <a:effectLst/>
+                <a:uLnTx/>
+                <a:uFillTx/>
+                <a:latin typeface="Atkinson Hyperlegible" pitchFamily="50" charset="0"/>
+                <a:ea typeface="+mj-ea"/>
+                <a:cs typeface="+mj-cs"/>
+              </a:rPr>
+              <a:t>8</a:t>
+            </a:fld>
+            <a:endParaRPr kumimoji="0" lang="en-GB" sz="2800" b="1" i="0" u="none" strike="noStrike" kern="1200" cap="none" spc="0" normalizeH="0" baseline="0" noProof="0" dirty="0">
+              <a:ln>
+                <a:noFill/>
+              </a:ln>
+              <a:solidFill>
+                <a:prstClr val="black"/>
+              </a:solidFill>
+              <a:effectLst/>
+              <a:uLnTx/>
+              <a:uFillTx/>
+              <a:latin typeface="Atkinson Hyperlegible" pitchFamily="50" charset="0"/>
+              <a:ea typeface="+mj-ea"/>
+              <a:cs typeface="+mj-cs"/>
+            </a:endParaRPr>
+          </a:p>
+          <a:p>
+            <a:pPr marL="0" indent="0">
+              <a:buNone/>
+            </a:pPr>
+            <a:r>
+              <a:rPr lang="en-GB" sz="2800" dirty="0">
+                <a:solidFill>
+                  <a:prstClr val="black"/>
+                </a:solidFill>
+                <a:latin typeface="Atkinson Hyperlegible" pitchFamily="50" charset="0"/>
+                <a:ea typeface="+mj-ea"/>
+                <a:cs typeface="+mj-cs"/>
+              </a:rPr>
+              <a:t>Define a function </a:t>
+            </a:r>
+            <a:r>
+              <a:rPr lang="en-GB" sz="2800" dirty="0" err="1">
+                <a:solidFill>
+                  <a:prstClr val="black"/>
+                </a:solidFill>
+                <a:latin typeface="APL385 Unicode" panose="020B0709000202000203" pitchFamily="49" charset="0"/>
+                <a:ea typeface="+mj-ea"/>
+                <a:cs typeface="+mj-cs"/>
+              </a:rPr>
+              <a:t>TimesRows</a:t>
+            </a:r>
+            <a:r>
+              <a:rPr lang="en-GB" sz="2800" dirty="0">
+                <a:solidFill>
+                  <a:prstClr val="black"/>
+                </a:solidFill>
+                <a:latin typeface="Atkinson Hyperlegible" pitchFamily="50" charset="0"/>
+                <a:ea typeface="+mj-ea"/>
+                <a:cs typeface="+mj-cs"/>
+              </a:rPr>
+              <a:t> to multiply a matrix left argument and a vector right argument. For example:</a:t>
+            </a:r>
+          </a:p>
+          <a:p>
+            <a:pPr marL="0" indent="0">
+              <a:buNone/>
+            </a:pPr>
+            <a:endParaRPr lang="en-GB" sz="2800" dirty="0">
               <a:solidFill>
                 <a:prstClr val="black"/>
               </a:solidFill>
@@ -5094,39 +9741,60 @@
               <a:buNone/>
             </a:pPr>
             <a:r>
-              <a:rPr lang="en-GB" sz="3000" dirty="0">
-                <a:solidFill>
-                  <a:prstClr val="black"/>
-                </a:solidFill>
-                <a:latin typeface="Atkinson Hyperlegible" pitchFamily="50" charset="0"/>
-                <a:ea typeface="+mj-ea"/>
-                <a:cs typeface="+mj-cs"/>
-              </a:rPr>
-              <a:t>Submit </a:t>
-            </a:r>
-            <a:r>
-              <a:rPr lang="en-GB" sz="3000" b="1" i="1" dirty="0" err="1">
-                <a:solidFill>
-                  <a:prstClr val="black"/>
-                </a:solidFill>
-                <a:latin typeface="Atkinson Hyperlegible" pitchFamily="50" charset="0"/>
-                <a:ea typeface="+mj-ea"/>
-                <a:cs typeface="+mj-cs"/>
-              </a:rPr>
-              <a:t>your_name.dws</a:t>
-            </a:r>
-            <a:r>
-              <a:rPr lang="en-GB" sz="3000" dirty="0">
-                <a:solidFill>
-                  <a:prstClr val="black"/>
-                </a:solidFill>
-                <a:latin typeface="Atkinson Hyperlegible" pitchFamily="50" charset="0"/>
-                <a:ea typeface="+mj-ea"/>
-                <a:cs typeface="+mj-cs"/>
-              </a:rPr>
-              <a:t> via Zoom chat</a:t>
-            </a:r>
-            <a:endParaRPr lang="en-GB" sz="3000" dirty="0">
+              <a:rPr lang="en-GB" sz="2800" dirty="0">
+                <a:solidFill>
+                  <a:prstClr val="black"/>
+                </a:solidFill>
+                <a:latin typeface="APL385 Unicode" panose="020B0709000202000203" pitchFamily="49" charset="0"/>
+                <a:ea typeface="+mj-ea"/>
+                <a:cs typeface="+mj-cs"/>
+              </a:rPr>
+              <a:t>      mat ← 4 3⍴6 9 9 10 9 1 3 5 3 6 7 3</a:t>
+            </a:r>
+          </a:p>
+          <a:p>
+            <a:pPr marL="0" indent="0">
+              <a:buNone/>
+            </a:pPr>
+            <a:r>
+              <a:rPr lang="en-GB" sz="2800" dirty="0">
+                <a:solidFill>
+                  <a:prstClr val="black"/>
+                </a:solidFill>
+                <a:latin typeface="APL385 Unicode" panose="020B0709000202000203" pitchFamily="49" charset="0"/>
+                <a:ea typeface="+mj-ea"/>
+                <a:cs typeface="+mj-cs"/>
+              </a:rPr>
+              <a:t>      </a:t>
+            </a:r>
+            <a:r>
+              <a:rPr lang="en-GB" sz="2800" dirty="0" err="1">
+                <a:solidFill>
+                  <a:prstClr val="black"/>
+                </a:solidFill>
+                <a:latin typeface="APL385 Unicode" panose="020B0709000202000203" pitchFamily="49" charset="0"/>
+                <a:ea typeface="+mj-ea"/>
+                <a:cs typeface="+mj-cs"/>
+              </a:rPr>
+              <a:t>vec</a:t>
+            </a:r>
+            <a:r>
+              <a:rPr lang="en-GB" sz="2800" dirty="0">
+                <a:solidFill>
+                  <a:prstClr val="black"/>
+                </a:solidFill>
+                <a:latin typeface="APL385 Unicode" panose="020B0709000202000203" pitchFamily="49" charset="0"/>
+                <a:ea typeface="+mj-ea"/>
+                <a:cs typeface="+mj-cs"/>
+              </a:rPr>
+              <a:t> ← 1 0 ¯1</a:t>
+            </a:r>
+          </a:p>
+          <a:p>
+            <a:pPr marL="0" indent="0">
+              <a:buNone/>
+            </a:pPr>
+            <a:endParaRPr lang="en-GB" sz="2800" dirty="0">
               <a:solidFill>
                 <a:prstClr val="black"/>
               </a:solidFill>
@@ -5135,12 +9803,461 @@
               <a:cs typeface="+mj-cs"/>
             </a:endParaRPr>
           </a:p>
+          <a:p>
+            <a:pPr marL="0" indent="0">
+              <a:buNone/>
+            </a:pPr>
+            <a:r>
+              <a:rPr lang="en-GB" sz="2800" dirty="0">
+                <a:solidFill>
+                  <a:prstClr val="black"/>
+                </a:solidFill>
+                <a:latin typeface="APL385 Unicode" panose="020B0709000202000203" pitchFamily="49" charset="0"/>
+                <a:ea typeface="+mj-ea"/>
+                <a:cs typeface="+mj-cs"/>
+              </a:rPr>
+              <a:t>      mat </a:t>
+            </a:r>
+            <a:r>
+              <a:rPr lang="en-GB" sz="2800" dirty="0" err="1">
+                <a:solidFill>
+                  <a:prstClr val="black"/>
+                </a:solidFill>
+                <a:latin typeface="APL385 Unicode" panose="020B0709000202000203" pitchFamily="49" charset="0"/>
+                <a:ea typeface="+mj-ea"/>
+                <a:cs typeface="+mj-cs"/>
+              </a:rPr>
+              <a:t>TimesRows</a:t>
+            </a:r>
+            <a:r>
+              <a:rPr lang="en-GB" sz="2800" dirty="0">
+                <a:solidFill>
+                  <a:prstClr val="black"/>
+                </a:solidFill>
+                <a:latin typeface="APL385 Unicode" panose="020B0709000202000203" pitchFamily="49" charset="0"/>
+                <a:ea typeface="+mj-ea"/>
+                <a:cs typeface="+mj-cs"/>
+              </a:rPr>
+              <a:t> </a:t>
+            </a:r>
+            <a:r>
+              <a:rPr lang="en-GB" sz="2800" dirty="0" err="1">
+                <a:solidFill>
+                  <a:prstClr val="black"/>
+                </a:solidFill>
+                <a:latin typeface="APL385 Unicode" panose="020B0709000202000203" pitchFamily="49" charset="0"/>
+                <a:ea typeface="+mj-ea"/>
+                <a:cs typeface="+mj-cs"/>
+              </a:rPr>
+              <a:t>vec</a:t>
+            </a:r>
+            <a:endParaRPr lang="en-GB" sz="2800" dirty="0">
+              <a:solidFill>
+                <a:prstClr val="black"/>
+              </a:solidFill>
+              <a:latin typeface="APL385 Unicode" panose="020B0709000202000203" pitchFamily="49" charset="0"/>
+              <a:ea typeface="+mj-ea"/>
+              <a:cs typeface="+mj-cs"/>
+            </a:endParaRPr>
+          </a:p>
+          <a:p>
+            <a:pPr marL="0" indent="0">
+              <a:buNone/>
+            </a:pPr>
+            <a:r>
+              <a:rPr lang="en-US" sz="2800" dirty="0">
+                <a:latin typeface="APL385 Unicode" panose="020B0709000202000203" pitchFamily="49" charset="0"/>
+              </a:rPr>
+              <a:t> 6 0 ¯9</a:t>
+            </a:r>
+          </a:p>
+          <a:p>
+            <a:pPr marL="0" indent="0">
+              <a:buNone/>
+            </a:pPr>
+            <a:r>
+              <a:rPr lang="en-US" sz="2800" dirty="0">
+                <a:latin typeface="APL385 Unicode" panose="020B0709000202000203" pitchFamily="49" charset="0"/>
+              </a:rPr>
+              <a:t>10 0 ¯1</a:t>
+            </a:r>
+          </a:p>
+          <a:p>
+            <a:pPr marL="0" indent="0">
+              <a:buNone/>
+            </a:pPr>
+            <a:r>
+              <a:rPr lang="en-US" sz="2800" dirty="0">
+                <a:latin typeface="APL385 Unicode" panose="020B0709000202000203" pitchFamily="49" charset="0"/>
+              </a:rPr>
+              <a:t> 3 0 ¯3</a:t>
+            </a:r>
+          </a:p>
+          <a:p>
+            <a:pPr marL="0" indent="0">
+              <a:buNone/>
+            </a:pPr>
+            <a:r>
+              <a:rPr lang="en-US" sz="2800" dirty="0">
+                <a:latin typeface="APL385 Unicode" panose="020B0709000202000203" pitchFamily="49" charset="0"/>
+              </a:rPr>
+              <a:t> 6 0 ¯3</a:t>
+            </a:r>
+            <a:endParaRPr lang="en-GB" sz="2800" dirty="0">
+              <a:latin typeface="APL385 Unicode" panose="020B0709000202000203" pitchFamily="49" charset="0"/>
+            </a:endParaRPr>
+          </a:p>
         </p:txBody>
       </p:sp>
     </p:spTree>
     <p:extLst>
       <p:ext uri="{BB962C8B-B14F-4D97-AF65-F5344CB8AC3E}">
-        <p14:creationId xmlns:p14="http://schemas.microsoft.com/office/powerpoint/2010/main" val="1439960758"/>
+        <p14:creationId xmlns:p14="http://schemas.microsoft.com/office/powerpoint/2010/main" val="3082564230"/>
+      </p:ext>
+    </p:extLst>
+  </p:cSld>
+  <p:clrMapOvr>
+    <a:masterClrMapping/>
+  </p:clrMapOvr>
+</p:sld>
+</file>
+
+<file path=ppt/slides/slide9.xml><?xml version="1.0" encoding="utf-8"?>
+<p:sld xmlns:a="http://schemas.openxmlformats.org/drawingml/2006/main" xmlns:r="http://schemas.openxmlformats.org/officeDocument/2006/relationships" xmlns:p="http://schemas.openxmlformats.org/presentationml/2006/main">
+  <p:cSld>
+    <p:spTree>
+      <p:nvGrpSpPr>
+        <p:cNvPr id="1" name=""/>
+        <p:cNvGrpSpPr/>
+        <p:nvPr/>
+      </p:nvGrpSpPr>
+      <p:grpSpPr>
+        <a:xfrm>
+          <a:off x="0" y="0"/>
+          <a:ext cx="0" cy="0"/>
+          <a:chOff x="0" y="0"/>
+          <a:chExt cx="0" cy="0"/>
+        </a:xfrm>
+      </p:grpSpPr>
+      <p:sp>
+        <p:nvSpPr>
+          <p:cNvPr id="2" name="TextBox 1">
+            <a:extLst>
+              <a:ext uri="{FF2B5EF4-FFF2-40B4-BE49-F238E27FC236}">
+                <a16:creationId xmlns:a16="http://schemas.microsoft.com/office/drawing/2014/main" id="{ABB6BDA9-D3EC-48B2-8801-3CE10D1D5391}"/>
+              </a:ext>
+            </a:extLst>
+          </p:cNvPr>
+          <p:cNvSpPr txBox="1"/>
+          <p:nvPr/>
+        </p:nvSpPr>
+        <p:spPr>
+          <a:xfrm>
+            <a:off x="696000" y="729000"/>
+            <a:ext cx="10800000" cy="5262979"/>
+          </a:xfrm>
+          <a:prstGeom prst="rect">
+            <a:avLst/>
+          </a:prstGeom>
+          <a:noFill/>
+        </p:spPr>
+        <p:txBody>
+          <a:bodyPr wrap="square" rtlCol="0">
+            <a:spAutoFit/>
+          </a:bodyPr>
+          <a:lstStyle/>
+          <a:p>
+            <a:pPr marL="0" indent="0" algn="ctr">
+              <a:buNone/>
+            </a:pPr>
+            <a:r>
+              <a:rPr kumimoji="0" lang="en-GB" sz="2800" b="1" i="0" u="none" strike="noStrike" kern="1200" cap="none" spc="0" normalizeH="0" baseline="0" noProof="0" dirty="0">
+                <a:ln>
+                  <a:noFill/>
+                </a:ln>
+                <a:solidFill>
+                  <a:prstClr val="black"/>
+                </a:solidFill>
+                <a:effectLst/>
+                <a:uLnTx/>
+                <a:uFillTx/>
+                <a:latin typeface="Atkinson Hyperlegible" pitchFamily="50" charset="0"/>
+                <a:ea typeface="+mj-ea"/>
+                <a:cs typeface="+mj-cs"/>
+              </a:rPr>
+              <a:t>Task </a:t>
+            </a:r>
+            <a:fld id="{C4A595E0-68AA-423E-BAF3-3392370CE250}" type="slidenum">
+              <a:rPr kumimoji="0" lang="en-GB" sz="2800" b="1" i="0" u="none" strike="noStrike" kern="1200" cap="none" spc="0" normalizeH="0" baseline="0" noProof="0" smtClean="0">
+                <a:ln>
+                  <a:noFill/>
+                </a:ln>
+                <a:solidFill>
+                  <a:prstClr val="black"/>
+                </a:solidFill>
+                <a:effectLst/>
+                <a:uLnTx/>
+                <a:uFillTx/>
+                <a:latin typeface="Atkinson Hyperlegible" pitchFamily="50" charset="0"/>
+                <a:ea typeface="+mj-ea"/>
+                <a:cs typeface="+mj-cs"/>
+              </a:rPr>
+              <a:t>9</a:t>
+            </a:fld>
+            <a:endParaRPr kumimoji="0" lang="en-GB" sz="2800" b="1" i="0" u="none" strike="noStrike" kern="1200" cap="none" spc="0" normalizeH="0" baseline="0" noProof="0" dirty="0">
+              <a:ln>
+                <a:noFill/>
+              </a:ln>
+              <a:solidFill>
+                <a:prstClr val="black"/>
+              </a:solidFill>
+              <a:effectLst/>
+              <a:uLnTx/>
+              <a:uFillTx/>
+              <a:latin typeface="Atkinson Hyperlegible" pitchFamily="50" charset="0"/>
+              <a:ea typeface="+mj-ea"/>
+              <a:cs typeface="+mj-cs"/>
+            </a:endParaRPr>
+          </a:p>
+          <a:p>
+            <a:pPr marL="0" indent="0">
+              <a:buNone/>
+            </a:pPr>
+            <a:r>
+              <a:rPr lang="en-GB" sz="2800" dirty="0">
+                <a:solidFill>
+                  <a:prstClr val="black"/>
+                </a:solidFill>
+                <a:latin typeface="Atkinson Hyperlegible" pitchFamily="50" charset="0"/>
+                <a:ea typeface="+mj-ea"/>
+                <a:cs typeface="+mj-cs"/>
+              </a:rPr>
+              <a:t>Using the Residue function (</a:t>
+            </a:r>
+            <a:r>
+              <a:rPr lang="en-GB" sz="2800" dirty="0">
+                <a:solidFill>
+                  <a:prstClr val="black"/>
+                </a:solidFill>
+                <a:latin typeface="APL385 Unicode" panose="020B0709000202000203" pitchFamily="49" charset="0"/>
+                <a:ea typeface="+mj-ea"/>
+                <a:cs typeface="+mj-cs"/>
+              </a:rPr>
+              <a:t>|</a:t>
+            </a:r>
+            <a:r>
+              <a:rPr lang="en-GB" sz="2800" dirty="0">
+                <a:solidFill>
+                  <a:prstClr val="black"/>
+                </a:solidFill>
+                <a:latin typeface="Atkinson Hyperlegible" pitchFamily="50" charset="0"/>
+                <a:ea typeface="+mj-ea"/>
+                <a:cs typeface="+mj-cs"/>
+              </a:rPr>
+              <a:t>), define a function </a:t>
+            </a:r>
+            <a:r>
+              <a:rPr lang="en-GB" sz="2800" dirty="0">
+                <a:solidFill>
+                  <a:prstClr val="black"/>
+                </a:solidFill>
+                <a:latin typeface="APL385 Unicode" panose="020B0709000202000203" pitchFamily="49" charset="0"/>
+                <a:ea typeface="+mj-ea"/>
+                <a:cs typeface="+mj-cs"/>
+              </a:rPr>
+              <a:t>Multiples</a:t>
+            </a:r>
+            <a:r>
+              <a:rPr lang="en-GB" sz="2800" dirty="0">
+                <a:solidFill>
+                  <a:prstClr val="black"/>
+                </a:solidFill>
+                <a:latin typeface="Atkinson Hyperlegible" pitchFamily="50" charset="0"/>
+                <a:ea typeface="+mj-ea"/>
+                <a:cs typeface="+mj-cs"/>
+              </a:rPr>
+              <a:t> to return only elements of the vector </a:t>
+            </a:r>
+            <a:r>
+              <a:rPr lang="en-GB" sz="2800" dirty="0">
+                <a:solidFill>
+                  <a:prstClr val="black"/>
+                </a:solidFill>
+                <a:latin typeface="APL385 Unicode" panose="020B0709000202000203" pitchFamily="49" charset="0"/>
+                <a:ea typeface="+mj-ea"/>
+                <a:cs typeface="+mj-cs"/>
+              </a:rPr>
+              <a:t>⍵</a:t>
+            </a:r>
+            <a:r>
+              <a:rPr lang="en-GB" sz="2800" dirty="0">
+                <a:solidFill>
+                  <a:prstClr val="black"/>
+                </a:solidFill>
+                <a:latin typeface="Atkinson Hyperlegible" pitchFamily="50" charset="0"/>
+                <a:ea typeface="+mj-ea"/>
+                <a:cs typeface="+mj-cs"/>
+              </a:rPr>
+              <a:t> that are exact multiples of </a:t>
+            </a:r>
+            <a:r>
+              <a:rPr lang="en-GB" sz="2800" dirty="0">
+                <a:solidFill>
+                  <a:prstClr val="black"/>
+                </a:solidFill>
+                <a:latin typeface="APL385 Unicode" panose="020B0709000202000203" pitchFamily="49" charset="0"/>
+                <a:ea typeface="+mj-ea"/>
+                <a:cs typeface="+mj-cs"/>
+              </a:rPr>
+              <a:t>⍺</a:t>
+            </a:r>
+            <a:r>
+              <a:rPr lang="en-GB" sz="2800" dirty="0">
+                <a:solidFill>
+                  <a:prstClr val="black"/>
+                </a:solidFill>
+                <a:latin typeface="Atkinson Hyperlegible" pitchFamily="50" charset="0"/>
+                <a:ea typeface="+mj-ea"/>
+                <a:cs typeface="+mj-cs"/>
+              </a:rPr>
+              <a:t>.</a:t>
+            </a:r>
+          </a:p>
+          <a:p>
+            <a:pPr marL="0" indent="0">
+              <a:buNone/>
+            </a:pPr>
+            <a:endParaRPr lang="en-GB" sz="2800" dirty="0">
+              <a:solidFill>
+                <a:prstClr val="black"/>
+              </a:solidFill>
+              <a:latin typeface="Atkinson Hyperlegible" pitchFamily="50" charset="0"/>
+              <a:ea typeface="+mj-ea"/>
+              <a:cs typeface="+mj-cs"/>
+            </a:endParaRPr>
+          </a:p>
+          <a:p>
+            <a:pPr marL="0" indent="0">
+              <a:buNone/>
+            </a:pPr>
+            <a:r>
+              <a:rPr lang="en-GB" sz="2800" dirty="0">
+                <a:solidFill>
+                  <a:prstClr val="black"/>
+                </a:solidFill>
+                <a:latin typeface="APL385 Unicode" panose="020B0709000202000203" pitchFamily="49" charset="0"/>
+                <a:ea typeface="+mj-ea"/>
+                <a:cs typeface="+mj-cs"/>
+              </a:rPr>
+              <a:t>      7 Multiples 6 12 14 8 21 42 56 97 13</a:t>
+            </a:r>
+          </a:p>
+          <a:p>
+            <a:pPr marL="0" indent="0">
+              <a:buNone/>
+            </a:pPr>
+            <a:r>
+              <a:rPr lang="en-GB" sz="2800" dirty="0">
+                <a:solidFill>
+                  <a:prstClr val="black"/>
+                </a:solidFill>
+                <a:latin typeface="APL385 Unicode" panose="020B0709000202000203" pitchFamily="49" charset="0"/>
+                <a:ea typeface="+mj-ea"/>
+                <a:cs typeface="+mj-cs"/>
+              </a:rPr>
+              <a:t>14 21 42 56</a:t>
+            </a:r>
+          </a:p>
+          <a:p>
+            <a:pPr marL="0" indent="0">
+              <a:buNone/>
+            </a:pPr>
+            <a:endParaRPr lang="en-GB" sz="2800" dirty="0">
+              <a:solidFill>
+                <a:prstClr val="black"/>
+              </a:solidFill>
+              <a:latin typeface="APL385 Unicode" panose="020B0709000202000203" pitchFamily="49" charset="0"/>
+              <a:ea typeface="+mj-ea"/>
+              <a:cs typeface="+mj-cs"/>
+            </a:endParaRPr>
+          </a:p>
+          <a:p>
+            <a:r>
+              <a:rPr lang="en-GB" sz="2800" dirty="0">
+                <a:latin typeface="APL385 Unicode" panose="020B0709000202000203" pitchFamily="49" charset="0"/>
+              </a:rPr>
+              <a:t>      3 Multiples </a:t>
+            </a:r>
+            <a:r>
+              <a:rPr lang="en-GB" sz="2800" dirty="0">
+                <a:solidFill>
+                  <a:prstClr val="black"/>
+                </a:solidFill>
+                <a:latin typeface="APL385 Unicode" panose="020B0709000202000203" pitchFamily="49" charset="0"/>
+                <a:ea typeface="+mj-ea"/>
+                <a:cs typeface="+mj-cs"/>
+              </a:rPr>
+              <a:t>6 9 9 10 9 1 3 5 3 6 7 3</a:t>
+            </a:r>
+            <a:endParaRPr lang="en-GB" sz="2800" dirty="0">
+              <a:latin typeface="APL385 Unicode" panose="020B0709000202000203" pitchFamily="49" charset="0"/>
+            </a:endParaRPr>
+          </a:p>
+          <a:p>
+            <a:pPr marL="0" indent="0">
+              <a:buNone/>
+            </a:pPr>
+            <a:r>
+              <a:rPr lang="en-GB" sz="2800" dirty="0">
+                <a:latin typeface="APL385 Unicode" panose="020B0709000202000203" pitchFamily="49" charset="0"/>
+              </a:rPr>
+              <a:t>6 9 9 9 3 3 6 3</a:t>
+            </a:r>
+          </a:p>
+          <a:p>
+            <a:pPr marL="0" indent="0">
+              <a:buNone/>
+            </a:pPr>
+            <a:endParaRPr lang="en-GB" sz="2800" dirty="0">
+              <a:latin typeface="APL385 Unicode" panose="020B0709000202000203" pitchFamily="49" charset="0"/>
+            </a:endParaRPr>
+          </a:p>
+          <a:p>
+            <a:r>
+              <a:rPr lang="en-GB" sz="2800" dirty="0">
+                <a:latin typeface="APL385 Unicode" panose="020B0709000202000203" pitchFamily="49" charset="0"/>
+              </a:rPr>
+              <a:t>      10 Multiples </a:t>
+            </a:r>
+            <a:r>
+              <a:rPr lang="en-GB" sz="2800" dirty="0">
+                <a:solidFill>
+                  <a:prstClr val="black"/>
+                </a:solidFill>
+                <a:latin typeface="APL385 Unicode" panose="020B0709000202000203" pitchFamily="49" charset="0"/>
+                <a:ea typeface="+mj-ea"/>
+                <a:cs typeface="+mj-cs"/>
+              </a:rPr>
+              <a:t>7 9 13   ⍝ empty vector result</a:t>
+            </a:r>
+            <a:endParaRPr lang="en-GB" sz="2800" dirty="0">
+              <a:latin typeface="APL385 Unicode" panose="020B0709000202000203" pitchFamily="49" charset="0"/>
+            </a:endParaRPr>
+          </a:p>
+          <a:p>
+            <a:pPr marL="0" indent="0">
+              <a:buNone/>
+            </a:pPr>
+            <a:endParaRPr lang="en-GB" sz="2800" dirty="0">
+              <a:latin typeface="APL385 Unicode" panose="020B0709000202000203" pitchFamily="49" charset="0"/>
+            </a:endParaRPr>
+          </a:p>
+        </p:txBody>
+      </p:sp>
+    </p:spTree>
+    <p:extLst>
+      <p:ext uri="{BB962C8B-B14F-4D97-AF65-F5344CB8AC3E}">
+        <p14:creationId xmlns:p14="http://schemas.microsoft.com/office/powerpoint/2010/main" val="582917392"/>
       </p:ext>
     </p:extLst>
   </p:cSld>

--- a/tasks4.pptx
+++ b/tasks4.pptx
@@ -123,6 +123,37 @@
     </a:lvl9pPr>
   </p:defaultTextStyle>
   <p:extLst>
+    <p:ext uri="{521415D9-36F7-43E2-AB2F-B90AF26B5E84}">
+      <p14:sectionLst xmlns:p14="http://schemas.microsoft.com/office/powerpoint/2010/main">
+        <p14:section name="Default Section" id="{7F196A10-9B13-40D4-9E53-07BA71063F61}">
+          <p14:sldIdLst>
+            <p14:sldId id="260"/>
+            <p14:sldId id="264"/>
+            <p14:sldId id="265"/>
+            <p14:sldId id="270"/>
+            <p14:sldId id="279"/>
+            <p14:sldId id="269"/>
+            <p14:sldId id="268"/>
+            <p14:sldId id="262"/>
+            <p14:sldId id="271"/>
+            <p14:sldId id="272"/>
+            <p14:sldId id="280"/>
+            <p14:sldId id="273"/>
+            <p14:sldId id="274"/>
+          </p14:sldIdLst>
+        </p14:section>
+        <p14:section name="Untitled Section" id="{F2B6AB55-4912-4340-B8BC-5A8B999F6A0D}">
+          <p14:sldIdLst>
+            <p14:sldId id="283"/>
+            <p14:sldId id="281"/>
+            <p14:sldId id="275"/>
+            <p14:sldId id="282"/>
+            <p14:sldId id="277"/>
+            <p14:sldId id="267"/>
+          </p14:sldIdLst>
+        </p14:section>
+      </p14:sectionLst>
+    </p:ext>
     <p:ext uri="{EFAFB233-063F-42B5-8137-9DF3F51BA10A}">
       <p15:sldGuideLst xmlns:p15="http://schemas.microsoft.com/office/powerpoint/2012/main"/>
     </p:ext>
@@ -279,7 +310,7 @@
           <a:p>
             <a:fld id="{4C324CBA-B5F8-49E4-A74D-FDDDFCEF0F4B}" type="datetimeFigureOut">
               <a:rPr lang="en-GB" smtClean="0"/>
-              <a:t>24/08/2021</a:t>
+              <a:t>02/09/2021</a:t>
             </a:fld>
             <a:endParaRPr lang="en-GB"/>
           </a:p>
@@ -479,7 +510,7 @@
           <a:p>
             <a:fld id="{4C324CBA-B5F8-49E4-A74D-FDDDFCEF0F4B}" type="datetimeFigureOut">
               <a:rPr lang="en-GB" smtClean="0"/>
-              <a:t>24/08/2021</a:t>
+              <a:t>02/09/2021</a:t>
             </a:fld>
             <a:endParaRPr lang="en-GB"/>
           </a:p>
@@ -689,7 +720,7 @@
           <a:p>
             <a:fld id="{4C324CBA-B5F8-49E4-A74D-FDDDFCEF0F4B}" type="datetimeFigureOut">
               <a:rPr lang="en-GB" smtClean="0"/>
-              <a:t>24/08/2021</a:t>
+              <a:t>02/09/2021</a:t>
             </a:fld>
             <a:endParaRPr lang="en-GB"/>
           </a:p>
@@ -889,7 +920,7 @@
           <a:p>
             <a:fld id="{4C324CBA-B5F8-49E4-A74D-FDDDFCEF0F4B}" type="datetimeFigureOut">
               <a:rPr lang="en-GB" smtClean="0"/>
-              <a:t>24/08/2021</a:t>
+              <a:t>02/09/2021</a:t>
             </a:fld>
             <a:endParaRPr lang="en-GB"/>
           </a:p>
@@ -1165,7 +1196,7 @@
           <a:p>
             <a:fld id="{4C324CBA-B5F8-49E4-A74D-FDDDFCEF0F4B}" type="datetimeFigureOut">
               <a:rPr lang="en-GB" smtClean="0"/>
-              <a:t>24/08/2021</a:t>
+              <a:t>02/09/2021</a:t>
             </a:fld>
             <a:endParaRPr lang="en-GB"/>
           </a:p>
@@ -1433,7 +1464,7 @@
           <a:p>
             <a:fld id="{4C324CBA-B5F8-49E4-A74D-FDDDFCEF0F4B}" type="datetimeFigureOut">
               <a:rPr lang="en-GB" smtClean="0"/>
-              <a:t>24/08/2021</a:t>
+              <a:t>02/09/2021</a:t>
             </a:fld>
             <a:endParaRPr lang="en-GB"/>
           </a:p>
@@ -1848,7 +1879,7 @@
           <a:p>
             <a:fld id="{4C324CBA-B5F8-49E4-A74D-FDDDFCEF0F4B}" type="datetimeFigureOut">
               <a:rPr lang="en-GB" smtClean="0"/>
-              <a:t>24/08/2021</a:t>
+              <a:t>02/09/2021</a:t>
             </a:fld>
             <a:endParaRPr lang="en-GB"/>
           </a:p>
@@ -1990,7 +2021,7 @@
           <a:p>
             <a:fld id="{4C324CBA-B5F8-49E4-A74D-FDDDFCEF0F4B}" type="datetimeFigureOut">
               <a:rPr lang="en-GB" smtClean="0"/>
-              <a:t>24/08/2021</a:t>
+              <a:t>02/09/2021</a:t>
             </a:fld>
             <a:endParaRPr lang="en-GB"/>
           </a:p>
@@ -2103,7 +2134,7 @@
           <a:p>
             <a:fld id="{4C324CBA-B5F8-49E4-A74D-FDDDFCEF0F4B}" type="datetimeFigureOut">
               <a:rPr lang="en-GB" smtClean="0"/>
-              <a:t>24/08/2021</a:t>
+              <a:t>02/09/2021</a:t>
             </a:fld>
             <a:endParaRPr lang="en-GB"/>
           </a:p>
@@ -2416,7 +2447,7 @@
           <a:p>
             <a:fld id="{4C324CBA-B5F8-49E4-A74D-FDDDFCEF0F4B}" type="datetimeFigureOut">
               <a:rPr lang="en-GB" smtClean="0"/>
-              <a:t>24/08/2021</a:t>
+              <a:t>02/09/2021</a:t>
             </a:fld>
             <a:endParaRPr lang="en-GB"/>
           </a:p>
@@ -2705,7 +2736,7 @@
           <a:p>
             <a:fld id="{4C324CBA-B5F8-49E4-A74D-FDDDFCEF0F4B}" type="datetimeFigureOut">
               <a:rPr lang="en-GB" smtClean="0"/>
-              <a:t>24/08/2021</a:t>
+              <a:t>02/09/2021</a:t>
             </a:fld>
             <a:endParaRPr lang="en-GB"/>
           </a:p>
@@ -2950,7 +2981,7 @@
             <a:fld id="{4C324CBA-B5F8-49E4-A74D-FDDDFCEF0F4B}" type="datetimeFigureOut">
               <a:rPr lang="en-GB" smtClean="0"/>
               <a:pPr/>
-              <a:t>24/08/2021</a:t>
+              <a:t>02/09/2021</a:t>
             </a:fld>
             <a:endParaRPr lang="en-GB" dirty="0"/>
           </a:p>
@@ -5581,7 +5612,7 @@
         <p:spPr>
           <a:xfrm>
             <a:off x="696000" y="369000"/>
-            <a:ext cx="10800000" cy="5693866"/>
+            <a:ext cx="10800000" cy="5416868"/>
           </a:xfrm>
           <a:prstGeom prst="rect">
             <a:avLst/>
@@ -5746,7 +5777,7 @@
               <a:buNone/>
             </a:pPr>
             <a:r>
-              <a:rPr lang="en-US" sz="2800" dirty="0">
+              <a:rPr lang="en-US" sz="2600" dirty="0">
                 <a:solidFill>
                   <a:prstClr val="black"/>
                 </a:solidFill>
@@ -5757,7 +5788,7 @@
               <a:t>      names </a:t>
             </a:r>
             <a:r>
-              <a:rPr lang="en-US" sz="2800" dirty="0" err="1">
+              <a:rPr lang="en-US" sz="2600" dirty="0" err="1">
                 <a:solidFill>
                   <a:prstClr val="black"/>
                 </a:solidFill>
@@ -5768,7 +5799,7 @@
               <a:t>ThatHave</a:t>
             </a:r>
             <a:r>
-              <a:rPr lang="en-US" sz="2800" dirty="0">
+              <a:rPr lang="en-US" sz="2600" dirty="0">
                 <a:solidFill>
                   <a:prstClr val="black"/>
                 </a:solidFill>
@@ -5784,7 +5815,7 @@
               <a:buNone/>
             </a:pPr>
             <a:r>
-              <a:rPr lang="en-US" sz="2800" dirty="0">
+              <a:rPr lang="en-US" sz="2600" dirty="0">
                 <a:solidFill>
                   <a:prstClr val="black"/>
                 </a:solidFill>
@@ -5800,7 +5831,7 @@
               <a:buNone/>
             </a:pPr>
             <a:r>
-              <a:rPr lang="en-US" sz="2800" dirty="0">
+              <a:rPr lang="en-US" sz="2600" dirty="0">
                 <a:solidFill>
                   <a:prstClr val="black"/>
                 </a:solidFill>
@@ -5816,7 +5847,7 @@
               <a:buNone/>
             </a:pPr>
             <a:r>
-              <a:rPr lang="en-US" sz="2800" dirty="0">
+              <a:rPr lang="en-US" sz="2600" dirty="0">
                 <a:solidFill>
                   <a:prstClr val="black"/>
                 </a:solidFill>
@@ -5827,7 +5858,7 @@
               <a:t>      names </a:t>
             </a:r>
             <a:r>
-              <a:rPr lang="en-US" sz="2800" dirty="0" err="1">
+              <a:rPr lang="en-US" sz="2600" dirty="0" err="1">
                 <a:solidFill>
                   <a:prstClr val="black"/>
                 </a:solidFill>
@@ -5838,7 +5869,7 @@
               <a:t>ThatHave</a:t>
             </a:r>
             <a:r>
-              <a:rPr lang="en-US" sz="2800" dirty="0">
+              <a:rPr lang="en-US" sz="2600" dirty="0">
                 <a:solidFill>
                   <a:prstClr val="black"/>
                 </a:solidFill>
@@ -5854,7 +5885,7 @@
               <a:buNone/>
             </a:pPr>
             <a:r>
-              <a:rPr lang="en-US" sz="2800" dirty="0">
+              <a:rPr lang="en-US" sz="2600" dirty="0">
                 <a:solidFill>
                   <a:prstClr val="black"/>
                 </a:solidFill>
@@ -5870,7 +5901,7 @@
               <a:buNone/>
             </a:pPr>
             <a:r>
-              <a:rPr lang="en-US" sz="2800" dirty="0">
+              <a:rPr lang="en-US" sz="2600" dirty="0">
                 <a:solidFill>
                   <a:prstClr val="black"/>
                 </a:solidFill>
@@ -5886,7 +5917,7 @@
               <a:buNone/>
             </a:pPr>
             <a:r>
-              <a:rPr lang="en-US" sz="2800" dirty="0">
+              <a:rPr lang="en-US" sz="2600" dirty="0">
                 <a:solidFill>
                   <a:prstClr val="black"/>
                 </a:solidFill>
@@ -5902,7 +5933,7 @@
               <a:buNone/>
             </a:pPr>
             <a:r>
-              <a:rPr lang="en-US" sz="2800" dirty="0">
+              <a:rPr lang="en-US" sz="2600" dirty="0">
                 <a:solidFill>
                   <a:prstClr val="black"/>
                 </a:solidFill>
@@ -5913,7 +5944,7 @@
               <a:t>Sally </a:t>
             </a:r>
             <a:r>
-              <a:rPr lang="en-GB" sz="2800" dirty="0">
+              <a:rPr lang="en-GB" sz="2600" dirty="0">
                 <a:solidFill>
                   <a:prstClr val="black"/>
                 </a:solidFill>
@@ -5926,7 +5957,7 @@
           </a:p>
           <a:p>
             <a:r>
-              <a:rPr lang="en-US" sz="2800" dirty="0">
+              <a:rPr lang="en-US" sz="2600" dirty="0">
                 <a:solidFill>
                   <a:prstClr val="black"/>
                 </a:solidFill>
@@ -5937,7 +5968,7 @@
               <a:t>      names </a:t>
             </a:r>
             <a:r>
-              <a:rPr lang="en-US" sz="2800" dirty="0" err="1">
+              <a:rPr lang="en-US" sz="2600" dirty="0" err="1">
                 <a:solidFill>
                   <a:prstClr val="black"/>
                 </a:solidFill>
@@ -5948,15 +5979,15 @@
               <a:t>ThatHave</a:t>
             </a:r>
             <a:r>
-              <a:rPr lang="en-US" sz="2800" dirty="0">
-                <a:solidFill>
-                  <a:prstClr val="black"/>
-                </a:solidFill>
-                <a:latin typeface="APL385 Unicode" panose="020B0709000202000203" pitchFamily="49" charset="0"/>
-                <a:ea typeface="+mj-ea"/>
-                <a:cs typeface="+mj-cs"/>
-              </a:rPr>
-              <a:t> 'x'   ⍝ zero-row result!</a:t>
+              <a:rPr lang="en-US" sz="2600" dirty="0">
+                <a:solidFill>
+                  <a:prstClr val="black"/>
+                </a:solidFill>
+                <a:latin typeface="APL385 Unicode" panose="020B0709000202000203" pitchFamily="49" charset="0"/>
+                <a:ea typeface="+mj-ea"/>
+                <a:cs typeface="+mj-cs"/>
+              </a:rPr>
+              <a:t> 'x'  ⍝ zero-row matrix result!</a:t>
             </a:r>
           </a:p>
         </p:txBody>
@@ -8436,7 +8467,7 @@
         <p:spPr>
           <a:xfrm>
             <a:off x="696000" y="729000"/>
-            <a:ext cx="10800000" cy="3108543"/>
+            <a:ext cx="10800000" cy="4401205"/>
           </a:xfrm>
           <a:prstGeom prst="rect">
             <a:avLst/>
@@ -8716,55 +8747,6 @@
             <a:pPr marL="0" indent="0">
               <a:buNone/>
             </a:pPr>
-            <a:r>
-              <a:rPr lang="en-US" sz="2800" dirty="0">
-                <a:solidFill>
-                  <a:prstClr val="black"/>
-                </a:solidFill>
-                <a:latin typeface="APL385 Unicode" panose="020B0709000202000203" pitchFamily="49" charset="0"/>
-                <a:ea typeface="+mj-ea"/>
-                <a:cs typeface="+mj-cs"/>
-              </a:rPr>
-              <a:t>      </a:t>
-            </a:r>
-            <a:r>
-              <a:rPr lang="en-US" sz="2800" dirty="0" err="1">
-                <a:solidFill>
-                  <a:prstClr val="black"/>
-                </a:solidFill>
-                <a:latin typeface="APL385 Unicode" panose="020B0709000202000203" pitchFamily="49" charset="0"/>
-                <a:ea typeface="+mj-ea"/>
-                <a:cs typeface="+mj-cs"/>
-              </a:rPr>
-              <a:t>NoSpace</a:t>
-            </a:r>
-            <a:r>
-              <a:rPr lang="en-US" sz="2800" dirty="0">
-                <a:solidFill>
-                  <a:prstClr val="black"/>
-                </a:solidFill>
-                <a:latin typeface="APL385 Unicode" panose="020B0709000202000203" pitchFamily="49" charset="0"/>
-                <a:ea typeface="+mj-ea"/>
-                <a:cs typeface="+mj-cs"/>
-              </a:rPr>
-              <a:t> 'hello world'</a:t>
-            </a:r>
-          </a:p>
-          <a:p>
-            <a:pPr marL="0" indent="0">
-              <a:buNone/>
-            </a:pPr>
-            <a:r>
-              <a:rPr lang="en-US" sz="2800" dirty="0" err="1">
-                <a:solidFill>
-                  <a:prstClr val="black"/>
-                </a:solidFill>
-                <a:latin typeface="APL385 Unicode" panose="020B0709000202000203" pitchFamily="49" charset="0"/>
-                <a:ea typeface="+mj-ea"/>
-                <a:cs typeface="+mj-cs"/>
-              </a:rPr>
-              <a:t>helloworld</a:t>
-            </a:r>
             <a:endParaRPr lang="en-US" sz="2800" dirty="0">
               <a:solidFill>
                 <a:prstClr val="black"/>
@@ -8773,6 +8755,208 @@
               <a:ea typeface="+mj-ea"/>
               <a:cs typeface="+mj-cs"/>
             </a:endParaRPr>
+          </a:p>
+          <a:p>
+            <a:pPr marL="0" indent="0">
+              <a:buNone/>
+            </a:pPr>
+            <a:endParaRPr lang="en-US" sz="2800" dirty="0">
+              <a:solidFill>
+                <a:prstClr val="black"/>
+              </a:solidFill>
+              <a:latin typeface="APL385 Unicode" panose="020B0709000202000203" pitchFamily="49" charset="0"/>
+              <a:ea typeface="+mj-ea"/>
+              <a:cs typeface="+mj-cs"/>
+            </a:endParaRPr>
+          </a:p>
+          <a:p>
+            <a:pPr marL="0" indent="0">
+              <a:buNone/>
+            </a:pPr>
+            <a:endParaRPr lang="en-US" sz="2800" dirty="0">
+              <a:solidFill>
+                <a:prstClr val="black"/>
+              </a:solidFill>
+              <a:latin typeface="APL385 Unicode" panose="020B0709000202000203" pitchFamily="49" charset="0"/>
+              <a:ea typeface="+mj-ea"/>
+              <a:cs typeface="+mj-cs"/>
+            </a:endParaRPr>
+          </a:p>
+          <a:p>
+            <a:pPr marL="0" indent="0">
+              <a:buNone/>
+            </a:pPr>
+            <a:r>
+              <a:rPr lang="en-US" sz="2800" dirty="0">
+                <a:solidFill>
+                  <a:prstClr val="black"/>
+                </a:solidFill>
+                <a:latin typeface="APL385 Unicode" panose="020B0709000202000203" pitchFamily="49" charset="0"/>
+                <a:ea typeface="+mj-ea"/>
+                <a:cs typeface="+mj-cs"/>
+              </a:rPr>
+              <a:t>      </a:t>
+            </a:r>
+            <a:r>
+              <a:rPr lang="en-US" sz="2800" dirty="0" err="1">
+                <a:solidFill>
+                  <a:prstClr val="black"/>
+                </a:solidFill>
+                <a:latin typeface="APL385 Unicode" panose="020B0709000202000203" pitchFamily="49" charset="0"/>
+                <a:ea typeface="+mj-ea"/>
+                <a:cs typeface="+mj-cs"/>
+              </a:rPr>
+              <a:t>NoSpace</a:t>
+            </a:r>
+            <a:r>
+              <a:rPr lang="en-US" sz="2800" dirty="0">
+                <a:solidFill>
+                  <a:prstClr val="black"/>
+                </a:solidFill>
+                <a:latin typeface="APL385 Unicode" panose="020B0709000202000203" pitchFamily="49" charset="0"/>
+                <a:ea typeface="+mj-ea"/>
+                <a:cs typeface="+mj-cs"/>
+              </a:rPr>
+              <a:t> 'hello world'</a:t>
+            </a:r>
+          </a:p>
+          <a:p>
+            <a:pPr marL="0" indent="0">
+              <a:buNone/>
+            </a:pPr>
+            <a:r>
+              <a:rPr lang="en-US" sz="2800" dirty="0" err="1">
+                <a:solidFill>
+                  <a:prstClr val="black"/>
+                </a:solidFill>
+                <a:latin typeface="APL385 Unicode" panose="020B0709000202000203" pitchFamily="49" charset="0"/>
+                <a:ea typeface="+mj-ea"/>
+                <a:cs typeface="+mj-cs"/>
+              </a:rPr>
+              <a:t>helloworld</a:t>
+            </a:r>
+            <a:endParaRPr lang="en-US" sz="2800" dirty="0">
+              <a:solidFill>
+                <a:prstClr val="black"/>
+              </a:solidFill>
+              <a:latin typeface="APL385 Unicode" panose="020B0709000202000203" pitchFamily="49" charset="0"/>
+              <a:ea typeface="+mj-ea"/>
+              <a:cs typeface="+mj-cs"/>
+            </a:endParaRPr>
+          </a:p>
+        </p:txBody>
+      </p:sp>
+      <p:sp>
+        <p:nvSpPr>
+          <p:cNvPr id="3" name="Arrow: Right 2">
+            <a:extLst>
+              <a:ext uri="{FF2B5EF4-FFF2-40B4-BE49-F238E27FC236}">
+                <a16:creationId xmlns:a16="http://schemas.microsoft.com/office/drawing/2014/main" id="{F6B9370F-3C1B-409B-99FC-2EF7BFB81584}"/>
+              </a:ext>
+            </a:extLst>
+          </p:cNvPr>
+          <p:cNvSpPr/>
+          <p:nvPr/>
+        </p:nvSpPr>
+        <p:spPr>
+          <a:xfrm rot="20310901">
+            <a:off x="1118967" y="2917113"/>
+            <a:ext cx="3114068" cy="934634"/>
+          </a:xfrm>
+          <a:prstGeom prst="rightArrow">
+            <a:avLst>
+              <a:gd name="adj1" fmla="val 38455"/>
+              <a:gd name="adj2" fmla="val 53529"/>
+            </a:avLst>
+          </a:prstGeom>
+          <a:solidFill>
+            <a:schemeClr val="accent2"/>
+          </a:solidFill>
+        </p:spPr>
+        <p:style>
+          <a:lnRef idx="2">
+            <a:schemeClr val="accent1">
+              <a:shade val="50000"/>
+            </a:schemeClr>
+          </a:lnRef>
+          <a:fillRef idx="1">
+            <a:schemeClr val="accent1"/>
+          </a:fillRef>
+          <a:effectRef idx="0">
+            <a:schemeClr val="accent1"/>
+          </a:effectRef>
+          <a:fontRef idx="minor">
+            <a:schemeClr val="lt1"/>
+          </a:fontRef>
+        </p:style>
+        <p:txBody>
+          <a:bodyPr rtlCol="0" anchor="ctr"/>
+          <a:lstStyle/>
+          <a:p>
+            <a:pPr algn="ctr"/>
+            <a:r>
+              <a:rPr lang="en-GB" dirty="0">
+                <a:latin typeface="Atkinson Hyperlegible" pitchFamily="2" charset="0"/>
+              </a:rPr>
+              <a:t>Your APL code here</a:t>
+            </a:r>
+          </a:p>
+        </p:txBody>
+      </p:sp>
+      <p:sp>
+        <p:nvSpPr>
+          <p:cNvPr id="4" name="Arrow: Right 3">
+            <a:extLst>
+              <a:ext uri="{FF2B5EF4-FFF2-40B4-BE49-F238E27FC236}">
+                <a16:creationId xmlns:a16="http://schemas.microsoft.com/office/drawing/2014/main" id="{4AC58120-35B7-4A71-979C-B83B48675AD8}"/>
+              </a:ext>
+            </a:extLst>
+          </p:cNvPr>
+          <p:cNvSpPr/>
+          <p:nvPr/>
+        </p:nvSpPr>
+        <p:spPr>
+          <a:xfrm rot="1910591" flipH="1">
+            <a:off x="7767649" y="2917113"/>
+            <a:ext cx="2590037" cy="934634"/>
+          </a:xfrm>
+          <a:prstGeom prst="rightArrow">
+            <a:avLst>
+              <a:gd name="adj1" fmla="val 38455"/>
+              <a:gd name="adj2" fmla="val 53529"/>
+            </a:avLst>
+          </a:prstGeom>
+          <a:solidFill>
+            <a:schemeClr val="accent2"/>
+          </a:solidFill>
+        </p:spPr>
+        <p:style>
+          <a:lnRef idx="2">
+            <a:schemeClr val="accent1">
+              <a:shade val="50000"/>
+            </a:schemeClr>
+          </a:lnRef>
+          <a:fillRef idx="1">
+            <a:schemeClr val="accent1"/>
+          </a:fillRef>
+          <a:effectRef idx="0">
+            <a:schemeClr val="accent1"/>
+          </a:effectRef>
+          <a:fontRef idx="minor">
+            <a:schemeClr val="lt1"/>
+          </a:fontRef>
+        </p:style>
+        <p:txBody>
+          <a:bodyPr rtlCol="0" anchor="ctr"/>
+          <a:lstStyle/>
+          <a:p>
+            <a:pPr algn="ctr"/>
+            <a:r>
+              <a:rPr lang="en-GB" dirty="0">
+                <a:latin typeface="Atkinson Hyperlegible" pitchFamily="2" charset="0"/>
+              </a:rPr>
+              <a:t>Your APL code here</a:t>
+            </a:r>
           </a:p>
         </p:txBody>
       </p:sp>
